--- a/docs/question-answering-draft-1015.pptx
+++ b/docs/question-answering-draft-1015.pptx
@@ -14378,154 +14378,561 @@
           </a:p>
         </p:txBody>
       </p:sp>
-      <p:sp>
-        <p:nvSpPr>
-          <p:cNvPr id="175" name="Google Shape;175;gf918c11ff1_0_0"/>
-          <p:cNvSpPr txBox="1">
-            <a:spLocks noGrp="1"/>
-          </p:cNvSpPr>
-          <p:nvPr>
-            <p:ph type="body" idx="1"/>
-          </p:nvPr>
-        </p:nvSpPr>
-        <p:spPr>
-          <a:xfrm>
-            <a:off x="631500" y="1417638"/>
-            <a:ext cx="8512500" cy="5662200"/>
-          </a:xfrm>
-          <a:prstGeom prst="rect">
-            <a:avLst/>
-          </a:prstGeom>
-        </p:spPr>
-        <p:txBody>
-          <a:bodyPr spcFirstLastPara="1" wrap="square" lIns="91425" tIns="45700" rIns="91425" bIns="45700" anchor="t" anchorCtr="0">
-            <a:normAutofit/>
-          </a:bodyPr>
-          <a:lstStyle/>
-          <a:p>
-            <a:pPr marL="457200" lvl="0" indent="-330200" algn="l" rtl="0">
-              <a:spcBef>
-                <a:spcPts val="360"/>
-              </a:spcBef>
-              <a:spcAft>
-                <a:spcPts val="0"/>
-              </a:spcAft>
-              <a:buSzPts val="1600"/>
-              <a:buFont typeface="Calibri"/>
-              <a:buChar char="●"/>
-            </a:pPr>
-            <a:r>
-              <a:rPr lang="en-HK" sz="2400" dirty="0"/>
-              <a:t>The first factor is prior probability </a:t>
-            </a:r>
-            <a:r>
-              <a:rPr lang="en-HK" sz="2400" dirty="0" smtClean="0"/>
-              <a:t>              , </a:t>
-            </a:r>
-            <a:endParaRPr sz="2400" dirty="0"/>
-          </a:p>
-          <a:p>
-            <a:pPr marL="914400" lvl="1" indent="-330200" algn="l" rtl="0">
-              <a:spcBef>
-                <a:spcPts val="0"/>
-              </a:spcBef>
-              <a:spcAft>
-                <a:spcPts val="0"/>
-              </a:spcAft>
-              <a:buSzPts val="1600"/>
-              <a:buChar char="○"/>
-            </a:pPr>
-            <a:r>
-              <a:rPr lang="en-HK" sz="2400" dirty="0"/>
-              <a:t>the probability that anchor </a:t>
-            </a:r>
-            <a:r>
-              <a:rPr lang="en-HK" sz="2400" i="1" dirty="0"/>
-              <a:t>a</a:t>
-            </a:r>
-            <a:r>
-              <a:rPr lang="en-HK" sz="2400" dirty="0"/>
-              <a:t> point to each </a:t>
-            </a:r>
-            <a:r>
-              <a:rPr lang="en-HK" sz="2400" dirty="0" smtClean="0"/>
-              <a:t>page               , is </a:t>
-            </a:r>
-            <a:r>
-              <a:rPr lang="en-HK" sz="2400" dirty="0"/>
-              <a:t>ratio of the number of links into </a:t>
-            </a:r>
-            <a:r>
-              <a:rPr lang="en-HK" sz="2400" i="1" dirty="0"/>
-              <a:t>e</a:t>
-            </a:r>
-            <a:r>
-              <a:rPr lang="en-HK" sz="2400" dirty="0"/>
-              <a:t> with anchor text </a:t>
-            </a:r>
-            <a:r>
-              <a:rPr lang="en-HK" sz="2400" i="1" dirty="0"/>
-              <a:t>a</a:t>
-            </a:r>
-            <a:r>
-              <a:rPr lang="en-HK" sz="2400" dirty="0"/>
-              <a:t> to the total number of occurrences of </a:t>
-            </a:r>
-            <a:r>
-              <a:rPr lang="en-HK" sz="2400" i="1" dirty="0"/>
-              <a:t>a</a:t>
-            </a:r>
-            <a:r>
-              <a:rPr lang="en-HK" sz="2400" dirty="0"/>
-              <a:t> as an </a:t>
-            </a:r>
-            <a:r>
-              <a:rPr lang="en-HK" sz="2400" dirty="0" smtClean="0"/>
-              <a:t>anchor</a:t>
-            </a:r>
-          </a:p>
-          <a:p>
-            <a:pPr marL="914400" lvl="1" indent="-330200" algn="l" rtl="0">
-              <a:spcBef>
-                <a:spcPts val="0"/>
-              </a:spcBef>
-              <a:spcAft>
-                <a:spcPts val="0"/>
-              </a:spcAft>
-              <a:buSzPts val="1600"/>
-              <a:buChar char="○"/>
-            </a:pPr>
-            <a:endParaRPr sz="2400" dirty="0"/>
-          </a:p>
-          <a:p>
-            <a:pPr marL="457200" lvl="0" indent="-330200" algn="l" rtl="0">
-              <a:spcBef>
-                <a:spcPts val="0"/>
-              </a:spcBef>
-              <a:spcAft>
-                <a:spcPts val="0"/>
-              </a:spcAft>
-              <a:buSzPts val="1600"/>
-              <a:buFont typeface="Calibri"/>
-              <a:buChar char="●"/>
-            </a:pPr>
-            <a:endParaRPr lang="en-HK" sz="2400" dirty="0" smtClean="0"/>
-          </a:p>
-          <a:p>
-            <a:pPr marL="914400" lvl="1" indent="-330200" algn="l" rtl="0">
-              <a:spcBef>
-                <a:spcPts val="0"/>
-              </a:spcBef>
-              <a:spcAft>
-                <a:spcPts val="0"/>
-              </a:spcAft>
-              <a:buSzPts val="1600"/>
-              <a:buChar char="○"/>
-            </a:pPr>
-            <a:endParaRPr sz="2400" i="1" dirty="0"/>
-          </a:p>
-        </p:txBody>
-      </p:sp>
+      <mc:AlternateContent xmlns:mc="http://schemas.openxmlformats.org/markup-compatibility/2006">
+        <mc:Choice xmlns:a14="http://schemas.microsoft.com/office/drawing/2010/main" Requires="a14">
+          <p:sp>
+            <p:nvSpPr>
+              <p:cNvPr id="175" name="Google Shape;175;gf918c11ff1_0_0"/>
+              <p:cNvSpPr txBox="1">
+                <a:spLocks noGrp="1"/>
+              </p:cNvSpPr>
+              <p:nvPr>
+                <p:ph type="body" idx="1"/>
+              </p:nvPr>
+            </p:nvSpPr>
+            <p:spPr>
+              <a:xfrm>
+                <a:off x="631500" y="1417638"/>
+                <a:ext cx="8512500" cy="5662200"/>
+              </a:xfrm>
+              <a:prstGeom prst="rect">
+                <a:avLst/>
+              </a:prstGeom>
+            </p:spPr>
+            <p:txBody>
+              <a:bodyPr spcFirstLastPara="1" wrap="square" lIns="91425" tIns="45700" rIns="91425" bIns="45700" anchor="t" anchorCtr="0">
+                <a:normAutofit/>
+              </a:bodyPr>
+              <a:lstStyle/>
+              <a:p>
+                <a:pPr marL="457200" lvl="0" indent="-330200" algn="l" rtl="0">
+                  <a:spcBef>
+                    <a:spcPts val="360"/>
+                  </a:spcBef>
+                  <a:spcAft>
+                    <a:spcPts val="0"/>
+                  </a:spcAft>
+                  <a:buSzPts val="1600"/>
+                  <a:buFont typeface="Calibri"/>
+                  <a:buChar char="●"/>
+                </a:pPr>
+                <a:r>
+                  <a:rPr lang="en-HK" sz="2400" dirty="0" smtClean="0"/>
+                  <a:t>The first factor is prior probability </a:t>
+                </a:r>
+                <a14:m>
+                  <m:oMath xmlns:m="http://schemas.openxmlformats.org/officeDocument/2006/math">
+                    <m:r>
+                      <a:rPr lang="en-HK" sz="2400" i="1" smtClean="0">
+                        <a:latin typeface="Cambria Math" panose="02040503050406030204" pitchFamily="18" charset="0"/>
+                      </a:rPr>
+                      <m:t>𝑝</m:t>
+                    </m:r>
+                    <m:d>
+                      <m:dPr>
+                        <m:ctrlPr>
+                          <a:rPr lang="ar-AE" sz="2400" i="1" smtClean="0">
+                            <a:latin typeface="Cambria Math" panose="02040503050406030204" pitchFamily="18" charset="0"/>
+                          </a:rPr>
+                        </m:ctrlPr>
+                      </m:dPr>
+                      <m:e>
+                        <m:d>
+                          <m:dPr>
+                            <m:begChr m:val=""/>
+                            <m:endChr m:val="|"/>
+                            <m:ctrlPr>
+                              <a:rPr lang="ar-AE" sz="2400" i="1" smtClean="0">
+                                <a:latin typeface="Cambria Math" panose="02040503050406030204" pitchFamily="18" charset="0"/>
+                              </a:rPr>
+                            </m:ctrlPr>
+                          </m:dPr>
+                          <m:e>
+                            <m:r>
+                              <a:rPr lang="ar-AE" sz="2400" i="0" smtClean="0">
+                                <a:latin typeface="Cambria Math" panose="02040503050406030204" pitchFamily="18" charset="0"/>
+                              </a:rPr>
+                              <m:t>ⅇ</m:t>
+                            </m:r>
+                          </m:e>
+                        </m:d>
+                        <m:r>
+                          <a:rPr lang="ar-AE" sz="2400" i="1" smtClean="0">
+                            <a:latin typeface="Cambria Math" panose="02040503050406030204" pitchFamily="18" charset="0"/>
+                          </a:rPr>
+                          <m:t>𝑎</m:t>
+                        </m:r>
+                      </m:e>
+                    </m:d>
+                  </m:oMath>
+                </a14:m>
+                <a:r>
+                  <a:rPr lang="ar-AE" sz="2400" dirty="0" smtClean="0"/>
+                  <a:t>, </a:t>
+                </a:r>
+                <a:endParaRPr lang="ar-AE" sz="2400" dirty="0"/>
+              </a:p>
+              <a:p>
+                <a:pPr marL="914400" lvl="1" indent="-330200" algn="l" rtl="0">
+                  <a:spcBef>
+                    <a:spcPts val="0"/>
+                  </a:spcBef>
+                  <a:spcAft>
+                    <a:spcPts val="0"/>
+                  </a:spcAft>
+                  <a:buSzPts val="1600"/>
+                  <a:buChar char="○"/>
+                </a:pPr>
+                <a:r>
+                  <a:rPr lang="en-HK" sz="2400" dirty="0">
+                    <a:latin typeface="Calibri" panose="020F0502020204030204" pitchFamily="34" charset="0"/>
+                    <a:cs typeface="Calibri" panose="020F0502020204030204" pitchFamily="34" charset="0"/>
+                  </a:rPr>
+                  <a:t>the probability that anchor </a:t>
+                </a:r>
+                <a:r>
+                  <a:rPr lang="en-HK" sz="2400" i="1" dirty="0">
+                    <a:latin typeface="Calibri" panose="020F0502020204030204" pitchFamily="34" charset="0"/>
+                    <a:cs typeface="Calibri" panose="020F0502020204030204" pitchFamily="34" charset="0"/>
+                  </a:rPr>
+                  <a:t>a</a:t>
+                </a:r>
+                <a:r>
+                  <a:rPr lang="en-HK" sz="2400" dirty="0">
+                    <a:latin typeface="Calibri" panose="020F0502020204030204" pitchFamily="34" charset="0"/>
+                    <a:cs typeface="Calibri" panose="020F0502020204030204" pitchFamily="34" charset="0"/>
+                  </a:rPr>
+                  <a:t> point to each </a:t>
+                </a:r>
+                <a:r>
+                  <a:rPr lang="en-HK" sz="2400" dirty="0" smtClean="0">
+                    <a:latin typeface="Calibri" panose="020F0502020204030204" pitchFamily="34" charset="0"/>
+                    <a:cs typeface="Calibri" panose="020F0502020204030204" pitchFamily="34" charset="0"/>
+                  </a:rPr>
+                  <a:t>page </a:t>
+                </a:r>
+                <a14:m>
+                  <m:oMath xmlns:m="http://schemas.openxmlformats.org/officeDocument/2006/math">
+                    <m:r>
+                      <a:rPr lang="en-HK" sz="2400" smtClean="0">
+                        <a:latin typeface="Cambria Math" panose="02040503050406030204" pitchFamily="18" charset="0"/>
+                      </a:rPr>
+                      <m:t>ⅇ</m:t>
+                    </m:r>
+                    <m:r>
+                      <a:rPr lang="en-HK" sz="2400" i="0" smtClean="0">
+                        <a:latin typeface="Cambria Math" panose="02040503050406030204" pitchFamily="18" charset="0"/>
+                      </a:rPr>
+                      <m:t>∈</m:t>
+                    </m:r>
+                    <m:r>
+                      <a:rPr lang="en-HK" sz="2400" i="1" smtClean="0">
+                        <a:latin typeface="Cambria Math" panose="02040503050406030204" pitchFamily="18" charset="0"/>
+                      </a:rPr>
+                      <m:t>𝜀</m:t>
+                    </m:r>
+                    <m:d>
+                      <m:dPr>
+                        <m:ctrlPr>
+                          <a:rPr lang="ar-AE" sz="2400" i="1" smtClean="0">
+                            <a:latin typeface="Cambria Math" panose="02040503050406030204" pitchFamily="18" charset="0"/>
+                          </a:rPr>
+                        </m:ctrlPr>
+                      </m:dPr>
+                      <m:e>
+                        <m:r>
+                          <a:rPr lang="ar-AE" sz="2400" i="1" smtClean="0">
+                            <a:latin typeface="Cambria Math" panose="02040503050406030204" pitchFamily="18" charset="0"/>
+                          </a:rPr>
+                          <m:t>𝑎</m:t>
+                        </m:r>
+                      </m:e>
+                    </m:d>
+                  </m:oMath>
+                </a14:m>
+                <a:r>
+                  <a:rPr lang="ar-AE" sz="2400" dirty="0" smtClean="0">
+                    <a:latin typeface="Calibri" panose="020F0502020204030204" pitchFamily="34" charset="0"/>
+                    <a:cs typeface="Calibri" panose="020F0502020204030204" pitchFamily="34" charset="0"/>
+                  </a:rPr>
+                  <a:t> , </a:t>
+                </a:r>
+                <a:r>
+                  <a:rPr lang="en-HK" sz="2400" dirty="0" smtClean="0">
+                    <a:latin typeface="Calibri" panose="020F0502020204030204" pitchFamily="34" charset="0"/>
+                    <a:cs typeface="Calibri" panose="020F0502020204030204" pitchFamily="34" charset="0"/>
+                  </a:rPr>
+                  <a:t>is </a:t>
+                </a:r>
+                <a:r>
+                  <a:rPr lang="en-HK" sz="2400" dirty="0">
+                    <a:latin typeface="Calibri" panose="020F0502020204030204" pitchFamily="34" charset="0"/>
+                    <a:cs typeface="Calibri" panose="020F0502020204030204" pitchFamily="34" charset="0"/>
+                  </a:rPr>
+                  <a:t>ratio of the number of links into </a:t>
+                </a:r>
+                <a:r>
+                  <a:rPr lang="en-HK" sz="2400" i="1" dirty="0">
+                    <a:latin typeface="Calibri" panose="020F0502020204030204" pitchFamily="34" charset="0"/>
+                    <a:cs typeface="Calibri" panose="020F0502020204030204" pitchFamily="34" charset="0"/>
+                  </a:rPr>
+                  <a:t>e</a:t>
+                </a:r>
+                <a:r>
+                  <a:rPr lang="en-HK" sz="2400" dirty="0">
+                    <a:latin typeface="Calibri" panose="020F0502020204030204" pitchFamily="34" charset="0"/>
+                    <a:cs typeface="Calibri" panose="020F0502020204030204" pitchFamily="34" charset="0"/>
+                  </a:rPr>
+                  <a:t> with anchor text </a:t>
+                </a:r>
+                <a:r>
+                  <a:rPr lang="en-HK" sz="2400" i="1" dirty="0">
+                    <a:latin typeface="Calibri" panose="020F0502020204030204" pitchFamily="34" charset="0"/>
+                    <a:cs typeface="Calibri" panose="020F0502020204030204" pitchFamily="34" charset="0"/>
+                  </a:rPr>
+                  <a:t>a</a:t>
+                </a:r>
+                <a:r>
+                  <a:rPr lang="en-HK" sz="2400" dirty="0">
+                    <a:latin typeface="Calibri" panose="020F0502020204030204" pitchFamily="34" charset="0"/>
+                    <a:cs typeface="Calibri" panose="020F0502020204030204" pitchFamily="34" charset="0"/>
+                  </a:rPr>
+                  <a:t> to the total number of occurrences of </a:t>
+                </a:r>
+                <a:r>
+                  <a:rPr lang="en-HK" sz="2400" i="1" dirty="0">
+                    <a:latin typeface="Calibri" panose="020F0502020204030204" pitchFamily="34" charset="0"/>
+                    <a:cs typeface="Calibri" panose="020F0502020204030204" pitchFamily="34" charset="0"/>
+                  </a:rPr>
+                  <a:t>a</a:t>
+                </a:r>
+                <a:r>
+                  <a:rPr lang="en-HK" sz="2400" dirty="0">
+                    <a:latin typeface="Calibri" panose="020F0502020204030204" pitchFamily="34" charset="0"/>
+                    <a:cs typeface="Calibri" panose="020F0502020204030204" pitchFamily="34" charset="0"/>
+                  </a:rPr>
+                  <a:t> as an </a:t>
+                </a:r>
+                <a:r>
+                  <a:rPr lang="en-HK" sz="2400" dirty="0" smtClean="0">
+                    <a:latin typeface="Calibri" panose="020F0502020204030204" pitchFamily="34" charset="0"/>
+                    <a:cs typeface="Calibri" panose="020F0502020204030204" pitchFamily="34" charset="0"/>
+                  </a:rPr>
+                  <a:t>anchor</a:t>
+                </a:r>
+              </a:p>
+              <a:p>
+                <a:pPr marL="584200" lvl="1" indent="0" algn="l" rtl="0">
+                  <a:spcBef>
+                    <a:spcPts val="0"/>
+                  </a:spcBef>
+                  <a:spcAft>
+                    <a:spcPts val="0"/>
+                  </a:spcAft>
+                  <a:buSzPts val="1600"/>
+                  <a:buNone/>
+                </a:pPr>
+                <a14:m>
+                  <m:oMathPara xmlns:m="http://schemas.openxmlformats.org/officeDocument/2006/math">
+                    <m:oMathParaPr>
+                      <m:jc m:val="centerGroup"/>
+                    </m:oMathParaPr>
+                    <m:oMath xmlns:m="http://schemas.openxmlformats.org/officeDocument/2006/math">
+                      <m:r>
+                        <a:rPr lang="en-HK" sz="2400" b="0" i="1" dirty="0" smtClean="0">
+                          <a:latin typeface="Cambria Math" panose="02040503050406030204" pitchFamily="18" charset="0"/>
+                        </a:rPr>
+                        <m:t>𝑝</m:t>
+                      </m:r>
+                      <m:r>
+                        <a:rPr lang="en-US" sz="2400" b="0" i="1" dirty="0" smtClean="0">
+                          <a:latin typeface="Cambria Math" panose="02040503050406030204" pitchFamily="18" charset="0"/>
+                        </a:rPr>
+                        <m:t>𝑟𝑖𝑜𝑟</m:t>
+                      </m:r>
+                      <m:d>
+                        <m:dPr>
+                          <m:ctrlPr>
+                            <a:rPr lang="ar-AE" sz="2400" i="1" dirty="0" smtClean="0">
+                              <a:latin typeface="Cambria Math" panose="02040503050406030204" pitchFamily="18" charset="0"/>
+                            </a:rPr>
+                          </m:ctrlPr>
+                        </m:dPr>
+                        <m:e>
+                          <m:r>
+                            <a:rPr lang="ar-AE" sz="2400" i="1" dirty="0" smtClean="0">
+                              <a:latin typeface="Cambria Math" panose="02040503050406030204" pitchFamily="18" charset="0"/>
+                            </a:rPr>
+                            <m:t>𝑎</m:t>
+                          </m:r>
+                          <m:r>
+                            <a:rPr lang="ar-AE" sz="2400" i="0" dirty="0" smtClean="0">
+                              <a:latin typeface="Cambria Math" panose="02040503050406030204" pitchFamily="18" charset="0"/>
+                            </a:rPr>
+                            <m:t>→ⅇ</m:t>
+                          </m:r>
+                        </m:e>
+                      </m:d>
+                      <m:r>
+                        <a:rPr lang="ar-AE" sz="2400" i="0" dirty="0" smtClean="0">
+                          <a:latin typeface="Cambria Math" panose="02040503050406030204" pitchFamily="18" charset="0"/>
+                        </a:rPr>
+                        <m:t>=</m:t>
+                      </m:r>
+                      <m:r>
+                        <a:rPr lang="ar-AE" sz="2400" i="1" dirty="0" smtClean="0">
+                          <a:latin typeface="Cambria Math" panose="02040503050406030204" pitchFamily="18" charset="0"/>
+                        </a:rPr>
+                        <m:t>𝑝</m:t>
+                      </m:r>
+                      <m:d>
+                        <m:dPr>
+                          <m:ctrlPr>
+                            <a:rPr lang="ar-AE" sz="2400" i="1" dirty="0" smtClean="0">
+                              <a:latin typeface="Cambria Math" panose="02040503050406030204" pitchFamily="18" charset="0"/>
+                            </a:rPr>
+                          </m:ctrlPr>
+                        </m:dPr>
+                        <m:e>
+                          <m:d>
+                            <m:dPr>
+                              <m:begChr m:val=""/>
+                              <m:endChr m:val="|"/>
+                              <m:ctrlPr>
+                                <a:rPr lang="ar-AE" sz="2400" i="1" dirty="0" smtClean="0">
+                                  <a:latin typeface="Cambria Math" panose="02040503050406030204" pitchFamily="18" charset="0"/>
+                                </a:rPr>
+                              </m:ctrlPr>
+                            </m:dPr>
+                            <m:e>
+                              <m:r>
+                                <a:rPr lang="ar-AE" sz="2400" i="0" dirty="0" smtClean="0">
+                                  <a:latin typeface="Cambria Math" panose="02040503050406030204" pitchFamily="18" charset="0"/>
+                                </a:rPr>
+                                <m:t>ⅇ</m:t>
+                              </m:r>
+                            </m:e>
+                          </m:d>
+                          <m:r>
+                            <a:rPr lang="en-US" sz="2400" b="0" i="1" dirty="0" smtClean="0">
+                              <a:latin typeface="Cambria Math" panose="02040503050406030204" pitchFamily="18" charset="0"/>
+                            </a:rPr>
+                            <m:t>𝑎</m:t>
+                          </m:r>
+                        </m:e>
+                      </m:d>
+                      <m:r>
+                        <a:rPr lang="ar-AE" sz="2400" i="0" dirty="0" smtClean="0">
+                          <a:latin typeface="Cambria Math" panose="02040503050406030204" pitchFamily="18" charset="0"/>
+                        </a:rPr>
+                        <m:t>=</m:t>
+                      </m:r>
+                      <m:f>
+                        <m:fPr>
+                          <m:ctrlPr>
+                            <a:rPr lang="ar-AE" sz="2400" i="1" dirty="0" smtClean="0">
+                              <a:latin typeface="Cambria Math" panose="02040503050406030204" pitchFamily="18" charset="0"/>
+                            </a:rPr>
+                          </m:ctrlPr>
+                        </m:fPr>
+                        <m:num>
+                          <m:func>
+                            <m:funcPr>
+                              <m:ctrlPr>
+                                <a:rPr lang="ar-AE" sz="2400" i="1" dirty="0" smtClean="0">
+                                  <a:latin typeface="Cambria Math" panose="02040503050406030204" pitchFamily="18" charset="0"/>
+                                </a:rPr>
+                              </m:ctrlPr>
+                            </m:funcPr>
+                            <m:fName>
+                              <m:r>
+                                <m:rPr>
+                                  <m:sty m:val="p"/>
+                                </m:rPr>
+                                <a:rPr lang="en-HK" sz="2400" i="0" dirty="0" smtClean="0">
+                                  <a:latin typeface="Cambria Math" panose="02040503050406030204" pitchFamily="18" charset="0"/>
+                                </a:rPr>
+                                <m:t>c</m:t>
+                              </m:r>
+                              <m:r>
+                                <m:rPr>
+                                  <m:sty m:val="p"/>
+                                </m:rPr>
+                                <a:rPr lang="en-US" sz="2400" b="0" i="0" dirty="0" smtClean="0">
+                                  <a:latin typeface="Cambria Math" panose="02040503050406030204" pitchFamily="18" charset="0"/>
+                                </a:rPr>
+                                <m:t>oun</m:t>
+                              </m:r>
+                              <m:r>
+                                <m:rPr>
+                                  <m:sty m:val="p"/>
+                                </m:rPr>
+                                <a:rPr lang="en-HK" sz="2400" i="0" dirty="0" smtClean="0">
+                                  <a:latin typeface="Cambria Math" panose="02040503050406030204" pitchFamily="18" charset="0"/>
+                                </a:rPr>
+                                <m:t>t</m:t>
+                              </m:r>
+                            </m:fName>
+                            <m:e>
+                              <m:d>
+                                <m:dPr>
+                                  <m:ctrlPr>
+                                    <a:rPr lang="ar-AE" sz="2400" i="1" dirty="0" smtClean="0">
+                                      <a:latin typeface="Cambria Math" panose="02040503050406030204" pitchFamily="18" charset="0"/>
+                                    </a:rPr>
+                                  </m:ctrlPr>
+                                </m:dPr>
+                                <m:e>
+                                  <m:r>
+                                    <a:rPr lang="ar-AE" sz="2400" i="1" dirty="0" smtClean="0">
+                                      <a:latin typeface="Cambria Math" panose="02040503050406030204" pitchFamily="18" charset="0"/>
+                                    </a:rPr>
+                                    <m:t>𝑎</m:t>
+                                  </m:r>
+                                  <m:r>
+                                    <a:rPr lang="en-US" sz="2400" b="0" i="1" dirty="0" smtClean="0">
+                                      <a:latin typeface="Cambria Math" panose="02040503050406030204" pitchFamily="18" charset="0"/>
+                                    </a:rPr>
+                                    <m:t> </m:t>
+                                  </m:r>
+                                  <m:r>
+                                    <a:rPr lang="ar-AE" sz="2400" i="0" dirty="0" smtClean="0">
+                                      <a:latin typeface="Cambria Math" panose="02040503050406030204" pitchFamily="18" charset="0"/>
+                                    </a:rPr>
+                                    <m:t>→</m:t>
+                                  </m:r>
+                                  <m:r>
+                                    <a:rPr lang="en-US" sz="2400" b="0" i="0" dirty="0" smtClean="0">
+                                      <a:latin typeface="Cambria Math" panose="02040503050406030204" pitchFamily="18" charset="0"/>
+                                    </a:rPr>
+                                    <m:t> </m:t>
+                                  </m:r>
+                                  <m:r>
+                                    <a:rPr lang="ar-AE" sz="2400" i="0" dirty="0" smtClean="0">
+                                      <a:latin typeface="Cambria Math" panose="02040503050406030204" pitchFamily="18" charset="0"/>
+                                    </a:rPr>
+                                    <m:t>ⅇ</m:t>
+                                  </m:r>
+                                </m:e>
+                              </m:d>
+                            </m:e>
+                          </m:func>
+                        </m:num>
+                        <m:den>
+                          <m:r>
+                            <a:rPr lang="en-US" sz="2400" b="0" i="1" dirty="0" smtClean="0">
+                              <a:latin typeface="Cambria Math" panose="02040503050406030204" pitchFamily="18" charset="0"/>
+                            </a:rPr>
+                            <m:t>𝑙𝑖𝑛𝑘</m:t>
+                          </m:r>
+                          <m:d>
+                            <m:dPr>
+                              <m:ctrlPr>
+                                <a:rPr lang="ar-AE" sz="2400" i="1" dirty="0" smtClean="0">
+                                  <a:latin typeface="Cambria Math" panose="02040503050406030204" pitchFamily="18" charset="0"/>
+                                </a:rPr>
+                              </m:ctrlPr>
+                            </m:dPr>
+                            <m:e>
+                              <m:r>
+                                <a:rPr lang="ar-AE" sz="2400" i="1" dirty="0" smtClean="0">
+                                  <a:latin typeface="Cambria Math" panose="02040503050406030204" pitchFamily="18" charset="0"/>
+                                </a:rPr>
+                                <m:t>𝑎</m:t>
+                              </m:r>
+                            </m:e>
+                          </m:d>
+                        </m:den>
+                      </m:f>
+                    </m:oMath>
+                  </m:oMathPara>
+                </a14:m>
+                <a:endParaRPr lang="ar-AE" sz="2400" dirty="0" smtClean="0"/>
+              </a:p>
+              <a:p>
+                <a:pPr marL="914400" lvl="1" indent="-330200" algn="l" rtl="0">
+                  <a:spcBef>
+                    <a:spcPts val="0"/>
+                  </a:spcBef>
+                  <a:spcAft>
+                    <a:spcPts val="0"/>
+                  </a:spcAft>
+                  <a:buSzPts val="1600"/>
+                  <a:buChar char="○"/>
+                </a:pPr>
+                <a:endParaRPr lang="ar-AE" sz="2400" dirty="0"/>
+              </a:p>
+              <a:p>
+                <a:pPr marL="457200" lvl="0" indent="-330200" algn="l" rtl="0">
+                  <a:spcBef>
+                    <a:spcPts val="0"/>
+                  </a:spcBef>
+                  <a:spcAft>
+                    <a:spcPts val="0"/>
+                  </a:spcAft>
+                  <a:buSzPts val="1600"/>
+                  <a:buFont typeface="Calibri"/>
+                  <a:buChar char="●"/>
+                </a:pPr>
+                <a:endParaRPr lang="ar-AE" sz="2400" dirty="0" smtClean="0"/>
+              </a:p>
+              <a:p>
+                <a:pPr marL="914400" lvl="1" indent="-330200" algn="l" rtl="0">
+                  <a:spcBef>
+                    <a:spcPts val="0"/>
+                  </a:spcBef>
+                  <a:spcAft>
+                    <a:spcPts val="0"/>
+                  </a:spcAft>
+                  <a:buSzPts val="1600"/>
+                  <a:buChar char="○"/>
+                </a:pPr>
+                <a:endParaRPr sz="2400" i="1" dirty="0"/>
+              </a:p>
+            </p:txBody>
+          </p:sp>
+        </mc:Choice>
+        <mc:Fallback>
+          <p:sp>
+            <p:nvSpPr>
+              <p:cNvPr id="175" name="Google Shape;175;gf918c11ff1_0_0"/>
+              <p:cNvSpPr txBox="1">
+                <a:spLocks noGrp="1" noRot="1" noChangeAspect="1" noMove="1" noResize="1" noEditPoints="1" noAdjustHandles="1" noChangeArrowheads="1" noChangeShapeType="1" noTextEdit="1"/>
+              </p:cNvSpPr>
+              <p:nvPr>
+                <p:ph type="body" idx="1"/>
+              </p:nvPr>
+            </p:nvSpPr>
+            <p:spPr>
+              <a:xfrm>
+                <a:off x="631500" y="1417638"/>
+                <a:ext cx="8512500" cy="5662200"/>
+              </a:xfrm>
+              <a:prstGeom prst="rect">
+                <a:avLst/>
+              </a:prstGeom>
+              <a:blipFill>
+                <a:blip r:embed="rId3"/>
+                <a:stretch>
+                  <a:fillRect t="-9806"/>
+                </a:stretch>
+              </a:blipFill>
+            </p:spPr>
+            <p:txBody>
+              <a:bodyPr/>
+              <a:lstStyle/>
+              <a:p>
+                <a:r>
+                  <a:rPr lang="en-US">
+                    <a:noFill/>
+                  </a:rPr>
+                  <a:t> </a:t>
+                </a:r>
+              </a:p>
+            </p:txBody>
+          </p:sp>
+        </mc:Fallback>
+      </mc:AlternateContent>
       <p:sp>
         <p:nvSpPr>
           <p:cNvPr id="176" name="Google Shape;176;gf918c11ff1_0_0"/>
@@ -14572,177 +14979,6 @@
           </a:p>
         </p:txBody>
       </p:sp>
-      <p:graphicFrame>
-        <p:nvGraphicFramePr>
-          <p:cNvPr id="2" name="Object 1"/>
-          <p:cNvGraphicFramePr>
-            <a:graphicFrameLocks noChangeAspect="1"/>
-          </p:cNvGraphicFramePr>
-          <p:nvPr>
-            <p:extLst>
-              <p:ext uri="{D42A27DB-BD31-4B8C-83A1-F6EECF244321}">
-                <p14:modId xmlns:p14="http://schemas.microsoft.com/office/powerpoint/2010/main" val="1763535038"/>
-              </p:ext>
-            </p:extLst>
-          </p:nvPr>
-        </p:nvGraphicFramePr>
-        <p:xfrm>
-          <a:off x="5431065" y="1512184"/>
-          <a:ext cx="943609" cy="429782"/>
-        </p:xfrm>
-        <a:graphic>
-          <a:graphicData uri="http://schemas.openxmlformats.org/presentationml/2006/ole">
-            <mc:AlternateContent xmlns:mc="http://schemas.openxmlformats.org/markup-compatibility/2006">
-              <mc:Choice xmlns:v="urn:schemas-microsoft-com:vml" Requires="v">
-                <p:oleObj spid="_x0000_s3098" name="Equation" r:id="rId4" imgW="482400" imgH="203040" progId="Equation.DSMT4">
-                  <p:embed/>
-                </p:oleObj>
-              </mc:Choice>
-              <mc:Fallback>
-                <p:oleObj name="Equation" r:id="rId4" imgW="482400" imgH="203040" progId="Equation.DSMT4">
-                  <p:embed/>
-                  <p:pic>
-                    <p:nvPicPr>
-                      <p:cNvPr id="0" name=""/>
-                      <p:cNvPicPr/>
-                      <p:nvPr/>
-                    </p:nvPicPr>
-                    <p:blipFill>
-                      <a:blip r:embed="rId5"/>
-                      <a:stretch>
-                        <a:fillRect/>
-                      </a:stretch>
-                    </p:blipFill>
-                    <p:spPr>
-                      <a:xfrm>
-                        <a:off x="5431065" y="1512184"/>
-                        <a:ext cx="943609" cy="429782"/>
-                      </a:xfrm>
-                      <a:prstGeom prst="rect">
-                        <a:avLst/>
-                      </a:prstGeom>
-                    </p:spPr>
-                  </p:pic>
-                </p:oleObj>
-              </mc:Fallback>
-            </mc:AlternateContent>
-          </a:graphicData>
-        </a:graphic>
-      </p:graphicFrame>
-      <p:graphicFrame>
-        <p:nvGraphicFramePr>
-          <p:cNvPr id="3" name="Object 2"/>
-          <p:cNvGraphicFramePr>
-            <a:graphicFrameLocks noChangeAspect="1"/>
-          </p:cNvGraphicFramePr>
-          <p:nvPr>
-            <p:extLst>
-              <p:ext uri="{D42A27DB-BD31-4B8C-83A1-F6EECF244321}">
-                <p14:modId xmlns:p14="http://schemas.microsoft.com/office/powerpoint/2010/main" val="655476641"/>
-              </p:ext>
-            </p:extLst>
-          </p:nvPr>
-        </p:nvGraphicFramePr>
-        <p:xfrm>
-          <a:off x="7620000" y="1898104"/>
-          <a:ext cx="1005839" cy="408577"/>
-        </p:xfrm>
-        <a:graphic>
-          <a:graphicData uri="http://schemas.openxmlformats.org/presentationml/2006/ole">
-            <mc:AlternateContent xmlns:mc="http://schemas.openxmlformats.org/markup-compatibility/2006">
-              <mc:Choice xmlns:v="urn:schemas-microsoft-com:vml" Requires="v">
-                <p:oleObj spid="_x0000_s3099" name="Equation" r:id="rId6" imgW="507960" imgH="203040" progId="Equation.DSMT4">
-                  <p:embed/>
-                </p:oleObj>
-              </mc:Choice>
-              <mc:Fallback>
-                <p:oleObj name="Equation" r:id="rId6" imgW="507960" imgH="203040" progId="Equation.DSMT4">
-                  <p:embed/>
-                  <p:pic>
-                    <p:nvPicPr>
-                      <p:cNvPr id="0" name=""/>
-                      <p:cNvPicPr/>
-                      <p:nvPr/>
-                    </p:nvPicPr>
-                    <p:blipFill>
-                      <a:blip r:embed="rId7"/>
-                      <a:stretch>
-                        <a:fillRect/>
-                      </a:stretch>
-                    </p:blipFill>
-                    <p:spPr>
-                      <a:xfrm>
-                        <a:off x="7620000" y="1898104"/>
-                        <a:ext cx="1005839" cy="408577"/>
-                      </a:xfrm>
-                      <a:prstGeom prst="rect">
-                        <a:avLst/>
-                      </a:prstGeom>
-                    </p:spPr>
-                  </p:pic>
-                </p:oleObj>
-              </mc:Fallback>
-            </mc:AlternateContent>
-          </a:graphicData>
-        </a:graphic>
-      </p:graphicFrame>
-      <p:graphicFrame>
-        <p:nvGraphicFramePr>
-          <p:cNvPr id="4" name="Object 3"/>
-          <p:cNvGraphicFramePr>
-            <a:graphicFrameLocks noChangeAspect="1"/>
-          </p:cNvGraphicFramePr>
-          <p:nvPr>
-            <p:extLst>
-              <p:ext uri="{D42A27DB-BD31-4B8C-83A1-F6EECF244321}">
-                <p14:modId xmlns:p14="http://schemas.microsoft.com/office/powerpoint/2010/main" val="683251936"/>
-              </p:ext>
-            </p:extLst>
-          </p:nvPr>
-        </p:nvGraphicFramePr>
-        <p:xfrm>
-          <a:off x="1670502" y="3195726"/>
-          <a:ext cx="4364537" cy="790847"/>
-        </p:xfrm>
-        <a:graphic>
-          <a:graphicData uri="http://schemas.openxmlformats.org/presentationml/2006/ole">
-            <mc:AlternateContent xmlns:mc="http://schemas.openxmlformats.org/markup-compatibility/2006">
-              <mc:Choice xmlns:v="urn:schemas-microsoft-com:vml" Requires="v">
-                <p:oleObj spid="_x0000_s3100" name="Equation" r:id="rId8" imgW="2438280" imgH="419040" progId="Equation.DSMT4">
-                  <p:embed/>
-                </p:oleObj>
-              </mc:Choice>
-              <mc:Fallback>
-                <p:oleObj name="Equation" r:id="rId8" imgW="2438280" imgH="419040" progId="Equation.DSMT4">
-                  <p:embed/>
-                  <p:pic>
-                    <p:nvPicPr>
-                      <p:cNvPr id="0" name=""/>
-                      <p:cNvPicPr/>
-                      <p:nvPr/>
-                    </p:nvPicPr>
-                    <p:blipFill>
-                      <a:blip r:embed="rId9"/>
-                      <a:stretch>
-                        <a:fillRect/>
-                      </a:stretch>
-                    </p:blipFill>
-                    <p:spPr>
-                      <a:xfrm>
-                        <a:off x="1670502" y="3195726"/>
-                        <a:ext cx="4364537" cy="790847"/>
-                      </a:xfrm>
-                      <a:prstGeom prst="rect">
-                        <a:avLst/>
-                      </a:prstGeom>
-                    </p:spPr>
-                  </p:pic>
-                </p:oleObj>
-              </mc:Fallback>
-            </mc:AlternateContent>
-          </a:graphicData>
-        </a:graphic>
-      </p:graphicFrame>
     </p:spTree>
   </p:cSld>
   <p:clrMapOvr>
@@ -14821,109 +15057,736 @@
           </a:p>
         </p:txBody>
       </p:sp>
-      <p:sp>
-        <p:nvSpPr>
-          <p:cNvPr id="3" name="Text Placeholder 2"/>
-          <p:cNvSpPr>
-            <a:spLocks noGrp="1"/>
-          </p:cNvSpPr>
-          <p:nvPr>
-            <p:ph type="body" idx="1"/>
-          </p:nvPr>
-        </p:nvSpPr>
-        <p:spPr/>
-        <p:txBody>
-          <a:bodyPr/>
-          <a:lstStyle/>
-          <a:p>
-            <a:pPr lvl="0" indent="-330200">
-              <a:spcBef>
-                <a:spcPts val="0"/>
-              </a:spcBef>
-              <a:buSzPts val="1600"/>
-              <a:buFont typeface="Calibri"/>
-              <a:buChar char="●"/>
-            </a:pPr>
-            <a:r>
-              <a:rPr lang="en-US" sz="2400" dirty="0"/>
-              <a:t>The second one is relatedness of the entity e  to all other entities  in the input question q</a:t>
-            </a:r>
-          </a:p>
-          <a:p>
-            <a:pPr lvl="1" indent="-330200">
-              <a:spcBef>
-                <a:spcPts val="0"/>
-              </a:spcBef>
-              <a:buSzPts val="1600"/>
-              <a:buChar char="○"/>
-            </a:pPr>
-            <a:r>
-              <a:rPr lang="en-US" sz="2400" dirty="0"/>
-              <a:t>the relatedness score of the anchor </a:t>
-            </a:r>
-            <a:r>
-              <a:rPr lang="en-US" sz="2400" i="1" dirty="0"/>
-              <a:t>          </a:t>
-            </a:r>
-            <a:r>
-              <a:rPr lang="en-US" sz="2400" i="1" dirty="0" smtClean="0"/>
-              <a:t>  </a:t>
-            </a:r>
-            <a:r>
-              <a:rPr lang="en-US" sz="2400" dirty="0" smtClean="0"/>
-              <a:t>is </a:t>
-            </a:r>
-            <a:r>
-              <a:rPr lang="en-US" sz="2400" dirty="0"/>
-              <a:t>to combine relatedness and prior by choosing the entity </a:t>
-            </a:r>
-            <a:r>
-              <a:rPr lang="en-US" sz="2400" i="1" dirty="0"/>
-              <a:t>X</a:t>
-            </a:r>
-            <a:r>
-              <a:rPr lang="en-US" sz="2400" dirty="0"/>
-              <a:t> that has the highest                                      </a:t>
-            </a:r>
-            <a:r>
-              <a:rPr lang="en-US" sz="2400" dirty="0" smtClean="0"/>
-              <a:t>  , </a:t>
-            </a:r>
-            <a:r>
-              <a:rPr lang="en-US" sz="2400" dirty="0"/>
-              <a:t>and from the set, choosing the entity with the highest </a:t>
-            </a:r>
-            <a:r>
-              <a:rPr lang="en-US" sz="2400" dirty="0" smtClean="0"/>
-              <a:t>prior </a:t>
-            </a:r>
-            <a:endParaRPr lang="en-US" sz="2400" i="1" dirty="0" smtClean="0"/>
-          </a:p>
-          <a:p>
-            <a:pPr lvl="1" indent="-330200">
-              <a:spcBef>
-                <a:spcPts val="0"/>
-              </a:spcBef>
-              <a:buSzPts val="1600"/>
-              <a:buChar char="○"/>
-            </a:pPr>
-            <a:endParaRPr lang="en-US" sz="2400" i="1" dirty="0"/>
-          </a:p>
-          <a:p>
-            <a:pPr lvl="1" indent="-330200">
-              <a:spcBef>
-                <a:spcPts val="0"/>
-              </a:spcBef>
-              <a:buSzPts val="1600"/>
-              <a:buChar char="○"/>
-            </a:pPr>
-            <a:endParaRPr lang="en-US" sz="2400" i="1" dirty="0"/>
-          </a:p>
-          <a:p>
-            <a:endParaRPr lang="en-US" dirty="0"/>
-          </a:p>
-        </p:txBody>
-      </p:sp>
+      <mc:AlternateContent xmlns:mc="http://schemas.openxmlformats.org/markup-compatibility/2006">
+        <mc:Choice xmlns:a14="http://schemas.microsoft.com/office/drawing/2010/main" Requires="a14">
+          <p:sp>
+            <p:nvSpPr>
+              <p:cNvPr id="3" name="Text Placeholder 2"/>
+              <p:cNvSpPr>
+                <a:spLocks noGrp="1"/>
+              </p:cNvSpPr>
+              <p:nvPr>
+                <p:ph type="body" idx="1"/>
+              </p:nvPr>
+            </p:nvSpPr>
+            <p:spPr/>
+            <p:txBody>
+              <a:bodyPr/>
+              <a:lstStyle/>
+              <a:p>
+                <a:pPr lvl="0" indent="-330200">
+                  <a:spcBef>
+                    <a:spcPts val="0"/>
+                  </a:spcBef>
+                  <a:buSzPts val="1600"/>
+                  <a:buFont typeface="Calibri"/>
+                  <a:buChar char="●"/>
+                </a:pPr>
+                <a:r>
+                  <a:rPr lang="en-US" sz="2400" dirty="0" smtClean="0">
+                    <a:latin typeface="Calibri" panose="020F0502020204030204" pitchFamily="34" charset="0"/>
+                    <a:cs typeface="Calibri" panose="020F0502020204030204" pitchFamily="34" charset="0"/>
+                  </a:rPr>
+                  <a:t>The second one is relatedness of the entity e  to all other entities  in the input question q</a:t>
+                </a:r>
+              </a:p>
+              <a:p>
+                <a:pPr lvl="1" indent="-330200">
+                  <a:spcBef>
+                    <a:spcPts val="0"/>
+                  </a:spcBef>
+                  <a:buSzPts val="1600"/>
+                  <a:buChar char="○"/>
+                </a:pPr>
+                <a:r>
+                  <a:rPr lang="en-US" sz="2400" dirty="0">
+                    <a:latin typeface="Calibri" panose="020F0502020204030204" pitchFamily="34" charset="0"/>
+                    <a:cs typeface="Calibri" panose="020F0502020204030204" pitchFamily="34" charset="0"/>
+                  </a:rPr>
+                  <a:t>the relatedness score of the </a:t>
+                </a:r>
+                <a:r>
+                  <a:rPr lang="en-US" sz="2400" dirty="0" smtClean="0">
+                    <a:latin typeface="Calibri" panose="020F0502020204030204" pitchFamily="34" charset="0"/>
+                    <a:cs typeface="Calibri" panose="020F0502020204030204" pitchFamily="34" charset="0"/>
+                  </a:rPr>
+                  <a:t>anchor </a:t>
+                </a:r>
+                <a14:m>
+                  <m:oMath xmlns:m="http://schemas.openxmlformats.org/officeDocument/2006/math">
+                    <m:r>
+                      <a:rPr lang="en-US" sz="2400" i="1" smtClean="0">
+                        <a:latin typeface="Cambria Math" panose="02040503050406030204" pitchFamily="18" charset="0"/>
+                      </a:rPr>
+                      <m:t>𝑎</m:t>
+                    </m:r>
+                    <m:r>
+                      <a:rPr lang="en-US" sz="2400" i="0" smtClean="0">
+                        <a:latin typeface="Cambria Math" panose="02040503050406030204" pitchFamily="18" charset="0"/>
+                      </a:rPr>
+                      <m:t>→</m:t>
+                    </m:r>
+                    <m:r>
+                      <m:rPr>
+                        <m:sty m:val="p"/>
+                      </m:rPr>
+                      <a:rPr lang="en-US" sz="2400" b="0" i="0" smtClean="0">
+                        <a:latin typeface="Cambria Math" panose="02040503050406030204" pitchFamily="18" charset="0"/>
+                      </a:rPr>
+                      <m:t>X</m:t>
+                    </m:r>
+                  </m:oMath>
+                </a14:m>
+                <a:r>
+                  <a:rPr lang="en-US" sz="2400" dirty="0" smtClean="0">
+                    <a:latin typeface="Calibri" panose="020F0502020204030204" pitchFamily="34" charset="0"/>
+                    <a:cs typeface="Calibri" panose="020F0502020204030204" pitchFamily="34" charset="0"/>
+                  </a:rPr>
+                  <a:t> </a:t>
+                </a:r>
+                <a:r>
+                  <a:rPr lang="en-US" sz="2400" i="1" dirty="0" smtClean="0">
+                    <a:latin typeface="Calibri" panose="020F0502020204030204" pitchFamily="34" charset="0"/>
+                    <a:cs typeface="Calibri" panose="020F0502020204030204" pitchFamily="34" charset="0"/>
+                  </a:rPr>
+                  <a:t> </a:t>
+                </a:r>
+                <a:r>
+                  <a:rPr lang="en-US" sz="2400" dirty="0" smtClean="0">
+                    <a:latin typeface="Calibri" panose="020F0502020204030204" pitchFamily="34" charset="0"/>
+                    <a:cs typeface="Calibri" panose="020F0502020204030204" pitchFamily="34" charset="0"/>
+                  </a:rPr>
+                  <a:t>is </a:t>
+                </a:r>
+                <a:r>
+                  <a:rPr lang="en-US" sz="2400" dirty="0">
+                    <a:latin typeface="Calibri" panose="020F0502020204030204" pitchFamily="34" charset="0"/>
+                    <a:cs typeface="Calibri" panose="020F0502020204030204" pitchFamily="34" charset="0"/>
+                  </a:rPr>
+                  <a:t>to combine relatedness and prior by choosing the entity </a:t>
+                </a:r>
+                <a:r>
+                  <a:rPr lang="en-US" sz="2400" i="1" dirty="0">
+                    <a:latin typeface="Calibri" panose="020F0502020204030204" pitchFamily="34" charset="0"/>
+                    <a:cs typeface="Calibri" panose="020F0502020204030204" pitchFamily="34" charset="0"/>
+                  </a:rPr>
+                  <a:t>X</a:t>
+                </a:r>
+                <a:r>
+                  <a:rPr lang="en-US" sz="2400" dirty="0">
+                    <a:latin typeface="Calibri" panose="020F0502020204030204" pitchFamily="34" charset="0"/>
+                    <a:cs typeface="Calibri" panose="020F0502020204030204" pitchFamily="34" charset="0"/>
+                  </a:rPr>
+                  <a:t> that has the highest </a:t>
+                </a:r>
+                <a:r>
+                  <a:rPr lang="en-US" sz="2400" dirty="0" smtClean="0">
+                    <a:latin typeface="Calibri" panose="020F0502020204030204" pitchFamily="34" charset="0"/>
+                    <a:cs typeface="Calibri" panose="020F0502020204030204" pitchFamily="34" charset="0"/>
+                  </a:rPr>
+                  <a:t>relatedness</a:t>
+                </a:r>
+                <a14:m>
+                  <m:oMath xmlns:m="http://schemas.openxmlformats.org/officeDocument/2006/math">
+                    <m:d>
+                      <m:dPr>
+                        <m:ctrlPr>
+                          <a:rPr lang="en-US" sz="2400" i="1" dirty="0">
+                            <a:latin typeface="Cambria Math" panose="02040503050406030204" pitchFamily="18" charset="0"/>
+                          </a:rPr>
+                        </m:ctrlPr>
+                      </m:dPr>
+                      <m:e>
+                        <m:r>
+                          <m:rPr>
+                            <m:sty m:val="p"/>
+                          </m:rPr>
+                          <a:rPr lang="en-US" sz="2400" b="0" i="0" dirty="0" smtClean="0">
+                            <a:latin typeface="Cambria Math" panose="02040503050406030204" pitchFamily="18" charset="0"/>
+                          </a:rPr>
+                          <m:t>a</m:t>
+                        </m:r>
+                        <m:r>
+                          <a:rPr lang="en-US" sz="2400" i="0" dirty="0">
+                            <a:latin typeface="Cambria Math" panose="02040503050406030204" pitchFamily="18" charset="0"/>
+                          </a:rPr>
+                          <m:t>→</m:t>
+                        </m:r>
+                        <m:r>
+                          <a:rPr lang="en-US" sz="2400" b="0" i="1" dirty="0" smtClean="0">
+                            <a:latin typeface="Cambria Math" panose="02040503050406030204" pitchFamily="18" charset="0"/>
+                          </a:rPr>
+                          <m:t>𝑋</m:t>
+                        </m:r>
+                      </m:e>
+                    </m:d>
+                  </m:oMath>
+                </a14:m>
+                <a:r>
+                  <a:rPr lang="en-US" sz="2400" dirty="0">
+                    <a:latin typeface="Calibri" panose="020F0502020204030204" pitchFamily="34" charset="0"/>
+                    <a:cs typeface="Calibri" panose="020F0502020204030204" pitchFamily="34" charset="0"/>
+                  </a:rPr>
+                  <a:t> </a:t>
+                </a:r>
+                <a:r>
+                  <a:rPr lang="en-US" sz="2400" dirty="0" smtClean="0">
+                    <a:latin typeface="Calibri" panose="020F0502020204030204" pitchFamily="34" charset="0"/>
+                    <a:cs typeface="Calibri" panose="020F0502020204030204" pitchFamily="34" charset="0"/>
+                  </a:rPr>
+                  <a:t>, </a:t>
+                </a:r>
+                <a:r>
+                  <a:rPr lang="en-US" sz="2400" dirty="0">
+                    <a:latin typeface="Calibri" panose="020F0502020204030204" pitchFamily="34" charset="0"/>
+                    <a:cs typeface="Calibri" panose="020F0502020204030204" pitchFamily="34" charset="0"/>
+                  </a:rPr>
+                  <a:t>and from the set, choosing the entity with the highest </a:t>
+                </a:r>
+                <a:r>
+                  <a:rPr lang="en-US" sz="2400" dirty="0" smtClean="0">
+                    <a:latin typeface="Calibri" panose="020F0502020204030204" pitchFamily="34" charset="0"/>
+                    <a:cs typeface="Calibri" panose="020F0502020204030204" pitchFamily="34" charset="0"/>
+                  </a:rPr>
+                  <a:t>prior </a:t>
+                </a:r>
+                <a:r>
+                  <a:rPr lang="en-US" sz="2400" dirty="0" smtClean="0">
+                    <a:latin typeface="Calibri" panose="020F0502020204030204" pitchFamily="34" charset="0"/>
+                    <a:cs typeface="Calibri" panose="020F0502020204030204" pitchFamily="34" charset="0"/>
+                  </a:rPr>
+                  <a:t>p</a:t>
+                </a:r>
+                <a14:m>
+                  <m:oMath xmlns:m="http://schemas.openxmlformats.org/officeDocument/2006/math">
+                    <m:d>
+                      <m:dPr>
+                        <m:ctrlPr>
+                          <a:rPr lang="en-US" sz="2400" i="1" dirty="0" smtClean="0">
+                            <a:latin typeface="Cambria Math" panose="02040503050406030204" pitchFamily="18" charset="0"/>
+                          </a:rPr>
+                        </m:ctrlPr>
+                      </m:dPr>
+                      <m:e>
+                        <m:d>
+                          <m:dPr>
+                            <m:begChr m:val=""/>
+                            <m:endChr m:val="|"/>
+                            <m:ctrlPr>
+                              <a:rPr lang="en-US" sz="2400" i="1" dirty="0" smtClean="0">
+                                <a:latin typeface="Cambria Math" panose="02040503050406030204" pitchFamily="18" charset="0"/>
+                              </a:rPr>
+                            </m:ctrlPr>
+                          </m:dPr>
+                          <m:e>
+                            <m:r>
+                              <a:rPr lang="en-US" sz="2400" b="0" i="1" dirty="0" smtClean="0">
+                                <a:latin typeface="Cambria Math" panose="02040503050406030204" pitchFamily="18" charset="0"/>
+                              </a:rPr>
+                              <m:t>𝑋</m:t>
+                            </m:r>
+                          </m:e>
+                        </m:d>
+                        <m:r>
+                          <a:rPr lang="en-US" sz="2400" b="0" i="1" dirty="0" smtClean="0">
+                            <a:latin typeface="Cambria Math" panose="02040503050406030204" pitchFamily="18" charset="0"/>
+                          </a:rPr>
+                          <m:t>𝑎</m:t>
+                        </m:r>
+                      </m:e>
+                    </m:d>
+                  </m:oMath>
+                </a14:m>
+                <a:endParaRPr lang="en-US" sz="2400" dirty="0" smtClean="0">
+                  <a:latin typeface="Calibri" panose="020F0502020204030204" pitchFamily="34" charset="0"/>
+                  <a:cs typeface="Calibri" panose="020F0502020204030204" pitchFamily="34" charset="0"/>
+                </a:endParaRPr>
+              </a:p>
+              <a:p>
+                <a:pPr marL="584200" lvl="1" indent="0">
+                  <a:spcBef>
+                    <a:spcPts val="0"/>
+                  </a:spcBef>
+                  <a:buSzPts val="1600"/>
+                  <a:buNone/>
+                </a:pPr>
+                <a:endParaRPr lang="en-US" sz="2400" i="1" dirty="0" smtClean="0"/>
+              </a:p>
+              <a:p>
+                <a:pPr marL="584200" lvl="1" indent="0">
+                  <a:spcBef>
+                    <a:spcPts val="0"/>
+                  </a:spcBef>
+                  <a:buSzPts val="1600"/>
+                  <a:buNone/>
+                </a:pPr>
+                <a:r>
+                  <a:rPr lang="en-US" sz="2400" dirty="0" smtClean="0"/>
+                  <a:t>      relatedness</a:t>
+                </a:r>
+                <a14:m>
+                  <m:oMath xmlns:m="http://schemas.openxmlformats.org/officeDocument/2006/math">
+                    <m:d>
+                      <m:dPr>
+                        <m:ctrlPr>
+                          <a:rPr lang="en-US" sz="2400" i="1" dirty="0">
+                            <a:latin typeface="Cambria Math" panose="02040503050406030204" pitchFamily="18" charset="0"/>
+                          </a:rPr>
+                        </m:ctrlPr>
+                      </m:dPr>
+                      <m:e>
+                        <m:r>
+                          <a:rPr lang="en-US" sz="2400" b="0" i="1" dirty="0" smtClean="0">
+                            <a:latin typeface="Cambria Math" panose="02040503050406030204" pitchFamily="18" charset="0"/>
+                          </a:rPr>
+                          <m:t>𝑎</m:t>
+                        </m:r>
+                        <m:r>
+                          <a:rPr lang="en-US" sz="2400" i="1" dirty="0">
+                            <a:latin typeface="Cambria Math" panose="02040503050406030204" pitchFamily="18" charset="0"/>
+                          </a:rPr>
+                          <m:t>→</m:t>
+                        </m:r>
+                        <m:r>
+                          <a:rPr lang="en-US" sz="2400" b="0" i="1" dirty="0" smtClean="0">
+                            <a:latin typeface="Cambria Math" panose="02040503050406030204" pitchFamily="18" charset="0"/>
+                          </a:rPr>
+                          <m:t>𝑋</m:t>
+                        </m:r>
+                      </m:e>
+                    </m:d>
+                    <m:r>
+                      <a:rPr lang="en-US" sz="2400" i="1" dirty="0">
+                        <a:latin typeface="Cambria Math" panose="02040503050406030204" pitchFamily="18" charset="0"/>
+                      </a:rPr>
+                      <m:t>=</m:t>
+                    </m:r>
+                    <m:nary>
+                      <m:naryPr>
+                        <m:chr m:val="∑"/>
+                        <m:limLoc m:val="undOvr"/>
+                        <m:grow m:val="on"/>
+                        <m:supHide m:val="on"/>
+                        <m:ctrlPr>
+                          <a:rPr lang="en-US" sz="2400" i="1" dirty="0">
+                            <a:latin typeface="Cambria Math" panose="02040503050406030204" pitchFamily="18" charset="0"/>
+                          </a:rPr>
+                        </m:ctrlPr>
+                      </m:naryPr>
+                      <m:sub>
+                        <m:r>
+                          <m:rPr>
+                            <m:brk/>
+                            <m:aln/>
+                          </m:rPr>
+                          <a:rPr lang="en-US" sz="2400" b="0" i="1" dirty="0" smtClean="0">
+                            <a:latin typeface="Cambria Math" panose="02040503050406030204" pitchFamily="18" charset="0"/>
+                          </a:rPr>
+                          <m:t>𝑏</m:t>
+                        </m:r>
+                        <m:r>
+                          <a:rPr lang="en-US" sz="2400" i="1" dirty="0">
+                            <a:latin typeface="Cambria Math" panose="02040503050406030204" pitchFamily="18" charset="0"/>
+                          </a:rPr>
+                          <m:t>∈</m:t>
+                        </m:r>
+                        <m:sSub>
+                          <m:sSubPr>
+                            <m:ctrlPr>
+                              <a:rPr lang="en-US" sz="2400" i="1" dirty="0">
+                                <a:latin typeface="Cambria Math" panose="02040503050406030204" pitchFamily="18" charset="0"/>
+                              </a:rPr>
+                            </m:ctrlPr>
+                          </m:sSubPr>
+                          <m:e>
+                            <m:r>
+                              <a:rPr lang="en-US" sz="2400" i="1" dirty="0" smtClean="0">
+                                <a:latin typeface="Cambria Math" panose="02040503050406030204" pitchFamily="18" charset="0"/>
+                                <a:ea typeface="Cambria Math" panose="02040503050406030204" pitchFamily="18" charset="0"/>
+                              </a:rPr>
+                              <m:t>𝜒</m:t>
+                            </m:r>
+                          </m:e>
+                          <m:sub>
+                            <m:r>
+                              <a:rPr lang="en-US" sz="2400" i="1" dirty="0">
+                                <a:latin typeface="Cambria Math" panose="02040503050406030204" pitchFamily="18" charset="0"/>
+                              </a:rPr>
+                              <m:t>𝑞</m:t>
+                            </m:r>
+                          </m:sub>
+                        </m:sSub>
+                        <m:r>
+                          <a:rPr lang="en-US" sz="2400" i="1" dirty="0">
+                            <a:latin typeface="Cambria Math" panose="02040503050406030204" pitchFamily="18" charset="0"/>
+                          </a:rPr>
+                          <m:t>∖</m:t>
+                        </m:r>
+                        <m:r>
+                          <a:rPr lang="en-US" sz="2400" i="1" dirty="0">
+                            <a:latin typeface="Cambria Math" panose="02040503050406030204" pitchFamily="18" charset="0"/>
+                          </a:rPr>
+                          <m:t>𝑎</m:t>
+                        </m:r>
+                      </m:sub>
+                      <m:sup/>
+                      <m:e>
+                        <m:r>
+                          <a:rPr lang="en-US" sz="2400" b="0" i="1" dirty="0" smtClean="0">
+                            <a:latin typeface="Cambria Math" panose="02040503050406030204" pitchFamily="18" charset="0"/>
+                          </a:rPr>
+                          <m:t>𝑣𝑜</m:t>
+                        </m:r>
+                        <m:r>
+                          <a:rPr lang="en-US" sz="2400" i="1" dirty="0">
+                            <a:latin typeface="Cambria Math" panose="02040503050406030204" pitchFamily="18" charset="0"/>
+                          </a:rPr>
+                          <m:t>𝑡</m:t>
+                        </m:r>
+                        <m:sSub>
+                          <m:sSubPr>
+                            <m:ctrlPr>
+                              <a:rPr lang="en-US" sz="2400" i="1" dirty="0">
+                                <a:latin typeface="Cambria Math" panose="02040503050406030204" pitchFamily="18" charset="0"/>
+                              </a:rPr>
+                            </m:ctrlPr>
+                          </m:sSubPr>
+                          <m:e>
+                            <m:r>
+                              <a:rPr lang="en-US" sz="2400" i="1" dirty="0">
+                                <a:latin typeface="Cambria Math" panose="02040503050406030204" pitchFamily="18" charset="0"/>
+                              </a:rPr>
+                              <m:t>𝑒</m:t>
+                            </m:r>
+                            <m:r>
+                              <a:rPr lang="en-US" sz="2400" b="0" i="1" dirty="0" smtClean="0">
+                                <a:latin typeface="Cambria Math" panose="02040503050406030204" pitchFamily="18" charset="0"/>
+                              </a:rPr>
+                              <m:t>𝑏</m:t>
+                            </m:r>
+                            <m:r>
+                              <a:rPr lang="en-US" sz="2400" b="0" i="1" dirty="0" smtClean="0">
+                                <a:latin typeface="Cambria Math" panose="02040503050406030204" pitchFamily="18" charset="0"/>
+                              </a:rPr>
+                              <m:t>,</m:t>
+                            </m:r>
+                            <m:r>
+                              <a:rPr lang="en-US" sz="2400" b="0" i="1" dirty="0" smtClean="0">
+                                <a:latin typeface="Cambria Math" panose="02040503050406030204" pitchFamily="18" charset="0"/>
+                              </a:rPr>
+                              <m:t>𝑋</m:t>
+                            </m:r>
+                          </m:e>
+                          <m:sub/>
+                        </m:sSub>
+                      </m:e>
+                    </m:nary>
+                  </m:oMath>
+                </a14:m>
+                <a:endParaRPr lang="en-US" sz="2400" i="1" dirty="0" smtClean="0">
+                  <a:latin typeface="Cambria Math" panose="02040503050406030204" pitchFamily="18" charset="0"/>
+                </a:endParaRPr>
+              </a:p>
+              <a:p>
+                <a:pPr marL="584200" lvl="1" indent="0">
+                  <a:spcBef>
+                    <a:spcPts val="0"/>
+                  </a:spcBef>
+                  <a:buSzPts val="1600"/>
+                  <a:buNone/>
+                </a:pPr>
+                <a14:m>
+                  <m:oMathPara xmlns:m="http://schemas.openxmlformats.org/officeDocument/2006/math">
+                    <m:oMathParaPr>
+                      <m:jc m:val="centerGroup"/>
+                    </m:oMathParaPr>
+                    <m:oMath xmlns:m="http://schemas.openxmlformats.org/officeDocument/2006/math">
+                      <m:r>
+                        <a:rPr lang="en-US" sz="2400" i="1" dirty="0" smtClean="0">
+                          <a:latin typeface="Cambria Math" panose="02040503050406030204" pitchFamily="18" charset="0"/>
+                        </a:rPr>
+                        <m:t>𝑣</m:t>
+                      </m:r>
+                      <m:r>
+                        <a:rPr lang="en-US" sz="2400" b="0" i="1" dirty="0" smtClean="0">
+                          <a:latin typeface="Cambria Math" panose="02040503050406030204" pitchFamily="18" charset="0"/>
+                        </a:rPr>
+                        <m:t>𝑜</m:t>
+                      </m:r>
+                      <m:r>
+                        <a:rPr lang="en-US" sz="2400" i="1" dirty="0" smtClean="0">
+                          <a:latin typeface="Cambria Math" panose="02040503050406030204" pitchFamily="18" charset="0"/>
+                        </a:rPr>
+                        <m:t>𝑡</m:t>
+                      </m:r>
+                      <m:r>
+                        <a:rPr lang="en-US" sz="2400" i="1" dirty="0" smtClean="0">
+                          <a:latin typeface="Cambria Math" panose="02040503050406030204" pitchFamily="18" charset="0"/>
+                        </a:rPr>
+                        <m:t>ⅇ</m:t>
+                      </m:r>
+                      <m:d>
+                        <m:dPr>
+                          <m:ctrlPr>
+                            <a:rPr lang="en-US" sz="2400" i="1" dirty="0">
+                              <a:latin typeface="Cambria Math" panose="02040503050406030204" pitchFamily="18" charset="0"/>
+                            </a:rPr>
+                          </m:ctrlPr>
+                        </m:dPr>
+                        <m:e>
+                          <m:r>
+                            <a:rPr lang="en-US" sz="2400" i="1" dirty="0">
+                              <a:latin typeface="Cambria Math" panose="02040503050406030204" pitchFamily="18" charset="0"/>
+                            </a:rPr>
+                            <m:t>𝑏</m:t>
+                          </m:r>
+                          <m:r>
+                            <a:rPr lang="en-US" sz="2400" i="1" dirty="0">
+                              <a:latin typeface="Cambria Math" panose="02040503050406030204" pitchFamily="18" charset="0"/>
+                            </a:rPr>
+                            <m:t>,</m:t>
+                          </m:r>
+                          <m:r>
+                            <a:rPr lang="en-US" sz="2400" i="1" dirty="0">
+                              <a:latin typeface="Cambria Math" panose="02040503050406030204" pitchFamily="18" charset="0"/>
+                            </a:rPr>
+                            <m:t>𝑋</m:t>
+                          </m:r>
+                        </m:e>
+                      </m:d>
+                      <m:r>
+                        <a:rPr lang="en-US" sz="2400" i="1" dirty="0">
+                          <a:latin typeface="Cambria Math" panose="02040503050406030204" pitchFamily="18" charset="0"/>
+                        </a:rPr>
+                        <m:t>=</m:t>
+                      </m:r>
+                      <m:f>
+                        <m:fPr>
+                          <m:ctrlPr>
+                            <a:rPr lang="en-US" sz="2400" i="1" dirty="0">
+                              <a:latin typeface="Cambria Math" panose="02040503050406030204" pitchFamily="18" charset="0"/>
+                            </a:rPr>
+                          </m:ctrlPr>
+                        </m:fPr>
+                        <m:num>
+                          <m:r>
+                            <a:rPr lang="en-US" sz="2400" i="1" dirty="0">
+                              <a:latin typeface="Cambria Math" panose="02040503050406030204" pitchFamily="18" charset="0"/>
+                            </a:rPr>
+                            <m:t>1</m:t>
+                          </m:r>
+                        </m:num>
+                        <m:den>
+                          <m:d>
+                            <m:dPr>
+                              <m:begChr m:val="|"/>
+                              <m:endChr m:val="|"/>
+                              <m:ctrlPr>
+                                <a:rPr lang="en-US" sz="2400" i="1" dirty="0">
+                                  <a:latin typeface="Cambria Math" panose="02040503050406030204" pitchFamily="18" charset="0"/>
+                                </a:rPr>
+                              </m:ctrlPr>
+                            </m:dPr>
+                            <m:e>
+                              <m:r>
+                                <a:rPr lang="en-US" sz="2400" i="1" dirty="0">
+                                  <a:latin typeface="Cambria Math" panose="02040503050406030204" pitchFamily="18" charset="0"/>
+                                </a:rPr>
+                                <m:t>𝜀</m:t>
+                              </m:r>
+                              <m:d>
+                                <m:dPr>
+                                  <m:ctrlPr>
+                                    <a:rPr lang="en-US" sz="2400" i="1" dirty="0">
+                                      <a:latin typeface="Cambria Math" panose="02040503050406030204" pitchFamily="18" charset="0"/>
+                                    </a:rPr>
+                                  </m:ctrlPr>
+                                </m:dPr>
+                                <m:e>
+                                  <m:r>
+                                    <a:rPr lang="en-US" sz="2400" i="1" dirty="0">
+                                      <a:latin typeface="Cambria Math" panose="02040503050406030204" pitchFamily="18" charset="0"/>
+                                    </a:rPr>
+                                    <m:t>𝑏</m:t>
+                                  </m:r>
+                                </m:e>
+                              </m:d>
+                            </m:e>
+                          </m:d>
+                        </m:den>
+                      </m:f>
+                      <m:nary>
+                        <m:naryPr>
+                          <m:chr m:val="∑"/>
+                          <m:limLoc m:val="undOvr"/>
+                          <m:grow m:val="on"/>
+                          <m:supHide m:val="on"/>
+                          <m:ctrlPr>
+                            <a:rPr lang="en-US" sz="2400" i="1" dirty="0">
+                              <a:latin typeface="Cambria Math" panose="02040503050406030204" pitchFamily="18" charset="0"/>
+                            </a:rPr>
+                          </m:ctrlPr>
+                        </m:naryPr>
+                        <m:sub>
+                          <m:r>
+                            <a:rPr lang="en-US" sz="2400" i="1" dirty="0">
+                              <a:latin typeface="Cambria Math" panose="02040503050406030204" pitchFamily="18" charset="0"/>
+                            </a:rPr>
+                            <m:t>𝑌</m:t>
+                          </m:r>
+                          <m:r>
+                            <a:rPr lang="en-US" sz="2400" i="1" dirty="0">
+                              <a:latin typeface="Cambria Math" panose="02040503050406030204" pitchFamily="18" charset="0"/>
+                            </a:rPr>
+                            <m:t>∈</m:t>
+                          </m:r>
+                          <m:r>
+                            <a:rPr lang="en-US" sz="2400" i="1" dirty="0">
+                              <a:latin typeface="Cambria Math" panose="02040503050406030204" pitchFamily="18" charset="0"/>
+                            </a:rPr>
+                            <m:t>𝜀</m:t>
+                          </m:r>
+                          <m:d>
+                            <m:dPr>
+                              <m:ctrlPr>
+                                <a:rPr lang="en-US" sz="2400" i="1" dirty="0">
+                                  <a:latin typeface="Cambria Math" panose="02040503050406030204" pitchFamily="18" charset="0"/>
+                                </a:rPr>
+                              </m:ctrlPr>
+                            </m:dPr>
+                            <m:e>
+                              <m:r>
+                                <a:rPr lang="en-US" sz="2400" i="1" dirty="0">
+                                  <a:latin typeface="Cambria Math" panose="02040503050406030204" pitchFamily="18" charset="0"/>
+                                </a:rPr>
+                                <m:t>𝐵</m:t>
+                              </m:r>
+                            </m:e>
+                          </m:d>
+                        </m:sub>
+                        <m:sup/>
+                        <m:e>
+                          <m:r>
+                            <a:rPr lang="en-US" sz="2400" b="0" i="1" dirty="0" smtClean="0">
+                              <a:latin typeface="Cambria Math" panose="02040503050406030204" pitchFamily="18" charset="0"/>
+                            </a:rPr>
+                            <m:t>𝑟𝑒𝑙</m:t>
+                          </m:r>
+                          <m:d>
+                            <m:dPr>
+                              <m:ctrlPr>
+                                <a:rPr lang="en-US" sz="2400" i="1" dirty="0">
+                                  <a:latin typeface="Cambria Math" panose="02040503050406030204" pitchFamily="18" charset="0"/>
+                                </a:rPr>
+                              </m:ctrlPr>
+                            </m:dPr>
+                            <m:e>
+                              <m:r>
+                                <a:rPr lang="en-US" sz="2400" i="1" dirty="0">
+                                  <a:latin typeface="Cambria Math" panose="02040503050406030204" pitchFamily="18" charset="0"/>
+                                </a:rPr>
+                                <m:t>𝑋</m:t>
+                              </m:r>
+                              <m:r>
+                                <a:rPr lang="en-US" sz="2400" i="1" dirty="0">
+                                  <a:latin typeface="Cambria Math" panose="02040503050406030204" pitchFamily="18" charset="0"/>
+                                </a:rPr>
+                                <m:t>,</m:t>
+                              </m:r>
+                              <m:r>
+                                <a:rPr lang="en-US" sz="2400" i="1" dirty="0">
+                                  <a:latin typeface="Cambria Math" panose="02040503050406030204" pitchFamily="18" charset="0"/>
+                                </a:rPr>
+                                <m:t>𝑌</m:t>
+                              </m:r>
+                            </m:e>
+                          </m:d>
+                          <m:r>
+                            <a:rPr lang="en-US" sz="2400" i="1" dirty="0">
+                              <a:latin typeface="Cambria Math" panose="02040503050406030204" pitchFamily="18" charset="0"/>
+                            </a:rPr>
+                            <m:t>𝑝</m:t>
+                          </m:r>
+                          <m:d>
+                            <m:dPr>
+                              <m:ctrlPr>
+                                <a:rPr lang="en-US" sz="2400" i="1" dirty="0">
+                                  <a:latin typeface="Cambria Math" panose="02040503050406030204" pitchFamily="18" charset="0"/>
+                                </a:rPr>
+                              </m:ctrlPr>
+                            </m:dPr>
+                            <m:e>
+                              <m:d>
+                                <m:dPr>
+                                  <m:begChr m:val=""/>
+                                  <m:endChr m:val="|"/>
+                                  <m:ctrlPr>
+                                    <a:rPr lang="en-US" sz="2400" i="1" dirty="0">
+                                      <a:latin typeface="Cambria Math" panose="02040503050406030204" pitchFamily="18" charset="0"/>
+                                    </a:rPr>
+                                  </m:ctrlPr>
+                                </m:dPr>
+                                <m:e>
+                                  <m:r>
+                                    <a:rPr lang="en-US" sz="2400" i="1" dirty="0">
+                                      <a:latin typeface="Cambria Math" panose="02040503050406030204" pitchFamily="18" charset="0"/>
+                                    </a:rPr>
+                                    <m:t>𝑌</m:t>
+                                  </m:r>
+                                </m:e>
+                              </m:d>
+                              <m:r>
+                                <a:rPr lang="en-US" sz="2400" i="1" dirty="0">
+                                  <a:latin typeface="Cambria Math" panose="02040503050406030204" pitchFamily="18" charset="0"/>
+                                </a:rPr>
+                                <m:t>𝑏</m:t>
+                              </m:r>
+                            </m:e>
+                          </m:d>
+                        </m:e>
+                      </m:nary>
+                    </m:oMath>
+                  </m:oMathPara>
+                </a14:m>
+                <a:endParaRPr lang="en-US" sz="2400" i="1" dirty="0"/>
+              </a:p>
+            </p:txBody>
+          </p:sp>
+        </mc:Choice>
+        <mc:Fallback>
+          <p:sp>
+            <p:nvSpPr>
+              <p:cNvPr id="3" name="Text Placeholder 2"/>
+              <p:cNvSpPr>
+                <a:spLocks noGrp="1" noRot="1" noChangeAspect="1" noMove="1" noResize="1" noEditPoints="1" noAdjustHandles="1" noChangeArrowheads="1" noChangeShapeType="1" noTextEdit="1"/>
+              </p:cNvSpPr>
+              <p:nvPr>
+                <p:ph type="body" idx="1"/>
+              </p:nvPr>
+            </p:nvSpPr>
+            <p:spPr>
+              <a:blipFill>
+                <a:blip r:embed="rId2"/>
+                <a:stretch>
+                  <a:fillRect t="-1213" r="-741"/>
+                </a:stretch>
+              </a:blipFill>
+            </p:spPr>
+            <p:txBody>
+              <a:bodyPr/>
+              <a:lstStyle/>
+              <a:p>
+                <a:r>
+                  <a:rPr lang="en-US">
+                    <a:noFill/>
+                  </a:rPr>
+                  <a:t> </a:t>
+                </a:r>
+              </a:p>
+            </p:txBody>
+          </p:sp>
+        </mc:Fallback>
+      </mc:AlternateContent>
       <p:sp>
         <p:nvSpPr>
           <p:cNvPr id="4" name="Slide Number Placeholder 3"/>
@@ -14956,291 +15819,6 @@
           </a:p>
         </p:txBody>
       </p:sp>
-      <p:graphicFrame>
-        <p:nvGraphicFramePr>
-          <p:cNvPr id="5" name="Object 4"/>
-          <p:cNvGraphicFramePr>
-            <a:graphicFrameLocks noChangeAspect="1"/>
-          </p:cNvGraphicFramePr>
-          <p:nvPr>
-            <p:extLst>
-              <p:ext uri="{D42A27DB-BD31-4B8C-83A1-F6EECF244321}">
-                <p14:modId xmlns:p14="http://schemas.microsoft.com/office/powerpoint/2010/main" val="1704798001"/>
-              </p:ext>
-            </p:extLst>
-          </p:nvPr>
-        </p:nvGraphicFramePr>
-        <p:xfrm>
-          <a:off x="5905499" y="2390503"/>
-          <a:ext cx="808809" cy="354874"/>
-        </p:xfrm>
-        <a:graphic>
-          <a:graphicData uri="http://schemas.openxmlformats.org/presentationml/2006/ole">
-            <mc:AlternateContent xmlns:mc="http://schemas.openxmlformats.org/markup-compatibility/2006">
-              <mc:Choice xmlns:v="urn:schemas-microsoft-com:vml" Requires="v">
-                <p:oleObj spid="_x0000_s4127" name="Equation" r:id="rId3" imgW="647805" imgH="304653" progId="Equation.DSMT4">
-                  <p:embed/>
-                </p:oleObj>
-              </mc:Choice>
-              <mc:Fallback>
-                <p:oleObj name="Equation" r:id="rId3" imgW="647805" imgH="304653" progId="Equation.DSMT4">
-                  <p:embed/>
-                  <p:pic>
-                    <p:nvPicPr>
-                      <p:cNvPr id="0" name=""/>
-                      <p:cNvPicPr/>
-                      <p:nvPr/>
-                    </p:nvPicPr>
-                    <p:blipFill>
-                      <a:blip r:embed="rId4"/>
-                      <a:stretch>
-                        <a:fillRect/>
-                      </a:stretch>
-                    </p:blipFill>
-                    <p:spPr>
-                      <a:xfrm>
-                        <a:off x="5905499" y="2390503"/>
-                        <a:ext cx="808809" cy="354874"/>
-                      </a:xfrm>
-                      <a:prstGeom prst="rect">
-                        <a:avLst/>
-                      </a:prstGeom>
-                    </p:spPr>
-                  </p:pic>
-                </p:oleObj>
-              </mc:Fallback>
-            </mc:AlternateContent>
-          </a:graphicData>
-        </a:graphic>
-      </p:graphicFrame>
-      <p:graphicFrame>
-        <p:nvGraphicFramePr>
-          <p:cNvPr id="6" name="Object 5"/>
-          <p:cNvGraphicFramePr>
-            <a:graphicFrameLocks noChangeAspect="1"/>
-          </p:cNvGraphicFramePr>
-          <p:nvPr>
-            <p:extLst>
-              <p:ext uri="{D42A27DB-BD31-4B8C-83A1-F6EECF244321}">
-                <p14:modId xmlns:p14="http://schemas.microsoft.com/office/powerpoint/2010/main" val="2711612746"/>
-              </p:ext>
-            </p:extLst>
-          </p:nvPr>
-        </p:nvGraphicFramePr>
-        <p:xfrm>
-          <a:off x="2908527" y="3122023"/>
-          <a:ext cx="2669313" cy="420326"/>
-        </p:xfrm>
-        <a:graphic>
-          <a:graphicData uri="http://schemas.openxmlformats.org/presentationml/2006/ole">
-            <mc:AlternateContent xmlns:mc="http://schemas.openxmlformats.org/markup-compatibility/2006">
-              <mc:Choice xmlns:v="urn:schemas-microsoft-com:vml" Requires="v">
-                <p:oleObj spid="_x0000_s4128" name="Equation" r:id="rId5" imgW="2543074" imgH="409682" progId="Equation.DSMT4">
-                  <p:embed/>
-                </p:oleObj>
-              </mc:Choice>
-              <mc:Fallback>
-                <p:oleObj name="Equation" r:id="rId5" imgW="2543074" imgH="409682" progId="Equation.DSMT4">
-                  <p:embed/>
-                  <p:pic>
-                    <p:nvPicPr>
-                      <p:cNvPr id="0" name=""/>
-                      <p:cNvPicPr/>
-                      <p:nvPr/>
-                    </p:nvPicPr>
-                    <p:blipFill>
-                      <a:blip r:embed="rId6"/>
-                      <a:stretch>
-                        <a:fillRect/>
-                      </a:stretch>
-                    </p:blipFill>
-                    <p:spPr>
-                      <a:xfrm>
-                        <a:off x="2908527" y="3122023"/>
-                        <a:ext cx="2669313" cy="420326"/>
-                      </a:xfrm>
-                      <a:prstGeom prst="rect">
-                        <a:avLst/>
-                      </a:prstGeom>
-                    </p:spPr>
-                  </p:pic>
-                </p:oleObj>
-              </mc:Fallback>
-            </mc:AlternateContent>
-          </a:graphicData>
-        </a:graphic>
-      </p:graphicFrame>
-      <p:graphicFrame>
-        <p:nvGraphicFramePr>
-          <p:cNvPr id="7" name="Object 6"/>
-          <p:cNvGraphicFramePr>
-            <a:graphicFrameLocks noChangeAspect="1"/>
-          </p:cNvGraphicFramePr>
-          <p:nvPr>
-            <p:extLst>
-              <p:ext uri="{D42A27DB-BD31-4B8C-83A1-F6EECF244321}">
-                <p14:modId xmlns:p14="http://schemas.microsoft.com/office/powerpoint/2010/main" val="4220931843"/>
-              </p:ext>
-            </p:extLst>
-          </p:nvPr>
-        </p:nvGraphicFramePr>
-        <p:xfrm>
-          <a:off x="6655525" y="3475611"/>
-          <a:ext cx="953589" cy="383177"/>
-        </p:xfrm>
-        <a:graphic>
-          <a:graphicData uri="http://schemas.openxmlformats.org/presentationml/2006/ole">
-            <mc:AlternateContent xmlns:mc="http://schemas.openxmlformats.org/markup-compatibility/2006">
-              <mc:Choice xmlns:v="urn:schemas-microsoft-com:vml" Requires="v">
-                <p:oleObj spid="_x0000_s4129" name="Equation" r:id="rId7" imgW="545760" imgH="203040" progId="Equation.DSMT4">
-                  <p:embed/>
-                </p:oleObj>
-              </mc:Choice>
-              <mc:Fallback>
-                <p:oleObj name="Equation" r:id="rId7" imgW="545760" imgH="203040" progId="Equation.DSMT4">
-                  <p:embed/>
-                  <p:pic>
-                    <p:nvPicPr>
-                      <p:cNvPr id="0" name=""/>
-                      <p:cNvPicPr/>
-                      <p:nvPr/>
-                    </p:nvPicPr>
-                    <p:blipFill>
-                      <a:blip r:embed="rId8"/>
-                      <a:stretch>
-                        <a:fillRect/>
-                      </a:stretch>
-                    </p:blipFill>
-                    <p:spPr>
-                      <a:xfrm>
-                        <a:off x="6655525" y="3475611"/>
-                        <a:ext cx="953589" cy="383177"/>
-                      </a:xfrm>
-                      <a:prstGeom prst="rect">
-                        <a:avLst/>
-                      </a:prstGeom>
-                    </p:spPr>
-                  </p:pic>
-                </p:oleObj>
-              </mc:Fallback>
-            </mc:AlternateContent>
-          </a:graphicData>
-        </a:graphic>
-      </p:graphicFrame>
-      <p:graphicFrame>
-        <p:nvGraphicFramePr>
-          <p:cNvPr id="8" name="Object 7"/>
-          <p:cNvGraphicFramePr>
-            <a:graphicFrameLocks noChangeAspect="1"/>
-          </p:cNvGraphicFramePr>
-          <p:nvPr>
-            <p:extLst>
-              <p:ext uri="{D42A27DB-BD31-4B8C-83A1-F6EECF244321}">
-                <p14:modId xmlns:p14="http://schemas.microsoft.com/office/powerpoint/2010/main" val="2341355315"/>
-              </p:ext>
-            </p:extLst>
-          </p:nvPr>
-        </p:nvGraphicFramePr>
-        <p:xfrm>
-          <a:off x="1379628" y="4972200"/>
-          <a:ext cx="4720726" cy="814643"/>
-        </p:xfrm>
-        <a:graphic>
-          <a:graphicData uri="http://schemas.openxmlformats.org/presentationml/2006/ole">
-            <mc:AlternateContent xmlns:mc="http://schemas.openxmlformats.org/markup-compatibility/2006">
-              <mc:Choice xmlns:v="urn:schemas-microsoft-com:vml" Requires="v">
-                <p:oleObj spid="_x0000_s4130" name="Equation" r:id="rId9" imgW="2552400" imgH="444240" progId="Equation.DSMT4">
-                  <p:embed/>
-                </p:oleObj>
-              </mc:Choice>
-              <mc:Fallback>
-                <p:oleObj name="Equation" r:id="rId9" imgW="2552400" imgH="444240" progId="Equation.DSMT4">
-                  <p:embed/>
-                  <p:pic>
-                    <p:nvPicPr>
-                      <p:cNvPr id="0" name=""/>
-                      <p:cNvPicPr/>
-                      <p:nvPr/>
-                    </p:nvPicPr>
-                    <p:blipFill>
-                      <a:blip r:embed="rId10"/>
-                      <a:stretch>
-                        <a:fillRect/>
-                      </a:stretch>
-                    </p:blipFill>
-                    <p:spPr>
-                      <a:xfrm>
-                        <a:off x="1379628" y="4972200"/>
-                        <a:ext cx="4720726" cy="814643"/>
-                      </a:xfrm>
-                      <a:prstGeom prst="rect">
-                        <a:avLst/>
-                      </a:prstGeom>
-                    </p:spPr>
-                  </p:pic>
-                </p:oleObj>
-              </mc:Fallback>
-            </mc:AlternateContent>
-          </a:graphicData>
-        </a:graphic>
-      </p:graphicFrame>
-      <p:graphicFrame>
-        <p:nvGraphicFramePr>
-          <p:cNvPr id="11" name="Object 10"/>
-          <p:cNvGraphicFramePr>
-            <a:graphicFrameLocks noChangeAspect="1"/>
-          </p:cNvGraphicFramePr>
-          <p:nvPr>
-            <p:extLst>
-              <p:ext uri="{D42A27DB-BD31-4B8C-83A1-F6EECF244321}">
-                <p14:modId xmlns:p14="http://schemas.microsoft.com/office/powerpoint/2010/main" val="4120822558"/>
-              </p:ext>
-            </p:extLst>
-          </p:nvPr>
-        </p:nvGraphicFramePr>
-        <p:xfrm>
-          <a:off x="1379628" y="4054065"/>
-          <a:ext cx="3876675" cy="735573"/>
-        </p:xfrm>
-        <a:graphic>
-          <a:graphicData uri="http://schemas.openxmlformats.org/presentationml/2006/ole">
-            <mc:AlternateContent xmlns:mc="http://schemas.openxmlformats.org/markup-compatibility/2006">
-              <mc:Choice xmlns:v="urn:schemas-microsoft-com:vml" Requires="v">
-                <p:oleObj spid="_x0000_s4131" name="Equation" r:id="rId11" imgW="3876769" imgH="857130" progId="Equation.DSMT4">
-                  <p:embed/>
-                </p:oleObj>
-              </mc:Choice>
-              <mc:Fallback>
-                <p:oleObj name="Equation" r:id="rId11" imgW="3876769" imgH="857130" progId="Equation.DSMT4">
-                  <p:embed/>
-                  <p:pic>
-                    <p:nvPicPr>
-                      <p:cNvPr id="0" name=""/>
-                      <p:cNvPicPr/>
-                      <p:nvPr/>
-                    </p:nvPicPr>
-                    <p:blipFill>
-                      <a:blip r:embed="rId12"/>
-                      <a:stretch>
-                        <a:fillRect/>
-                      </a:stretch>
-                    </p:blipFill>
-                    <p:spPr>
-                      <a:xfrm>
-                        <a:off x="1379628" y="4054065"/>
-                        <a:ext cx="3876675" cy="735573"/>
-                      </a:xfrm>
-                      <a:prstGeom prst="rect">
-                        <a:avLst/>
-                      </a:prstGeom>
-                    </p:spPr>
-                  </p:pic>
-                </p:oleObj>
-              </mc:Fallback>
-            </mc:AlternateContent>
-          </a:graphicData>
-        </a:graphic>
-      </p:graphicFrame>
     </p:spTree>
     <p:extLst>
       <p:ext uri="{BB962C8B-B14F-4D97-AF65-F5344CB8AC3E}">
@@ -17563,14 +18141,14 @@
               <a:buNone/>
             </a:pPr>
             <a:r>
-              <a:rPr lang="en-HK" sz="3000">
+              <a:rPr lang="en-HK" sz="3000" dirty="0">
                 <a:solidFill>
                   <a:srgbClr val="073763"/>
                 </a:solidFill>
               </a:rPr>
               <a:t>IR-based QA: Reader</a:t>
             </a:r>
-            <a:endParaRPr sz="3000">
+            <a:endParaRPr sz="3000" dirty="0">
               <a:solidFill>
                 <a:srgbClr val="073763"/>
               </a:solidFill>
@@ -17578,279 +18156,757 @@
           </a:p>
         </p:txBody>
       </p:sp>
-      <p:sp>
-        <p:nvSpPr>
-          <p:cNvPr id="126" name="Google Shape;126;gf4ed930811_0_0"/>
-          <p:cNvSpPr txBox="1">
-            <a:spLocks noGrp="1"/>
-          </p:cNvSpPr>
-          <p:nvPr>
-            <p:ph type="body" idx="1"/>
-          </p:nvPr>
-        </p:nvSpPr>
-        <p:spPr>
-          <a:xfrm>
-            <a:off x="368325" y="1417650"/>
-            <a:ext cx="8682000" cy="4809000"/>
-          </a:xfrm>
-          <a:prstGeom prst="rect">
-            <a:avLst/>
-          </a:prstGeom>
-        </p:spPr>
-        <p:txBody>
-          <a:bodyPr spcFirstLastPara="1" wrap="square" lIns="91425" tIns="45700" rIns="91425" bIns="45700" anchor="t" anchorCtr="0">
-            <a:normAutofit fontScale="92500" lnSpcReduction="20000"/>
-          </a:bodyPr>
-          <a:lstStyle/>
-          <a:p>
-            <a:pPr marL="457200" lvl="0" indent="-330200" algn="l" rtl="0">
-              <a:spcBef>
-                <a:spcPts val="360"/>
-              </a:spcBef>
-              <a:spcAft>
-                <a:spcPts val="0"/>
-              </a:spcAft>
-              <a:buSzPts val="1600"/>
-              <a:buChar char="●"/>
-            </a:pPr>
-            <a:r>
-              <a:rPr lang="en-HK" sz="2600" dirty="0"/>
-              <a:t>The reader’s job is to take a passage as input and produce a span of text in the passage as the answer</a:t>
-            </a:r>
-            <a:endParaRPr sz="2600" dirty="0"/>
-          </a:p>
-          <a:p>
-            <a:pPr marL="914400" lvl="1" indent="-330200" algn="l" rtl="0">
-              <a:spcBef>
-                <a:spcPts val="0"/>
-              </a:spcBef>
-              <a:spcAft>
-                <a:spcPts val="0"/>
-              </a:spcAft>
-              <a:buSzPts val="1600"/>
-              <a:buChar char="○"/>
-            </a:pPr>
-            <a:r>
-              <a:rPr lang="en-HK" sz="2600" dirty="0"/>
-              <a:t>E.g.   a Question like “How tall is Mt. Everest?”, and a passage that contains the clause Reaching 29,029 feet, the reader will output 29,029 feet</a:t>
-            </a:r>
-            <a:endParaRPr sz="2600" dirty="0"/>
-          </a:p>
-          <a:p>
-            <a:pPr marL="457200" lvl="0" indent="-330200" algn="l" rtl="0">
-              <a:spcBef>
-                <a:spcPts val="0"/>
-              </a:spcBef>
-              <a:spcAft>
-                <a:spcPts val="0"/>
-              </a:spcAft>
-              <a:buSzPts val="1600"/>
-              <a:buChar char="●"/>
-            </a:pPr>
-            <a:r>
-              <a:rPr lang="en-HK" sz="2600" dirty="0"/>
-              <a:t>The answer extraction task is commonly </a:t>
-            </a:r>
-            <a:r>
-              <a:rPr lang="en-HK" sz="2600" dirty="0" smtClean="0"/>
-              <a:t>modelled </a:t>
-            </a:r>
-            <a:r>
-              <a:rPr lang="en-HK" sz="2600" dirty="0"/>
-              <a:t>by span </a:t>
-            </a:r>
-            <a:r>
-              <a:rPr lang="en-HK" sz="2600" dirty="0" smtClean="0"/>
-              <a:t>labelling: </a:t>
-            </a:r>
-            <a:r>
-              <a:rPr lang="en-HK" sz="2600" dirty="0"/>
-              <a:t>identifying a span in the passage that constitutes an answer</a:t>
-            </a:r>
-            <a:endParaRPr sz="2600" dirty="0"/>
-          </a:p>
-          <a:p>
-            <a:pPr marL="914400" lvl="1" indent="-330200" algn="l" rtl="0">
-              <a:spcBef>
-                <a:spcPts val="0"/>
-              </a:spcBef>
-              <a:spcAft>
-                <a:spcPts val="0"/>
-              </a:spcAft>
-              <a:buSzPts val="1600"/>
-              <a:buChar char="○"/>
-            </a:pPr>
-            <a:r>
-              <a:rPr lang="en-HK" sz="2600" dirty="0"/>
-              <a:t>Given a question </a:t>
-            </a:r>
-            <a:r>
-              <a:rPr lang="en-HK" sz="2600" b="1" dirty="0"/>
-              <a:t>q</a:t>
-            </a:r>
-            <a:r>
-              <a:rPr lang="en-HK" sz="2600" dirty="0"/>
-              <a:t> of </a:t>
-            </a:r>
-            <a:r>
-              <a:rPr lang="en-HK" sz="2600" dirty="0" smtClean="0"/>
-              <a:t>m </a:t>
-            </a:r>
-            <a:r>
-              <a:rPr lang="en-HK" sz="2600" dirty="0"/>
-              <a:t>tokens </a:t>
-            </a:r>
-            <a:r>
-              <a:rPr lang="en-HK" sz="2600" dirty="0" smtClean="0"/>
-              <a:t>                   and </a:t>
-            </a:r>
-            <a:r>
-              <a:rPr lang="en-HK" sz="2600" dirty="0"/>
-              <a:t>a passage </a:t>
-            </a:r>
-            <a:r>
-              <a:rPr lang="en-HK" sz="2600" b="1" dirty="0"/>
-              <a:t>p</a:t>
-            </a:r>
-            <a:r>
-              <a:rPr lang="en-HK" sz="2600" dirty="0"/>
-              <a:t> of </a:t>
-            </a:r>
-            <a:r>
-              <a:rPr lang="en-HK" sz="2600" dirty="0" smtClean="0"/>
-              <a:t>n tokens</a:t>
-            </a:r>
-            <a:r>
-              <a:rPr lang="en-HK" sz="2600" baseline="-25000" dirty="0" smtClean="0"/>
-              <a:t> </a:t>
-            </a:r>
-            <a:r>
-              <a:rPr lang="en-HK" sz="2600" dirty="0" smtClean="0"/>
-              <a:t>                     , </a:t>
-            </a:r>
-            <a:r>
-              <a:rPr lang="en-HK" sz="2600" dirty="0" smtClean="0"/>
-              <a:t>the </a:t>
-            </a:r>
-            <a:r>
-              <a:rPr lang="en-HK" sz="2600" dirty="0"/>
-              <a:t>job is to compute the probability </a:t>
-            </a:r>
-            <a:endParaRPr lang="en-HK" sz="2600" dirty="0" smtClean="0"/>
-          </a:p>
-          <a:p>
-            <a:pPr marL="584200" lvl="1" indent="0" algn="l" rtl="0">
-              <a:spcBef>
-                <a:spcPts val="0"/>
-              </a:spcBef>
-              <a:spcAft>
-                <a:spcPts val="0"/>
-              </a:spcAft>
-              <a:buSzPts val="1600"/>
-              <a:buNone/>
-            </a:pPr>
-            <a:r>
-              <a:rPr lang="en-HK" sz="2600" dirty="0" smtClean="0"/>
-              <a:t>                          that </a:t>
-            </a:r>
-            <a:r>
-              <a:rPr lang="en-HK" sz="2600" dirty="0"/>
-              <a:t>each possible span </a:t>
-            </a:r>
-            <a:r>
-              <a:rPr lang="en-HK" sz="2600" dirty="0" smtClean="0"/>
-              <a:t> </a:t>
-            </a:r>
-            <a:endParaRPr sz="2600" dirty="0"/>
-          </a:p>
-          <a:p>
-            <a:pPr marL="914400" lvl="1" indent="-330200" algn="l" rtl="0">
-              <a:spcBef>
-                <a:spcPts val="0"/>
-              </a:spcBef>
-              <a:spcAft>
-                <a:spcPts val="0"/>
-              </a:spcAft>
-              <a:buSzPts val="1600"/>
-              <a:buChar char="○"/>
-            </a:pPr>
-            <a:r>
-              <a:rPr lang="en-HK" sz="2600" dirty="0"/>
-              <a:t>If each span </a:t>
-            </a:r>
-            <a:r>
-              <a:rPr lang="en-HK" sz="2600" b="1" dirty="0" smtClean="0"/>
-              <a:t>a</a:t>
-            </a:r>
-            <a:r>
-              <a:rPr lang="en-HK" sz="2600" dirty="0" smtClean="0"/>
-              <a:t> </a:t>
-            </a:r>
-            <a:r>
-              <a:rPr lang="en-HK" sz="2600" dirty="0"/>
-              <a:t>starts at position </a:t>
-            </a:r>
-            <a:r>
-              <a:rPr lang="en-HK" sz="2600" b="1" dirty="0" smtClean="0"/>
-              <a:t>a</a:t>
-            </a:r>
-            <a:r>
-              <a:rPr lang="en-HK" sz="2600" b="1" baseline="-25000" dirty="0" smtClean="0"/>
-              <a:t>s</a:t>
-            </a:r>
-            <a:r>
-              <a:rPr lang="en-HK" sz="2600" b="1" dirty="0" smtClean="0"/>
-              <a:t> </a:t>
-            </a:r>
-            <a:r>
-              <a:rPr lang="en-HK" sz="2600" dirty="0"/>
-              <a:t>and ends at position </a:t>
-            </a:r>
-            <a:r>
-              <a:rPr lang="en-HK" sz="2600" b="1" dirty="0"/>
-              <a:t>a</a:t>
-            </a:r>
-            <a:r>
-              <a:rPr lang="en-HK" sz="2600" b="1" baseline="-25000" dirty="0"/>
-              <a:t>e</a:t>
-            </a:r>
-            <a:r>
-              <a:rPr lang="en-HK" sz="2600" dirty="0"/>
-              <a:t>, the probability can be estimated as  </a:t>
-            </a:r>
-            <a:endParaRPr lang="en-HK" sz="2600" dirty="0" smtClean="0"/>
-          </a:p>
-          <a:p>
-            <a:pPr marL="914400" lvl="1" indent="-330200" algn="l" rtl="0">
-              <a:spcBef>
-                <a:spcPts val="0"/>
-              </a:spcBef>
-              <a:spcAft>
-                <a:spcPts val="0"/>
-              </a:spcAft>
-              <a:buSzPts val="1600"/>
-              <a:buChar char="○"/>
-            </a:pPr>
-            <a:endParaRPr sz="2400" dirty="0"/>
-          </a:p>
-          <a:p>
-            <a:pPr marL="457200" lvl="0" indent="0" algn="l" rtl="0">
-              <a:spcBef>
-                <a:spcPts val="360"/>
-              </a:spcBef>
-              <a:spcAft>
-                <a:spcPts val="0"/>
-              </a:spcAft>
-              <a:buNone/>
-            </a:pPr>
-            <a:r>
-              <a:rPr lang="en-HK" sz="2800" b="1" i="1" dirty="0" smtClean="0"/>
-              <a:t>      </a:t>
-            </a:r>
-            <a:endParaRPr sz="2400" dirty="0"/>
-          </a:p>
-        </p:txBody>
-      </p:sp>
+      <mc:AlternateContent xmlns:mc="http://schemas.openxmlformats.org/markup-compatibility/2006">
+        <mc:Choice xmlns:a14="http://schemas.microsoft.com/office/drawing/2010/main" Requires="a14">
+          <p:sp>
+            <p:nvSpPr>
+              <p:cNvPr id="126" name="Google Shape;126;gf4ed930811_0_0"/>
+              <p:cNvSpPr txBox="1">
+                <a:spLocks noGrp="1"/>
+              </p:cNvSpPr>
+              <p:nvPr>
+                <p:ph type="body" idx="1"/>
+              </p:nvPr>
+            </p:nvSpPr>
+            <p:spPr>
+              <a:xfrm>
+                <a:off x="368325" y="1417650"/>
+                <a:ext cx="8682000" cy="4809000"/>
+              </a:xfrm>
+              <a:prstGeom prst="rect">
+                <a:avLst/>
+              </a:prstGeom>
+            </p:spPr>
+            <p:txBody>
+              <a:bodyPr spcFirstLastPara="1" wrap="square" lIns="91425" tIns="45700" rIns="91425" bIns="45700" anchor="t" anchorCtr="0">
+                <a:normAutofit fontScale="92500" lnSpcReduction="20000"/>
+              </a:bodyPr>
+              <a:lstStyle/>
+              <a:p>
+                <a:pPr marL="457200" lvl="0" indent="-330200" algn="l" rtl="0">
+                  <a:spcBef>
+                    <a:spcPts val="360"/>
+                  </a:spcBef>
+                  <a:spcAft>
+                    <a:spcPts val="0"/>
+                  </a:spcAft>
+                  <a:buSzPts val="1600"/>
+                  <a:buChar char="●"/>
+                </a:pPr>
+                <a:r>
+                  <a:rPr lang="en-HK" sz="2600" dirty="0" smtClean="0">
+                    <a:latin typeface="Calibri" panose="020F0502020204030204" pitchFamily="34" charset="0"/>
+                    <a:cs typeface="Calibri" panose="020F0502020204030204" pitchFamily="34" charset="0"/>
+                  </a:rPr>
+                  <a:t>The reader’s job is to take a passage as input and produce a span of text in the passage as the answer</a:t>
+                </a:r>
+              </a:p>
+              <a:p>
+                <a:pPr marL="914400" lvl="1" indent="-330200" algn="l" rtl="0">
+                  <a:spcBef>
+                    <a:spcPts val="0"/>
+                  </a:spcBef>
+                  <a:spcAft>
+                    <a:spcPts val="0"/>
+                  </a:spcAft>
+                  <a:buSzPts val="1600"/>
+                  <a:buChar char="○"/>
+                </a:pPr>
+                <a:r>
+                  <a:rPr lang="en-HK" sz="2600" dirty="0">
+                    <a:latin typeface="Calibri" panose="020F0502020204030204" pitchFamily="34" charset="0"/>
+                    <a:cs typeface="Calibri" panose="020F0502020204030204" pitchFamily="34" charset="0"/>
+                  </a:rPr>
+                  <a:t>E.g.   a Question like “How tall is Mt. Everest?”, and a passage that contains the clause Reaching 29,029 feet, the reader will output 29,029 feet</a:t>
+                </a:r>
+              </a:p>
+              <a:p>
+                <a:pPr marL="457200" lvl="0" indent="-330200" algn="l" rtl="0">
+                  <a:spcBef>
+                    <a:spcPts val="0"/>
+                  </a:spcBef>
+                  <a:spcAft>
+                    <a:spcPts val="0"/>
+                  </a:spcAft>
+                  <a:buSzPts val="1600"/>
+                  <a:buChar char="●"/>
+                </a:pPr>
+                <a:r>
+                  <a:rPr lang="en-HK" sz="2600" dirty="0">
+                    <a:latin typeface="Calibri" panose="020F0502020204030204" pitchFamily="34" charset="0"/>
+                    <a:cs typeface="Calibri" panose="020F0502020204030204" pitchFamily="34" charset="0"/>
+                  </a:rPr>
+                  <a:t>The answer extraction task is commonly </a:t>
+                </a:r>
+                <a:r>
+                  <a:rPr lang="en-HK" sz="2600" dirty="0" smtClean="0">
+                    <a:latin typeface="Calibri" panose="020F0502020204030204" pitchFamily="34" charset="0"/>
+                    <a:cs typeface="Calibri" panose="020F0502020204030204" pitchFamily="34" charset="0"/>
+                  </a:rPr>
+                  <a:t>modelled </a:t>
+                </a:r>
+                <a:r>
+                  <a:rPr lang="en-HK" sz="2600" dirty="0">
+                    <a:latin typeface="Calibri" panose="020F0502020204030204" pitchFamily="34" charset="0"/>
+                    <a:cs typeface="Calibri" panose="020F0502020204030204" pitchFamily="34" charset="0"/>
+                  </a:rPr>
+                  <a:t>by span </a:t>
+                </a:r>
+                <a:r>
+                  <a:rPr lang="en-HK" sz="2600" dirty="0" smtClean="0">
+                    <a:latin typeface="Calibri" panose="020F0502020204030204" pitchFamily="34" charset="0"/>
+                    <a:cs typeface="Calibri" panose="020F0502020204030204" pitchFamily="34" charset="0"/>
+                  </a:rPr>
+                  <a:t>labelling: </a:t>
+                </a:r>
+                <a:r>
+                  <a:rPr lang="en-HK" sz="2600" dirty="0">
+                    <a:latin typeface="Calibri" panose="020F0502020204030204" pitchFamily="34" charset="0"/>
+                    <a:cs typeface="Calibri" panose="020F0502020204030204" pitchFamily="34" charset="0"/>
+                  </a:rPr>
+                  <a:t>identifying a span in the passage that constitutes an answer</a:t>
+                </a:r>
+              </a:p>
+              <a:p>
+                <a:pPr lvl="1" indent="-330200">
+                  <a:spcBef>
+                    <a:spcPts val="0"/>
+                  </a:spcBef>
+                  <a:buSzPts val="1600"/>
+                  <a:buChar char="○"/>
+                </a:pPr>
+                <a:r>
+                  <a:rPr lang="en-HK" sz="2600" dirty="0">
+                    <a:latin typeface="Calibri" panose="020F0502020204030204" pitchFamily="34" charset="0"/>
+                    <a:cs typeface="Calibri" panose="020F0502020204030204" pitchFamily="34" charset="0"/>
+                  </a:rPr>
+                  <a:t>Given a question </a:t>
+                </a:r>
+                <a:r>
+                  <a:rPr lang="en-HK" sz="2600" b="1" dirty="0">
+                    <a:latin typeface="Calibri" panose="020F0502020204030204" pitchFamily="34" charset="0"/>
+                    <a:cs typeface="Calibri" panose="020F0502020204030204" pitchFamily="34" charset="0"/>
+                  </a:rPr>
+                  <a:t>q</a:t>
+                </a:r>
+                <a:r>
+                  <a:rPr lang="en-HK" sz="2600" dirty="0">
+                    <a:latin typeface="Calibri" panose="020F0502020204030204" pitchFamily="34" charset="0"/>
+                    <a:cs typeface="Calibri" panose="020F0502020204030204" pitchFamily="34" charset="0"/>
+                  </a:rPr>
+                  <a:t> of </a:t>
+                </a:r>
+                <a:r>
+                  <a:rPr lang="en-HK" sz="2600" dirty="0" smtClean="0">
+                    <a:latin typeface="Calibri" panose="020F0502020204030204" pitchFamily="34" charset="0"/>
+                    <a:cs typeface="Calibri" panose="020F0502020204030204" pitchFamily="34" charset="0"/>
+                  </a:rPr>
+                  <a:t>m tokens q</a:t>
+                </a:r>
+                <a:r>
+                  <a:rPr lang="en-HK" sz="2600" baseline="-25000" dirty="0" smtClean="0">
+                    <a:latin typeface="Calibri" panose="020F0502020204030204" pitchFamily="34" charset="0"/>
+                    <a:cs typeface="Calibri" panose="020F0502020204030204" pitchFamily="34" charset="0"/>
+                  </a:rPr>
+                  <a:t>1</a:t>
+                </a:r>
+                <a:r>
+                  <a:rPr lang="en-HK" sz="2600" dirty="0" smtClean="0">
+                    <a:latin typeface="Calibri" panose="020F0502020204030204" pitchFamily="34" charset="0"/>
+                    <a:cs typeface="Calibri" panose="020F0502020204030204" pitchFamily="34" charset="0"/>
+                  </a:rPr>
+                  <a:t>,…,</a:t>
+                </a:r>
+                <a:r>
+                  <a:rPr lang="en-HK" sz="2600" dirty="0" err="1" smtClean="0">
+                    <a:latin typeface="Calibri" panose="020F0502020204030204" pitchFamily="34" charset="0"/>
+                    <a:cs typeface="Calibri" panose="020F0502020204030204" pitchFamily="34" charset="0"/>
+                  </a:rPr>
+                  <a:t>q</a:t>
+                </a:r>
+                <a:r>
+                  <a:rPr lang="en-HK" sz="2600" baseline="-25000" dirty="0" err="1" smtClean="0">
+                    <a:latin typeface="Calibri" panose="020F0502020204030204" pitchFamily="34" charset="0"/>
+                    <a:cs typeface="Calibri" panose="020F0502020204030204" pitchFamily="34" charset="0"/>
+                  </a:rPr>
+                  <a:t>m</a:t>
+                </a:r>
+                <a:r>
+                  <a:rPr lang="en-HK" sz="2600" baseline="-25000" dirty="0" smtClean="0">
+                    <a:latin typeface="Calibri" panose="020F0502020204030204" pitchFamily="34" charset="0"/>
+                    <a:cs typeface="Calibri" panose="020F0502020204030204" pitchFamily="34" charset="0"/>
+                  </a:rPr>
+                  <a:t> </a:t>
+                </a:r>
+                <a:r>
+                  <a:rPr lang="en-HK" sz="2600" dirty="0" smtClean="0">
+                    <a:latin typeface="Calibri" panose="020F0502020204030204" pitchFamily="34" charset="0"/>
+                    <a:cs typeface="Calibri" panose="020F0502020204030204" pitchFamily="34" charset="0"/>
+                  </a:rPr>
+                  <a:t>and </a:t>
+                </a:r>
+                <a:r>
+                  <a:rPr lang="en-HK" sz="2600" dirty="0">
+                    <a:latin typeface="Calibri" panose="020F0502020204030204" pitchFamily="34" charset="0"/>
+                    <a:cs typeface="Calibri" panose="020F0502020204030204" pitchFamily="34" charset="0"/>
+                  </a:rPr>
+                  <a:t>a passage </a:t>
+                </a:r>
+                <a:r>
+                  <a:rPr lang="en-HK" sz="2600" b="1" dirty="0">
+                    <a:latin typeface="Calibri" panose="020F0502020204030204" pitchFamily="34" charset="0"/>
+                    <a:cs typeface="Calibri" panose="020F0502020204030204" pitchFamily="34" charset="0"/>
+                  </a:rPr>
+                  <a:t>p</a:t>
+                </a:r>
+                <a:r>
+                  <a:rPr lang="en-HK" sz="2600" dirty="0">
+                    <a:latin typeface="Calibri" panose="020F0502020204030204" pitchFamily="34" charset="0"/>
+                    <a:cs typeface="Calibri" panose="020F0502020204030204" pitchFamily="34" charset="0"/>
+                  </a:rPr>
+                  <a:t> of </a:t>
+                </a:r>
+                <a:r>
+                  <a:rPr lang="en-HK" sz="2600" dirty="0" smtClean="0">
+                    <a:latin typeface="Calibri" panose="020F0502020204030204" pitchFamily="34" charset="0"/>
+                    <a:cs typeface="Calibri" panose="020F0502020204030204" pitchFamily="34" charset="0"/>
+                  </a:rPr>
+                  <a:t>n tokens p</a:t>
+                </a:r>
+                <a:r>
+                  <a:rPr lang="en-HK" sz="2600" baseline="-25000" dirty="0" smtClean="0">
+                    <a:latin typeface="Calibri" panose="020F0502020204030204" pitchFamily="34" charset="0"/>
+                    <a:cs typeface="Calibri" panose="020F0502020204030204" pitchFamily="34" charset="0"/>
+                  </a:rPr>
+                  <a:t>1</a:t>
+                </a:r>
+                <a:r>
+                  <a:rPr lang="en-HK" sz="2600" dirty="0" smtClean="0">
+                    <a:latin typeface="Calibri" panose="020F0502020204030204" pitchFamily="34" charset="0"/>
+                    <a:cs typeface="Calibri" panose="020F0502020204030204" pitchFamily="34" charset="0"/>
+                  </a:rPr>
+                  <a:t>,…,</a:t>
+                </a:r>
+                <a:r>
+                  <a:rPr lang="en-HK" sz="2600" dirty="0" err="1" smtClean="0">
+                    <a:latin typeface="Calibri" panose="020F0502020204030204" pitchFamily="34" charset="0"/>
+                    <a:cs typeface="Calibri" panose="020F0502020204030204" pitchFamily="34" charset="0"/>
+                  </a:rPr>
+                  <a:t>p</a:t>
+                </a:r>
+                <a:r>
+                  <a:rPr lang="en-HK" sz="2600" baseline="-25000" dirty="0" err="1" smtClean="0">
+                    <a:latin typeface="Calibri" panose="020F0502020204030204" pitchFamily="34" charset="0"/>
+                    <a:cs typeface="Calibri" panose="020F0502020204030204" pitchFamily="34" charset="0"/>
+                  </a:rPr>
+                  <a:t>n</a:t>
+                </a:r>
+                <a:r>
+                  <a:rPr lang="en-HK" sz="2600" dirty="0" smtClean="0">
+                    <a:latin typeface="Calibri" panose="020F0502020204030204" pitchFamily="34" charset="0"/>
+                    <a:cs typeface="Calibri" panose="020F0502020204030204" pitchFamily="34" charset="0"/>
+                  </a:rPr>
+                  <a:t>, the </a:t>
+                </a:r>
+                <a:r>
+                  <a:rPr lang="en-HK" sz="2600" dirty="0">
+                    <a:latin typeface="Calibri" panose="020F0502020204030204" pitchFamily="34" charset="0"/>
+                    <a:cs typeface="Calibri" panose="020F0502020204030204" pitchFamily="34" charset="0"/>
+                  </a:rPr>
+                  <a:t>job is to compute the probability </a:t>
+                </a:r>
+                <a:r>
+                  <a:rPr lang="en-HK" sz="2600" dirty="0" smtClean="0">
+                    <a:latin typeface="Calibri" panose="020F0502020204030204" pitchFamily="34" charset="0"/>
+                    <a:cs typeface="Calibri" panose="020F0502020204030204" pitchFamily="34" charset="0"/>
+                  </a:rPr>
+                  <a:t>q</a:t>
+                </a:r>
+                <a:r>
+                  <a:rPr lang="en-HK" sz="2600" baseline="-25000" dirty="0" smtClean="0">
+                    <a:latin typeface="Calibri" panose="020F0502020204030204" pitchFamily="34" charset="0"/>
+                    <a:cs typeface="Calibri" panose="020F0502020204030204" pitchFamily="34" charset="0"/>
+                  </a:rPr>
+                  <a:t>1</a:t>
+                </a:r>
+                <a:r>
+                  <a:rPr lang="en-HK" sz="2600" dirty="0" smtClean="0">
+                    <a:latin typeface="Calibri" panose="020F0502020204030204" pitchFamily="34" charset="0"/>
+                    <a:cs typeface="Calibri" panose="020F0502020204030204" pitchFamily="34" charset="0"/>
+                  </a:rPr>
+                  <a:t>,…,</a:t>
+                </a:r>
+                <a:r>
+                  <a:rPr lang="en-HK" sz="2600" dirty="0" err="1" smtClean="0">
+                    <a:latin typeface="Calibri" panose="020F0502020204030204" pitchFamily="34" charset="0"/>
+                    <a:cs typeface="Calibri" panose="020F0502020204030204" pitchFamily="34" charset="0"/>
+                  </a:rPr>
+                  <a:t>q</a:t>
+                </a:r>
+                <a:r>
+                  <a:rPr lang="en-HK" sz="2600" baseline="-25000" dirty="0" err="1" smtClean="0">
+                    <a:latin typeface="Calibri" panose="020F0502020204030204" pitchFamily="34" charset="0"/>
+                    <a:cs typeface="Calibri" panose="020F0502020204030204" pitchFamily="34" charset="0"/>
+                  </a:rPr>
+                  <a:t>m</a:t>
+                </a:r>
+                <a:r>
+                  <a:rPr lang="en-HK" sz="2600" baseline="-25000" dirty="0">
+                    <a:latin typeface="Calibri" panose="020F0502020204030204" pitchFamily="34" charset="0"/>
+                    <a:cs typeface="Calibri" panose="020F0502020204030204" pitchFamily="34" charset="0"/>
+                  </a:rPr>
+                  <a:t> </a:t>
+                </a:r>
+                <a:r>
+                  <a:rPr lang="en-HK" sz="2600" dirty="0" smtClean="0">
+                    <a:latin typeface="Calibri" panose="020F0502020204030204" pitchFamily="34" charset="0"/>
+                    <a:cs typeface="Calibri" panose="020F0502020204030204" pitchFamily="34" charset="0"/>
+                  </a:rPr>
+                  <a:t>that each possible span  </a:t>
+                </a:r>
+              </a:p>
+              <a:p>
+                <a:pPr marL="914400" lvl="1" indent="-330200" algn="l" rtl="0">
+                  <a:spcBef>
+                    <a:spcPts val="0"/>
+                  </a:spcBef>
+                  <a:spcAft>
+                    <a:spcPts val="0"/>
+                  </a:spcAft>
+                  <a:buSzPts val="1600"/>
+                  <a:buChar char="○"/>
+                </a:pPr>
+                <a:r>
+                  <a:rPr lang="en-HK" sz="2600" dirty="0" smtClean="0">
+                    <a:latin typeface="Calibri" panose="020F0502020204030204" pitchFamily="34" charset="0"/>
+                    <a:cs typeface="Calibri" panose="020F0502020204030204" pitchFamily="34" charset="0"/>
+                  </a:rPr>
+                  <a:t>If </a:t>
+                </a:r>
+                <a:r>
+                  <a:rPr lang="en-HK" sz="2600" dirty="0">
+                    <a:latin typeface="Calibri" panose="020F0502020204030204" pitchFamily="34" charset="0"/>
+                    <a:cs typeface="Calibri" panose="020F0502020204030204" pitchFamily="34" charset="0"/>
+                  </a:rPr>
+                  <a:t>each span </a:t>
+                </a:r>
+                <a:r>
+                  <a:rPr lang="en-HK" sz="2600" b="1" dirty="0" smtClean="0">
+                    <a:latin typeface="Calibri" panose="020F0502020204030204" pitchFamily="34" charset="0"/>
+                    <a:cs typeface="Calibri" panose="020F0502020204030204" pitchFamily="34" charset="0"/>
+                  </a:rPr>
+                  <a:t>a</a:t>
+                </a:r>
+                <a:r>
+                  <a:rPr lang="en-HK" sz="2600" dirty="0" smtClean="0">
+                    <a:latin typeface="Calibri" panose="020F0502020204030204" pitchFamily="34" charset="0"/>
+                    <a:cs typeface="Calibri" panose="020F0502020204030204" pitchFamily="34" charset="0"/>
+                  </a:rPr>
+                  <a:t> </a:t>
+                </a:r>
+                <a:r>
+                  <a:rPr lang="en-HK" sz="2600" dirty="0">
+                    <a:latin typeface="Calibri" panose="020F0502020204030204" pitchFamily="34" charset="0"/>
+                    <a:cs typeface="Calibri" panose="020F0502020204030204" pitchFamily="34" charset="0"/>
+                  </a:rPr>
+                  <a:t>starts at position </a:t>
+                </a:r>
+                <a:r>
+                  <a:rPr lang="en-HK" sz="2600" b="1" dirty="0" smtClean="0">
+                    <a:latin typeface="Calibri" panose="020F0502020204030204" pitchFamily="34" charset="0"/>
+                    <a:cs typeface="Calibri" panose="020F0502020204030204" pitchFamily="34" charset="0"/>
+                  </a:rPr>
+                  <a:t>a</a:t>
+                </a:r>
+                <a:r>
+                  <a:rPr lang="en-HK" sz="2600" b="1" baseline="-25000" dirty="0" smtClean="0">
+                    <a:latin typeface="Calibri" panose="020F0502020204030204" pitchFamily="34" charset="0"/>
+                    <a:cs typeface="Calibri" panose="020F0502020204030204" pitchFamily="34" charset="0"/>
+                  </a:rPr>
+                  <a:t>s</a:t>
+                </a:r>
+                <a:r>
+                  <a:rPr lang="en-HK" sz="2600" b="1" dirty="0" smtClean="0">
+                    <a:latin typeface="Calibri" panose="020F0502020204030204" pitchFamily="34" charset="0"/>
+                    <a:cs typeface="Calibri" panose="020F0502020204030204" pitchFamily="34" charset="0"/>
+                  </a:rPr>
+                  <a:t> </a:t>
+                </a:r>
+                <a:r>
+                  <a:rPr lang="en-HK" sz="2600" dirty="0">
+                    <a:latin typeface="Calibri" panose="020F0502020204030204" pitchFamily="34" charset="0"/>
+                    <a:cs typeface="Calibri" panose="020F0502020204030204" pitchFamily="34" charset="0"/>
+                  </a:rPr>
+                  <a:t>and ends at position </a:t>
+                </a:r>
+                <a:r>
+                  <a:rPr lang="en-HK" sz="2600" b="1" dirty="0">
+                    <a:latin typeface="Calibri" panose="020F0502020204030204" pitchFamily="34" charset="0"/>
+                    <a:cs typeface="Calibri" panose="020F0502020204030204" pitchFamily="34" charset="0"/>
+                  </a:rPr>
+                  <a:t>a</a:t>
+                </a:r>
+                <a:r>
+                  <a:rPr lang="en-HK" sz="2600" b="1" baseline="-25000" dirty="0">
+                    <a:latin typeface="Calibri" panose="020F0502020204030204" pitchFamily="34" charset="0"/>
+                    <a:cs typeface="Calibri" panose="020F0502020204030204" pitchFamily="34" charset="0"/>
+                  </a:rPr>
+                  <a:t>e</a:t>
+                </a:r>
+                <a:r>
+                  <a:rPr lang="en-HK" sz="2600" dirty="0">
+                    <a:latin typeface="Calibri" panose="020F0502020204030204" pitchFamily="34" charset="0"/>
+                    <a:cs typeface="Calibri" panose="020F0502020204030204" pitchFamily="34" charset="0"/>
+                  </a:rPr>
+                  <a:t>, the probability can be estimated </a:t>
+                </a:r>
+                <a:r>
+                  <a:rPr lang="en-HK" sz="2600" dirty="0" smtClean="0">
+                    <a:latin typeface="Calibri" panose="020F0502020204030204" pitchFamily="34" charset="0"/>
+                    <a:cs typeface="Calibri" panose="020F0502020204030204" pitchFamily="34" charset="0"/>
+                  </a:rPr>
+                  <a:t>as</a:t>
+                </a:r>
+                <a:endParaRPr lang="en-HK" sz="2600" dirty="0" smtClean="0">
+                  <a:latin typeface="Calibri" panose="020F0502020204030204" pitchFamily="34" charset="0"/>
+                  <a:cs typeface="Calibri" panose="020F0502020204030204" pitchFamily="34" charset="0"/>
+                </a:endParaRPr>
+              </a:p>
+              <a:p>
+                <a:pPr marL="584200" lvl="1" indent="0" algn="l" rtl="0">
+                  <a:spcBef>
+                    <a:spcPts val="0"/>
+                  </a:spcBef>
+                  <a:spcAft>
+                    <a:spcPts val="0"/>
+                  </a:spcAft>
+                  <a:buSzPts val="1600"/>
+                  <a:buNone/>
+                </a:pPr>
+                <a14:m>
+                  <m:oMathPara xmlns:m="http://schemas.openxmlformats.org/officeDocument/2006/math">
+                    <m:oMathParaPr>
+                      <m:jc m:val="centerGroup"/>
+                    </m:oMathParaPr>
+                    <m:oMath xmlns:m="http://schemas.openxmlformats.org/officeDocument/2006/math">
+                      <m:r>
+                        <a:rPr lang="en-HK" sz="2600" i="1" smtClean="0">
+                          <a:latin typeface="Cambria Math" panose="02040503050406030204" pitchFamily="18" charset="0"/>
+                        </a:rPr>
+                        <m:t>𝑝</m:t>
+                      </m:r>
+                      <m:d>
+                        <m:dPr>
+                          <m:ctrlPr>
+                            <a:rPr lang="en-HK" sz="2600" i="1" smtClean="0">
+                              <a:latin typeface="Cambria Math" panose="02040503050406030204" pitchFamily="18" charset="0"/>
+                            </a:rPr>
+                          </m:ctrlPr>
+                        </m:dPr>
+                        <m:e>
+                          <m:d>
+                            <m:dPr>
+                              <m:begChr m:val=""/>
+                              <m:endChr m:val="|"/>
+                              <m:ctrlPr>
+                                <a:rPr lang="en-HK" sz="2600" i="1" smtClean="0">
+                                  <a:latin typeface="Cambria Math" panose="02040503050406030204" pitchFamily="18" charset="0"/>
+                                </a:rPr>
+                              </m:ctrlPr>
+                            </m:dPr>
+                            <m:e>
+                              <m:r>
+                                <a:rPr lang="en-HK" sz="2600" i="1" smtClean="0">
+                                  <a:latin typeface="Cambria Math" panose="02040503050406030204" pitchFamily="18" charset="0"/>
+                                </a:rPr>
+                                <m:t>𝑎</m:t>
+                              </m:r>
+                            </m:e>
+                          </m:d>
+                          <m:r>
+                            <a:rPr lang="en-HK" sz="2600" i="1" smtClean="0">
+                              <a:latin typeface="Cambria Math" panose="02040503050406030204" pitchFamily="18" charset="0"/>
+                            </a:rPr>
+                            <m:t>𝑞</m:t>
+                          </m:r>
+                          <m:r>
+                            <a:rPr lang="en-HK" sz="2600" i="1" smtClean="0">
+                              <a:latin typeface="Cambria Math" panose="02040503050406030204" pitchFamily="18" charset="0"/>
+                            </a:rPr>
+                            <m:t>,</m:t>
+                          </m:r>
+                          <m:r>
+                            <a:rPr lang="en-HK" sz="2600" i="1" smtClean="0">
+                              <a:latin typeface="Cambria Math" panose="02040503050406030204" pitchFamily="18" charset="0"/>
+                            </a:rPr>
+                            <m:t>𝑝</m:t>
+                          </m:r>
+                        </m:e>
+                      </m:d>
+                      <m:r>
+                        <a:rPr lang="en-HK" sz="2600" i="1" smtClean="0">
+                          <a:latin typeface="Cambria Math" panose="02040503050406030204" pitchFamily="18" charset="0"/>
+                        </a:rPr>
+                        <m:t>=</m:t>
+                      </m:r>
+                      <m:sSub>
+                        <m:sSubPr>
+                          <m:ctrlPr>
+                            <a:rPr lang="en-HK" sz="2600" i="1" smtClean="0">
+                              <a:latin typeface="Cambria Math" panose="02040503050406030204" pitchFamily="18" charset="0"/>
+                            </a:rPr>
+                          </m:ctrlPr>
+                        </m:sSubPr>
+                        <m:e>
+                          <m:r>
+                            <a:rPr lang="en-HK" sz="2600" i="1" smtClean="0">
+                              <a:latin typeface="Cambria Math" panose="02040503050406030204" pitchFamily="18" charset="0"/>
+                            </a:rPr>
+                            <m:t>𝑝</m:t>
+                          </m:r>
+                        </m:e>
+                        <m:sub>
+                          <m:r>
+                            <a:rPr lang="en-US" sz="2600" b="0" i="1" smtClean="0">
+                              <a:latin typeface="Cambria Math" panose="02040503050406030204" pitchFamily="18" charset="0"/>
+                            </a:rPr>
+                            <m:t>𝑠𝑡𝑎𝑟</m:t>
+                          </m:r>
+                          <m:r>
+                            <a:rPr lang="en-HK" sz="2600" i="1" smtClean="0">
+                              <a:latin typeface="Cambria Math" panose="02040503050406030204" pitchFamily="18" charset="0"/>
+                            </a:rPr>
+                            <m:t>𝑡</m:t>
+                          </m:r>
+                        </m:sub>
+                      </m:sSub>
+                      <m:d>
+                        <m:dPr>
+                          <m:ctrlPr>
+                            <a:rPr lang="en-HK" sz="2600" i="1">
+                              <a:latin typeface="Cambria Math" panose="02040503050406030204" pitchFamily="18" charset="0"/>
+                            </a:rPr>
+                          </m:ctrlPr>
+                        </m:dPr>
+                        <m:e>
+                          <m:d>
+                            <m:dPr>
+                              <m:begChr m:val=""/>
+                              <m:endChr m:val="|"/>
+                              <m:ctrlPr>
+                                <a:rPr lang="en-HK" sz="2600" i="1">
+                                  <a:latin typeface="Cambria Math" panose="02040503050406030204" pitchFamily="18" charset="0"/>
+                                </a:rPr>
+                              </m:ctrlPr>
+                            </m:dPr>
+                            <m:e>
+                              <m:sSub>
+                                <m:sSubPr>
+                                  <m:ctrlPr>
+                                    <a:rPr lang="en-HK" sz="2600" i="1">
+                                      <a:latin typeface="Cambria Math" panose="02040503050406030204" pitchFamily="18" charset="0"/>
+                                    </a:rPr>
+                                  </m:ctrlPr>
+                                </m:sSubPr>
+                                <m:e>
+                                  <m:r>
+                                    <a:rPr lang="en-HK" sz="2600" i="1">
+                                      <a:latin typeface="Cambria Math" panose="02040503050406030204" pitchFamily="18" charset="0"/>
+                                    </a:rPr>
+                                    <m:t>𝑎</m:t>
+                                  </m:r>
+                                </m:e>
+                                <m:sub>
+                                  <m:r>
+                                    <a:rPr lang="en-US" sz="2600" b="0" i="1" smtClean="0">
+                                      <a:latin typeface="Cambria Math" panose="02040503050406030204" pitchFamily="18" charset="0"/>
+                                    </a:rPr>
+                                    <m:t>𝑠</m:t>
+                                  </m:r>
+                                </m:sub>
+                              </m:sSub>
+                            </m:e>
+                          </m:d>
+                          <m:r>
+                            <a:rPr lang="en-HK" sz="2600" i="1">
+                              <a:latin typeface="Cambria Math" panose="02040503050406030204" pitchFamily="18" charset="0"/>
+                            </a:rPr>
+                            <m:t>𝑞</m:t>
+                          </m:r>
+                          <m:r>
+                            <a:rPr lang="en-HK" sz="2600" i="1">
+                              <a:latin typeface="Cambria Math" panose="02040503050406030204" pitchFamily="18" charset="0"/>
+                            </a:rPr>
+                            <m:t>,</m:t>
+                          </m:r>
+                          <m:r>
+                            <a:rPr lang="en-HK" sz="2600" i="1">
+                              <a:latin typeface="Cambria Math" panose="02040503050406030204" pitchFamily="18" charset="0"/>
+                            </a:rPr>
+                            <m:t>𝑝</m:t>
+                          </m:r>
+                        </m:e>
+                      </m:d>
+                      <m:sSub>
+                        <m:sSubPr>
+                          <m:ctrlPr>
+                            <a:rPr lang="en-HK" sz="2600" i="1">
+                              <a:latin typeface="Cambria Math" panose="02040503050406030204" pitchFamily="18" charset="0"/>
+                            </a:rPr>
+                          </m:ctrlPr>
+                        </m:sSubPr>
+                        <m:e>
+                          <m:r>
+                            <a:rPr lang="en-HK" sz="2600" i="1">
+                              <a:latin typeface="Cambria Math" panose="02040503050406030204" pitchFamily="18" charset="0"/>
+                            </a:rPr>
+                            <m:t>𝑝</m:t>
+                          </m:r>
+                        </m:e>
+                        <m:sub>
+                          <m:r>
+                            <a:rPr lang="en-US" sz="2600" b="0" i="1" smtClean="0">
+                              <a:latin typeface="Cambria Math" panose="02040503050406030204" pitchFamily="18" charset="0"/>
+                            </a:rPr>
+                            <m:t>𝑒𝑛𝑑</m:t>
+                          </m:r>
+                        </m:sub>
+                      </m:sSub>
+                      <m:d>
+                        <m:dPr>
+                          <m:ctrlPr>
+                            <a:rPr lang="en-HK" sz="2600" i="1" smtClean="0">
+                              <a:latin typeface="Cambria Math" panose="02040503050406030204" pitchFamily="18" charset="0"/>
+                            </a:rPr>
+                          </m:ctrlPr>
+                        </m:dPr>
+                        <m:e>
+                          <m:d>
+                            <m:dPr>
+                              <m:begChr m:val=""/>
+                              <m:endChr m:val="|"/>
+                              <m:ctrlPr>
+                                <a:rPr lang="en-HK" sz="2600" i="1" smtClean="0">
+                                  <a:latin typeface="Cambria Math" panose="02040503050406030204" pitchFamily="18" charset="0"/>
+                                </a:rPr>
+                              </m:ctrlPr>
+                            </m:dPr>
+                            <m:e>
+                              <m:sSub>
+                                <m:sSubPr>
+                                  <m:ctrlPr>
+                                    <a:rPr lang="en-HK" sz="2600" i="1" smtClean="0">
+                                      <a:latin typeface="Cambria Math" panose="02040503050406030204" pitchFamily="18" charset="0"/>
+                                    </a:rPr>
+                                  </m:ctrlPr>
+                                </m:sSubPr>
+                                <m:e>
+                                  <m:r>
+                                    <a:rPr lang="en-HK" sz="2600" i="1" smtClean="0">
+                                      <a:latin typeface="Cambria Math" panose="02040503050406030204" pitchFamily="18" charset="0"/>
+                                    </a:rPr>
+                                    <m:t>𝑎</m:t>
+                                  </m:r>
+                                </m:e>
+                                <m:sub>
+                                  <m:r>
+                                    <a:rPr lang="en-HK" sz="2600" i="1" smtClean="0">
+                                      <a:latin typeface="Cambria Math" panose="02040503050406030204" pitchFamily="18" charset="0"/>
+                                    </a:rPr>
+                                    <m:t>𝑒</m:t>
+                                  </m:r>
+                                </m:sub>
+                              </m:sSub>
+                            </m:e>
+                          </m:d>
+                          <m:r>
+                            <a:rPr lang="en-HK" sz="2600" i="1" smtClean="0">
+                              <a:latin typeface="Cambria Math" panose="02040503050406030204" pitchFamily="18" charset="0"/>
+                            </a:rPr>
+                            <m:t>𝑞</m:t>
+                          </m:r>
+                          <m:r>
+                            <a:rPr lang="en-HK" sz="2600" i="1" smtClean="0">
+                              <a:latin typeface="Cambria Math" panose="02040503050406030204" pitchFamily="18" charset="0"/>
+                            </a:rPr>
+                            <m:t>,</m:t>
+                          </m:r>
+                          <m:r>
+                            <a:rPr lang="en-HK" sz="2600" i="1" smtClean="0">
+                              <a:latin typeface="Cambria Math" panose="02040503050406030204" pitchFamily="18" charset="0"/>
+                            </a:rPr>
+                            <m:t>𝑝</m:t>
+                          </m:r>
+                        </m:e>
+                      </m:d>
+                    </m:oMath>
+                  </m:oMathPara>
+                </a14:m>
+                <a:endParaRPr lang="ar-AE" sz="2600" dirty="0">
+                  <a:latin typeface="Calibri" panose="020F0502020204030204" pitchFamily="34" charset="0"/>
+                  <a:cs typeface="Calibri" panose="020F0502020204030204" pitchFamily="34" charset="0"/>
+                </a:endParaRPr>
+              </a:p>
+              <a:p>
+                <a:pPr marL="457200" lvl="0" indent="0" algn="l" rtl="0">
+                  <a:spcBef>
+                    <a:spcPts val="360"/>
+                  </a:spcBef>
+                  <a:spcAft>
+                    <a:spcPts val="0"/>
+                  </a:spcAft>
+                  <a:buNone/>
+                </a:pPr>
+                <a:r>
+                  <a:rPr lang="ar-AE" sz="2800" b="1" i="1" dirty="0" smtClean="0"/>
+                  <a:t>      </a:t>
+                </a:r>
+                <a:endParaRPr sz="2400" dirty="0"/>
+              </a:p>
+            </p:txBody>
+          </p:sp>
+        </mc:Choice>
+        <mc:Fallback>
+          <p:sp>
+            <p:nvSpPr>
+              <p:cNvPr id="126" name="Google Shape;126;gf4ed930811_0_0"/>
+              <p:cNvSpPr txBox="1">
+                <a:spLocks noGrp="1" noRot="1" noChangeAspect="1" noMove="1" noResize="1" noEditPoints="1" noAdjustHandles="1" noChangeArrowheads="1" noChangeShapeType="1" noTextEdit="1"/>
+              </p:cNvSpPr>
+              <p:nvPr>
+                <p:ph type="body" idx="1"/>
+              </p:nvPr>
+            </p:nvSpPr>
+            <p:spPr>
+              <a:xfrm>
+                <a:off x="368325" y="1417650"/>
+                <a:ext cx="8682000" cy="4809000"/>
+              </a:xfrm>
+              <a:prstGeom prst="rect">
+                <a:avLst/>
+              </a:prstGeom>
+              <a:blipFill>
+                <a:blip r:embed="rId3"/>
+                <a:stretch>
+                  <a:fillRect t="-1396" r="-1684" b="-8629"/>
+                </a:stretch>
+              </a:blipFill>
+            </p:spPr>
+            <p:txBody>
+              <a:bodyPr/>
+              <a:lstStyle/>
+              <a:p>
+                <a:r>
+                  <a:rPr lang="en-US">
+                    <a:noFill/>
+                  </a:rPr>
+                  <a:t> </a:t>
+                </a:r>
+              </a:p>
+            </p:txBody>
+          </p:sp>
+        </mc:Fallback>
+      </mc:AlternateContent>
       <p:sp>
         <p:nvSpPr>
           <p:cNvPr id="127" name="Google Shape;127;gf4ed930811_0_0"/>
@@ -17897,234 +18953,6 @@
           </a:p>
         </p:txBody>
       </p:sp>
-      <p:graphicFrame>
-        <p:nvGraphicFramePr>
-          <p:cNvPr id="4" name="Object 3"/>
-          <p:cNvGraphicFramePr>
-            <a:graphicFrameLocks noChangeAspect="1"/>
-          </p:cNvGraphicFramePr>
-          <p:nvPr>
-            <p:extLst>
-              <p:ext uri="{D42A27DB-BD31-4B8C-83A1-F6EECF244321}">
-                <p14:modId xmlns:p14="http://schemas.microsoft.com/office/powerpoint/2010/main" val="685311744"/>
-              </p:ext>
-            </p:extLst>
-          </p:nvPr>
-        </p:nvGraphicFramePr>
-        <p:xfrm>
-          <a:off x="1340550" y="5410200"/>
-          <a:ext cx="5608889" cy="389709"/>
-        </p:xfrm>
-        <a:graphic>
-          <a:graphicData uri="http://schemas.openxmlformats.org/presentationml/2006/ole">
-            <mc:AlternateContent xmlns:mc="http://schemas.openxmlformats.org/markup-compatibility/2006">
-              <mc:Choice xmlns:v="urn:schemas-microsoft-com:vml" Requires="v">
-                <p:oleObj spid="_x0000_s1058" name="Equation" r:id="rId4" imgW="2400120" imgH="203040" progId="Equation.DSMT4">
-                  <p:embed/>
-                </p:oleObj>
-              </mc:Choice>
-              <mc:Fallback>
-                <p:oleObj name="Equation" r:id="rId4" imgW="2400120" imgH="203040" progId="Equation.DSMT4">
-                  <p:embed/>
-                  <p:pic>
-                    <p:nvPicPr>
-                      <p:cNvPr id="0" name=""/>
-                      <p:cNvPicPr/>
-                      <p:nvPr/>
-                    </p:nvPicPr>
-                    <p:blipFill>
-                      <a:blip r:embed="rId5"/>
-                      <a:stretch>
-                        <a:fillRect/>
-                      </a:stretch>
-                    </p:blipFill>
-                    <p:spPr>
-                      <a:xfrm>
-                        <a:off x="1340550" y="5410200"/>
-                        <a:ext cx="5608889" cy="389709"/>
-                      </a:xfrm>
-                      <a:prstGeom prst="rect">
-                        <a:avLst/>
-                      </a:prstGeom>
-                    </p:spPr>
-                  </p:pic>
-                </p:oleObj>
-              </mc:Fallback>
-            </mc:AlternateContent>
-          </a:graphicData>
-        </a:graphic>
-      </p:graphicFrame>
-      <p:graphicFrame>
-        <p:nvGraphicFramePr>
-          <p:cNvPr id="5" name="Object 4"/>
-          <p:cNvGraphicFramePr>
-            <a:graphicFrameLocks noChangeAspect="1"/>
-          </p:cNvGraphicFramePr>
-          <p:nvPr>
-            <p:extLst>
-              <p:ext uri="{D42A27DB-BD31-4B8C-83A1-F6EECF244321}">
-                <p14:modId xmlns:p14="http://schemas.microsoft.com/office/powerpoint/2010/main" val="3194555889"/>
-              </p:ext>
-            </p:extLst>
-          </p:nvPr>
-        </p:nvGraphicFramePr>
-        <p:xfrm>
-          <a:off x="1340550" y="4232113"/>
-          <a:ext cx="1402649" cy="494160"/>
-        </p:xfrm>
-        <a:graphic>
-          <a:graphicData uri="http://schemas.openxmlformats.org/presentationml/2006/ole">
-            <mc:AlternateContent xmlns:mc="http://schemas.openxmlformats.org/markup-compatibility/2006">
-              <mc:Choice xmlns:v="urn:schemas-microsoft-com:vml" Requires="v">
-                <p:oleObj spid="_x0000_s1059" name="Equation" r:id="rId6" imgW="571320" imgH="228600" progId="Equation.DSMT4">
-                  <p:embed/>
-                </p:oleObj>
-              </mc:Choice>
-              <mc:Fallback>
-                <p:oleObj name="Equation" r:id="rId6" imgW="571320" imgH="228600" progId="Equation.DSMT4">
-                  <p:embed/>
-                  <p:pic>
-                    <p:nvPicPr>
-                      <p:cNvPr id="0" name=""/>
-                      <p:cNvPicPr/>
-                      <p:nvPr/>
-                    </p:nvPicPr>
-                    <p:blipFill>
-                      <a:blip r:embed="rId7"/>
-                      <a:stretch>
-                        <a:fillRect/>
-                      </a:stretch>
-                    </p:blipFill>
-                    <p:spPr>
-                      <a:xfrm>
-                        <a:off x="1340550" y="4232113"/>
-                        <a:ext cx="1402649" cy="494160"/>
-                      </a:xfrm>
-                      <a:prstGeom prst="rect">
-                        <a:avLst/>
-                      </a:prstGeom>
-                    </p:spPr>
-                  </p:pic>
-                </p:oleObj>
-              </mc:Fallback>
-            </mc:AlternateContent>
-          </a:graphicData>
-        </a:graphic>
-      </p:graphicFrame>
-      <p:graphicFrame>
-        <p:nvGraphicFramePr>
-          <p:cNvPr id="9" name="Object 8"/>
-          <p:cNvGraphicFramePr>
-            <a:graphicFrameLocks noChangeAspect="1"/>
-          </p:cNvGraphicFramePr>
-          <p:nvPr>
-            <p:extLst>
-              <p:ext uri="{D42A27DB-BD31-4B8C-83A1-F6EECF244321}">
-                <p14:modId xmlns:p14="http://schemas.microsoft.com/office/powerpoint/2010/main" val="1596607423"/>
-              </p:ext>
-            </p:extLst>
-          </p:nvPr>
-        </p:nvGraphicFramePr>
-        <p:xfrm>
-          <a:off x="2619441" y="4023360"/>
-          <a:ext cx="1232626" cy="426195"/>
-        </p:xfrm>
-        <a:graphic>
-          <a:graphicData uri="http://schemas.openxmlformats.org/presentationml/2006/ole">
-            <mc:AlternateContent xmlns:mc="http://schemas.openxmlformats.org/markup-compatibility/2006">
-              <mc:Choice xmlns:v="urn:schemas-microsoft-com:vml" Requires="v">
-                <p:oleObj spid="_x0000_s1060" name="Equation" r:id="rId8" imgW="583920" imgH="228600" progId="Equation.DSMT4">
-                  <p:embed/>
-                </p:oleObj>
-              </mc:Choice>
-              <mc:Fallback>
-                <p:oleObj name="Equation" r:id="rId8" imgW="583920" imgH="228600" progId="Equation.DSMT4">
-                  <p:embed/>
-                  <p:pic>
-                    <p:nvPicPr>
-                      <p:cNvPr id="0" name=""/>
-                      <p:cNvPicPr/>
-                      <p:nvPr/>
-                    </p:nvPicPr>
-                    <p:blipFill>
-                      <a:blip r:embed="rId9"/>
-                      <a:stretch>
-                        <a:fillRect/>
-                      </a:stretch>
-                    </p:blipFill>
-                    <p:spPr>
-                      <a:xfrm>
-                        <a:off x="2619441" y="4023360"/>
-                        <a:ext cx="1232626" cy="426195"/>
-                      </a:xfrm>
-                      <a:prstGeom prst="rect">
-                        <a:avLst/>
-                      </a:prstGeom>
-                    </p:spPr>
-                  </p:pic>
-                </p:oleObj>
-              </mc:Fallback>
-            </mc:AlternateContent>
-          </a:graphicData>
-        </a:graphic>
-      </p:graphicFrame>
-      <p:graphicFrame>
-        <p:nvGraphicFramePr>
-          <p:cNvPr id="10" name="Object 9"/>
-          <p:cNvGraphicFramePr>
-            <a:graphicFrameLocks noChangeAspect="1"/>
-          </p:cNvGraphicFramePr>
-          <p:nvPr>
-            <p:extLst>
-              <p:ext uri="{D42A27DB-BD31-4B8C-83A1-F6EECF244321}">
-                <p14:modId xmlns:p14="http://schemas.microsoft.com/office/powerpoint/2010/main" val="1750467860"/>
-              </p:ext>
-            </p:extLst>
-          </p:nvPr>
-        </p:nvGraphicFramePr>
-        <p:xfrm>
-          <a:off x="5300581" y="3761850"/>
-          <a:ext cx="1115992" cy="470263"/>
-        </p:xfrm>
-        <a:graphic>
-          <a:graphicData uri="http://schemas.openxmlformats.org/presentationml/2006/ole">
-            <mc:AlternateContent xmlns:mc="http://schemas.openxmlformats.org/markup-compatibility/2006">
-              <mc:Choice xmlns:v="urn:schemas-microsoft-com:vml" Requires="v">
-                <p:oleObj spid="_x0000_s1061" name="Equation" r:id="rId10" imgW="571320" imgH="228600" progId="Equation.DSMT4">
-                  <p:embed/>
-                </p:oleObj>
-              </mc:Choice>
-              <mc:Fallback>
-                <p:oleObj name="Equation" r:id="rId10" imgW="571320" imgH="228600" progId="Equation.DSMT4">
-                  <p:embed/>
-                  <p:pic>
-                    <p:nvPicPr>
-                      <p:cNvPr id="0" name=""/>
-                      <p:cNvPicPr/>
-                      <p:nvPr/>
-                    </p:nvPicPr>
-                    <p:blipFill>
-                      <a:blip r:embed="rId11"/>
-                      <a:stretch>
-                        <a:fillRect/>
-                      </a:stretch>
-                    </p:blipFill>
-                    <p:spPr>
-                      <a:xfrm>
-                        <a:off x="5300581" y="3761850"/>
-                        <a:ext cx="1115992" cy="470263"/>
-                      </a:xfrm>
-                      <a:prstGeom prst="rect">
-                        <a:avLst/>
-                      </a:prstGeom>
-                    </p:spPr>
-                  </p:pic>
-                </p:oleObj>
-              </mc:Fallback>
-            </mc:AlternateContent>
-          </a:graphicData>
-        </a:graphic>
-      </p:graphicFrame>
     </p:spTree>
   </p:cSld>
   <p:clrMapOvr>
@@ -18438,271 +19266,1220 @@
           </a:p>
         </p:txBody>
       </p:sp>
-      <p:sp>
-        <p:nvSpPr>
-          <p:cNvPr id="143" name="Google Shape;143;gf6106cedff_0_0"/>
-          <p:cNvSpPr txBox="1">
-            <a:spLocks noGrp="1"/>
-          </p:cNvSpPr>
-          <p:nvPr>
-            <p:ph type="body" idx="1"/>
-          </p:nvPr>
-        </p:nvSpPr>
-        <p:spPr>
-          <a:xfrm>
-            <a:off x="200400" y="1293223"/>
-            <a:ext cx="8943600" cy="5734594"/>
-          </a:xfrm>
-          <a:prstGeom prst="rect">
-            <a:avLst/>
-          </a:prstGeom>
-        </p:spPr>
-        <p:txBody>
-          <a:bodyPr spcFirstLastPara="1" wrap="square" lIns="91425" tIns="45700" rIns="91425" bIns="45700" anchor="t" anchorCtr="0">
-            <a:normAutofit/>
-          </a:bodyPr>
-          <a:lstStyle/>
-          <a:p>
-            <a:pPr marL="457200" lvl="0" indent="-328453" algn="l" rtl="0">
-              <a:spcBef>
-                <a:spcPts val="360"/>
-              </a:spcBef>
-              <a:spcAft>
-                <a:spcPts val="0"/>
-              </a:spcAft>
-              <a:buSzPct val="60655"/>
-              <a:buFont typeface="Calibri"/>
-              <a:buChar char="●"/>
-            </a:pPr>
-            <a:r>
-              <a:rPr lang="en-HK" sz="2400" dirty="0"/>
-              <a:t>we represent the question q</a:t>
-            </a:r>
-            <a:r>
-              <a:rPr lang="en-HK" sz="2400" baseline="-25000" dirty="0"/>
-              <a:t>i</a:t>
-            </a:r>
-            <a:r>
-              <a:rPr lang="en-HK" sz="2400" dirty="0"/>
-              <a:t> and passage p</a:t>
-            </a:r>
-            <a:r>
-              <a:rPr lang="en-HK" sz="2400" baseline="-25000" dirty="0"/>
-              <a:t>i  </a:t>
-            </a:r>
-            <a:r>
-              <a:rPr lang="en-HK" sz="2400" dirty="0"/>
-              <a:t>as the sequence</a:t>
-            </a:r>
-            <a:endParaRPr sz="2400" dirty="0"/>
-          </a:p>
-          <a:p>
-            <a:pPr marL="457200" lvl="0" indent="-328453" algn="l" rtl="0">
-              <a:spcBef>
-                <a:spcPts val="0"/>
-              </a:spcBef>
-              <a:spcAft>
-                <a:spcPts val="0"/>
-              </a:spcAft>
-              <a:buSzPct val="60655"/>
-              <a:buFont typeface="Calibri"/>
-              <a:buChar char="●"/>
-            </a:pPr>
-            <a:r>
-              <a:rPr lang="en-HK" sz="2400" dirty="0"/>
-              <a:t>we’ll also need to add a linear layer to predict the start  and end position  of the span</a:t>
-            </a:r>
-            <a:endParaRPr sz="2400" dirty="0"/>
-          </a:p>
-          <a:p>
-            <a:pPr marL="914400" lvl="1" indent="-328453" algn="l" rtl="0">
-              <a:spcBef>
-                <a:spcPts val="0"/>
-              </a:spcBef>
-              <a:spcAft>
-                <a:spcPts val="0"/>
-              </a:spcAft>
-              <a:buSzPct val="60655"/>
-              <a:buFont typeface="Calibri"/>
-              <a:buChar char="○"/>
-            </a:pPr>
-            <a:r>
-              <a:rPr lang="en-HK" sz="2400" dirty="0"/>
-              <a:t>a span-start embedding </a:t>
-            </a:r>
-            <a:r>
-              <a:rPr lang="en-HK" sz="2400" b="1" dirty="0"/>
-              <a:t>S</a:t>
-            </a:r>
-            <a:r>
-              <a:rPr lang="en-HK" sz="2400" dirty="0"/>
-              <a:t> and a span-end embedding </a:t>
-            </a:r>
-            <a:r>
-              <a:rPr lang="en-HK" sz="2400" b="1" dirty="0"/>
-              <a:t>E</a:t>
-            </a:r>
-            <a:r>
-              <a:rPr lang="en-HK" sz="2400" dirty="0"/>
-              <a:t> will be learned in fine-tuning </a:t>
-            </a:r>
-            <a:endParaRPr sz="2400" dirty="0"/>
-          </a:p>
-          <a:p>
-            <a:pPr marL="914400" lvl="1" indent="-328453" algn="l" rtl="0">
-              <a:spcBef>
-                <a:spcPts val="0"/>
-              </a:spcBef>
-              <a:spcAft>
-                <a:spcPts val="0"/>
-              </a:spcAft>
-              <a:buSzPct val="60655"/>
-              <a:buFont typeface="Calibri"/>
-              <a:buChar char="○"/>
-            </a:pPr>
-            <a:r>
-              <a:rPr lang="en-HK" sz="2400" dirty="0"/>
-              <a:t>a span-start probability for each output token </a:t>
-            </a:r>
-            <a:endParaRPr sz="2400" b="1" baseline="-25000" dirty="0"/>
-          </a:p>
-          <a:p>
-            <a:pPr marL="914400" lvl="0" indent="0" algn="l" rtl="0">
-              <a:spcBef>
-                <a:spcPts val="360"/>
-              </a:spcBef>
-              <a:spcAft>
-                <a:spcPts val="0"/>
-              </a:spcAft>
-              <a:buNone/>
-            </a:pPr>
-            <a:r>
-              <a:rPr lang="en-HK" sz="2400" dirty="0"/>
-              <a:t>    </a:t>
-            </a:r>
-            <a:endParaRPr sz="2400" dirty="0"/>
-          </a:p>
-          <a:p>
-            <a:pPr marL="914400" lvl="0" indent="0" algn="l" rtl="0">
-              <a:spcBef>
-                <a:spcPts val="360"/>
-              </a:spcBef>
-              <a:spcAft>
-                <a:spcPts val="0"/>
-              </a:spcAft>
-              <a:buNone/>
-            </a:pPr>
-            <a:endParaRPr lang="en-HK" sz="2400" dirty="0" smtClean="0"/>
-          </a:p>
-          <a:p>
-            <a:pPr marL="914400" lvl="0" indent="0" algn="l" rtl="0">
-              <a:spcBef>
-                <a:spcPts val="360"/>
-              </a:spcBef>
-              <a:spcAft>
-                <a:spcPts val="0"/>
-              </a:spcAft>
-              <a:buNone/>
-            </a:pPr>
-            <a:r>
-              <a:rPr lang="en-HK" sz="2400" dirty="0" smtClean="0"/>
-              <a:t>a </a:t>
-            </a:r>
-            <a:r>
-              <a:rPr lang="en-HK" sz="2400" dirty="0"/>
-              <a:t>span-end </a:t>
-            </a:r>
-            <a:r>
-              <a:rPr lang="en-HK" sz="2400" dirty="0" smtClean="0"/>
-              <a:t>probability</a:t>
-            </a:r>
-            <a:endParaRPr sz="2400" dirty="0"/>
-          </a:p>
-          <a:p>
-            <a:pPr marL="914400" lvl="0" indent="-328453" algn="l" rtl="0">
-              <a:spcBef>
-                <a:spcPts val="360"/>
-              </a:spcBef>
-              <a:spcAft>
-                <a:spcPts val="0"/>
-              </a:spcAft>
-              <a:buSzPct val="60655"/>
-              <a:buFont typeface="Calibri"/>
-              <a:buChar char="●"/>
-            </a:pPr>
-            <a:r>
-              <a:rPr lang="en-HK" sz="2400" dirty="0" smtClean="0"/>
-              <a:t>The </a:t>
-            </a:r>
-            <a:r>
-              <a:rPr lang="en-HK" sz="2400" dirty="0"/>
-              <a:t>score of a candidate span from position </a:t>
-            </a:r>
-            <a:r>
-              <a:rPr lang="en-HK" sz="2400" dirty="0" err="1"/>
-              <a:t>i</a:t>
-            </a:r>
-            <a:r>
-              <a:rPr lang="en-HK" sz="2400" dirty="0" smtClean="0"/>
-              <a:t> </a:t>
-            </a:r>
-            <a:r>
-              <a:rPr lang="en-HK" sz="2400" dirty="0"/>
-              <a:t>to j is  </a:t>
-            </a:r>
-            <a:endParaRPr sz="2400" dirty="0"/>
-          </a:p>
-          <a:p>
-            <a:pPr marL="914400" lvl="0" indent="0" algn="l" rtl="0">
-              <a:spcBef>
-                <a:spcPts val="360"/>
-              </a:spcBef>
-              <a:spcAft>
-                <a:spcPts val="0"/>
-              </a:spcAft>
-              <a:buNone/>
-            </a:pPr>
-            <a:endParaRPr sz="2400" b="1" i="1" dirty="0"/>
-          </a:p>
-          <a:p>
-            <a:pPr marL="457200" lvl="0" indent="-328453" algn="l" rtl="0">
-              <a:spcBef>
-                <a:spcPts val="360"/>
-              </a:spcBef>
-              <a:spcAft>
-                <a:spcPts val="0"/>
-              </a:spcAft>
-              <a:buSzPct val="60655"/>
-              <a:buFont typeface="Calibri"/>
-              <a:buChar char="●"/>
-            </a:pPr>
-            <a:r>
-              <a:rPr lang="en-HK" sz="2400" dirty="0"/>
-              <a:t>The training loss is the negative sum of the log-likelihoods of the correct start and end positions for each </a:t>
-            </a:r>
-            <a:r>
-              <a:rPr lang="en-HK" sz="2400" dirty="0" smtClean="0"/>
-              <a:t>instance</a:t>
-            </a:r>
-          </a:p>
-          <a:p>
-            <a:pPr marL="1371600" lvl="0" indent="0" algn="l" rtl="0">
-              <a:spcBef>
-                <a:spcPts val="360"/>
-              </a:spcBef>
-              <a:spcAft>
-                <a:spcPts val="0"/>
-              </a:spcAft>
-              <a:buNone/>
-            </a:pPr>
-            <a:r>
-              <a:rPr lang="en-HK" sz="3050" dirty="0" smtClean="0"/>
-              <a:t> </a:t>
-            </a:r>
-            <a:endParaRPr sz="2800" dirty="0"/>
-          </a:p>
-        </p:txBody>
-      </p:sp>
+      <mc:AlternateContent xmlns:mc="http://schemas.openxmlformats.org/markup-compatibility/2006">
+        <mc:Choice xmlns:a14="http://schemas.microsoft.com/office/drawing/2010/main" Requires="a14">
+          <p:sp>
+            <p:nvSpPr>
+              <p:cNvPr id="143" name="Google Shape;143;gf6106cedff_0_0"/>
+              <p:cNvSpPr txBox="1">
+                <a:spLocks noGrp="1"/>
+              </p:cNvSpPr>
+              <p:nvPr>
+                <p:ph type="body" idx="1"/>
+              </p:nvPr>
+            </p:nvSpPr>
+            <p:spPr>
+              <a:xfrm>
+                <a:off x="200400" y="1293223"/>
+                <a:ext cx="8943600" cy="5734594"/>
+              </a:xfrm>
+              <a:prstGeom prst="rect">
+                <a:avLst/>
+              </a:prstGeom>
+            </p:spPr>
+            <p:txBody>
+              <a:bodyPr spcFirstLastPara="1" wrap="square" lIns="91425" tIns="45700" rIns="91425" bIns="45700" anchor="t" anchorCtr="0">
+                <a:normAutofit fontScale="92500" lnSpcReduction="20000"/>
+              </a:bodyPr>
+              <a:lstStyle/>
+              <a:p>
+                <a:pPr marL="457200" lvl="0" indent="-328453" algn="l" rtl="0">
+                  <a:spcBef>
+                    <a:spcPts val="360"/>
+                  </a:spcBef>
+                  <a:spcAft>
+                    <a:spcPts val="0"/>
+                  </a:spcAft>
+                  <a:buSzPct val="60655"/>
+                  <a:buFont typeface="Calibri"/>
+                  <a:buChar char="●"/>
+                </a:pPr>
+                <a:r>
+                  <a:rPr lang="en-HK" sz="2400" dirty="0" smtClean="0">
+                    <a:latin typeface="Calibri" panose="020F0502020204030204" pitchFamily="34" charset="0"/>
+                    <a:cs typeface="Calibri" panose="020F0502020204030204" pitchFamily="34" charset="0"/>
+                  </a:rPr>
+                  <a:t>we represent the question q</a:t>
+                </a:r>
+                <a:r>
+                  <a:rPr lang="en-HK" sz="2400" baseline="-25000" dirty="0">
+                    <a:latin typeface="Calibri" panose="020F0502020204030204" pitchFamily="34" charset="0"/>
+                    <a:cs typeface="Calibri" panose="020F0502020204030204" pitchFamily="34" charset="0"/>
+                  </a:rPr>
+                  <a:t>i</a:t>
+                </a:r>
+                <a:r>
+                  <a:rPr lang="en-HK" sz="2400" dirty="0">
+                    <a:latin typeface="Calibri" panose="020F0502020204030204" pitchFamily="34" charset="0"/>
+                    <a:cs typeface="Calibri" panose="020F0502020204030204" pitchFamily="34" charset="0"/>
+                  </a:rPr>
+                  <a:t> and passage p</a:t>
+                </a:r>
+                <a:r>
+                  <a:rPr lang="en-HK" sz="2400" baseline="-25000" dirty="0">
+                    <a:latin typeface="Calibri" panose="020F0502020204030204" pitchFamily="34" charset="0"/>
+                    <a:cs typeface="Calibri" panose="020F0502020204030204" pitchFamily="34" charset="0"/>
+                  </a:rPr>
+                  <a:t>i  </a:t>
+                </a:r>
+                <a:r>
+                  <a:rPr lang="en-HK" sz="2400" dirty="0">
+                    <a:latin typeface="Calibri" panose="020F0502020204030204" pitchFamily="34" charset="0"/>
+                    <a:cs typeface="Calibri" panose="020F0502020204030204" pitchFamily="34" charset="0"/>
+                  </a:rPr>
+                  <a:t>as the sequence</a:t>
+                </a:r>
+              </a:p>
+              <a:p>
+                <a:pPr marL="457200" lvl="0" indent="-328453" algn="l" rtl="0">
+                  <a:spcBef>
+                    <a:spcPts val="0"/>
+                  </a:spcBef>
+                  <a:spcAft>
+                    <a:spcPts val="0"/>
+                  </a:spcAft>
+                  <a:buSzPct val="60655"/>
+                  <a:buFont typeface="Calibri"/>
+                  <a:buChar char="●"/>
+                </a:pPr>
+                <a:r>
+                  <a:rPr lang="en-HK" sz="2400" dirty="0">
+                    <a:latin typeface="Calibri" panose="020F0502020204030204" pitchFamily="34" charset="0"/>
+                    <a:cs typeface="Calibri" panose="020F0502020204030204" pitchFamily="34" charset="0"/>
+                  </a:rPr>
+                  <a:t>we’ll also need to add a linear layer to predict the start  and end position  of the span</a:t>
+                </a:r>
+              </a:p>
+              <a:p>
+                <a:pPr marL="914400" lvl="1" indent="-328453" algn="l" rtl="0">
+                  <a:spcBef>
+                    <a:spcPts val="0"/>
+                  </a:spcBef>
+                  <a:spcAft>
+                    <a:spcPts val="0"/>
+                  </a:spcAft>
+                  <a:buSzPct val="60655"/>
+                  <a:buFont typeface="Calibri"/>
+                  <a:buChar char="○"/>
+                </a:pPr>
+                <a:r>
+                  <a:rPr lang="en-HK" sz="2400" dirty="0">
+                    <a:latin typeface="Calibri" panose="020F0502020204030204" pitchFamily="34" charset="0"/>
+                    <a:cs typeface="Calibri" panose="020F0502020204030204" pitchFamily="34" charset="0"/>
+                  </a:rPr>
+                  <a:t>a span-start embedding </a:t>
+                </a:r>
+                <a:r>
+                  <a:rPr lang="en-HK" sz="2400" b="1" dirty="0">
+                    <a:latin typeface="Calibri" panose="020F0502020204030204" pitchFamily="34" charset="0"/>
+                    <a:cs typeface="Calibri" panose="020F0502020204030204" pitchFamily="34" charset="0"/>
+                  </a:rPr>
+                  <a:t>S</a:t>
+                </a:r>
+                <a:r>
+                  <a:rPr lang="en-HK" sz="2400" dirty="0">
+                    <a:latin typeface="Calibri" panose="020F0502020204030204" pitchFamily="34" charset="0"/>
+                    <a:cs typeface="Calibri" panose="020F0502020204030204" pitchFamily="34" charset="0"/>
+                  </a:rPr>
+                  <a:t> and a span-end embedding </a:t>
+                </a:r>
+                <a:r>
+                  <a:rPr lang="en-HK" sz="2400" b="1" dirty="0">
+                    <a:latin typeface="Calibri" panose="020F0502020204030204" pitchFamily="34" charset="0"/>
+                    <a:cs typeface="Calibri" panose="020F0502020204030204" pitchFamily="34" charset="0"/>
+                  </a:rPr>
+                  <a:t>E</a:t>
+                </a:r>
+                <a:r>
+                  <a:rPr lang="en-HK" sz="2400" dirty="0">
+                    <a:latin typeface="Calibri" panose="020F0502020204030204" pitchFamily="34" charset="0"/>
+                    <a:cs typeface="Calibri" panose="020F0502020204030204" pitchFamily="34" charset="0"/>
+                  </a:rPr>
+                  <a:t> will be learned in fine-tuning </a:t>
+                </a:r>
+              </a:p>
+              <a:p>
+                <a:pPr marL="914400" lvl="1" indent="-328453" algn="l" rtl="0">
+                  <a:spcBef>
+                    <a:spcPts val="0"/>
+                  </a:spcBef>
+                  <a:spcAft>
+                    <a:spcPts val="0"/>
+                  </a:spcAft>
+                  <a:buSzPct val="60655"/>
+                  <a:buFont typeface="Calibri"/>
+                  <a:buChar char="○"/>
+                </a:pPr>
+                <a:r>
+                  <a:rPr lang="en-HK" sz="2400" dirty="0">
+                    <a:latin typeface="Calibri" panose="020F0502020204030204" pitchFamily="34" charset="0"/>
+                    <a:cs typeface="Calibri" panose="020F0502020204030204" pitchFamily="34" charset="0"/>
+                  </a:rPr>
+                  <a:t>a span-start probability for each output </a:t>
+                </a:r>
+                <a:r>
+                  <a:rPr lang="en-HK" sz="2400" dirty="0" smtClean="0">
+                    <a:latin typeface="Calibri" panose="020F0502020204030204" pitchFamily="34" charset="0"/>
+                    <a:cs typeface="Calibri" panose="020F0502020204030204" pitchFamily="34" charset="0"/>
+                  </a:rPr>
+                  <a:t>token </a:t>
+                </a:r>
+                <a:r>
+                  <a:rPr lang="en-HK" sz="2400" dirty="0" err="1" smtClean="0">
+                    <a:latin typeface="Calibri" panose="020F0502020204030204" pitchFamily="34" charset="0"/>
+                    <a:cs typeface="Calibri" panose="020F0502020204030204" pitchFamily="34" charset="0"/>
+                  </a:rPr>
+                  <a:t>p’</a:t>
+                </a:r>
+                <a:r>
+                  <a:rPr lang="en-HK" sz="2400" baseline="-25000" dirty="0" err="1" smtClean="0">
+                    <a:latin typeface="Calibri" panose="020F0502020204030204" pitchFamily="34" charset="0"/>
+                    <a:cs typeface="Calibri" panose="020F0502020204030204" pitchFamily="34" charset="0"/>
+                  </a:rPr>
+                  <a:t>i</a:t>
+                </a:r>
+                <a:r>
+                  <a:rPr lang="en-HK" sz="2400" dirty="0" smtClean="0">
+                    <a:latin typeface="Calibri" panose="020F0502020204030204" pitchFamily="34" charset="0"/>
+                    <a:cs typeface="Calibri" panose="020F0502020204030204" pitchFamily="34" charset="0"/>
+                  </a:rPr>
+                  <a:t> </a:t>
+                </a:r>
+              </a:p>
+              <a:p>
+                <a:pPr marL="914400" lvl="0" indent="0" algn="l" rtl="0">
+                  <a:spcBef>
+                    <a:spcPts val="360"/>
+                  </a:spcBef>
+                  <a:spcAft>
+                    <a:spcPts val="0"/>
+                  </a:spcAft>
+                  <a:buNone/>
+                </a:pPr>
+                <a14:m>
+                  <m:oMath xmlns:m="http://schemas.openxmlformats.org/officeDocument/2006/math">
+                    <m:sSubSup>
+                      <m:sSubSupPr>
+                        <m:ctrlPr>
+                          <a:rPr lang="ar-AE" sz="2400" smtClean="0">
+                            <a:latin typeface="Cambria Math" panose="02040503050406030204" pitchFamily="18" charset="0"/>
+                          </a:rPr>
+                        </m:ctrlPr>
+                      </m:sSubSupPr>
+                      <m:e>
+                        <m:r>
+                          <a:rPr lang="en-US" sz="2400" b="0" i="1" smtClean="0">
+                            <a:latin typeface="Cambria Math" panose="02040503050406030204" pitchFamily="18" charset="0"/>
+                          </a:rPr>
+                          <m:t>𝑃</m:t>
+                        </m:r>
+                      </m:e>
+                      <m:sub>
+                        <m:sSub>
+                          <m:sSubPr>
+                            <m:ctrlPr>
+                              <a:rPr lang="ar-AE" sz="2400" i="1" smtClean="0">
+                                <a:latin typeface="Cambria Math" panose="02040503050406030204" pitchFamily="18" charset="0"/>
+                              </a:rPr>
+                            </m:ctrlPr>
+                          </m:sSubPr>
+                          <m:e>
+                            <m:r>
+                              <a:rPr lang="ar-AE" sz="2400" i="1" smtClean="0">
+                                <a:latin typeface="Cambria Math" panose="02040503050406030204" pitchFamily="18" charset="0"/>
+                              </a:rPr>
+                              <m:t>𝑠</m:t>
+                            </m:r>
+                            <m:r>
+                              <a:rPr lang="ar-AE" sz="2400" b="0" i="1" smtClean="0">
+                                <a:latin typeface="Cambria Math" panose="02040503050406030204" pitchFamily="18" charset="0"/>
+                              </a:rPr>
+                              <m:t>𝑡</m:t>
+                            </m:r>
+                            <m:r>
+                              <a:rPr lang="en-US" sz="2400" b="0" i="1" smtClean="0">
+                                <a:latin typeface="Cambria Math" panose="02040503050406030204" pitchFamily="18" charset="0"/>
+                              </a:rPr>
+                              <m:t>𝑎𝑟𝑡</m:t>
+                            </m:r>
+                          </m:e>
+                          <m:sub>
+                            <m:r>
+                              <a:rPr lang="en-US" sz="2400" b="0" i="1" smtClean="0">
+                                <a:latin typeface="Cambria Math" panose="02040503050406030204" pitchFamily="18" charset="0"/>
+                              </a:rPr>
+                              <m:t>𝑖</m:t>
+                            </m:r>
+                          </m:sub>
+                        </m:sSub>
+                      </m:sub>
+                      <m:sup/>
+                    </m:sSubSup>
+                    <m:r>
+                      <a:rPr lang="ar-AE" sz="2400" i="0" smtClean="0">
+                        <a:latin typeface="Cambria Math" panose="02040503050406030204" pitchFamily="18" charset="0"/>
+                      </a:rPr>
+                      <m:t>=</m:t>
+                    </m:r>
+                    <m:f>
+                      <m:fPr>
+                        <m:ctrlPr>
+                          <a:rPr lang="ar-AE" sz="2400" i="1" smtClean="0">
+                            <a:latin typeface="Cambria Math" panose="02040503050406030204" pitchFamily="18" charset="0"/>
+                          </a:rPr>
+                        </m:ctrlPr>
+                      </m:fPr>
+                      <m:num>
+                        <m:func>
+                          <m:funcPr>
+                            <m:ctrlPr>
+                              <a:rPr lang="ar-AE" sz="2400" i="1" smtClean="0">
+                                <a:latin typeface="Cambria Math" panose="02040503050406030204" pitchFamily="18" charset="0"/>
+                              </a:rPr>
+                            </m:ctrlPr>
+                          </m:funcPr>
+                          <m:fName>
+                            <m:r>
+                              <m:rPr>
+                                <m:sty m:val="p"/>
+                              </m:rPr>
+                              <a:rPr lang="en-HK" sz="2400" i="0" smtClean="0">
+                                <a:latin typeface="Cambria Math" panose="02040503050406030204" pitchFamily="18" charset="0"/>
+                              </a:rPr>
+                              <m:t>exp</m:t>
+                            </m:r>
+                          </m:fName>
+                          <m:e>
+                            <m:d>
+                              <m:dPr>
+                                <m:ctrlPr>
+                                  <a:rPr lang="ar-AE" sz="2400" i="1" smtClean="0">
+                                    <a:latin typeface="Cambria Math" panose="02040503050406030204" pitchFamily="18" charset="0"/>
+                                  </a:rPr>
+                                </m:ctrlPr>
+                              </m:dPr>
+                              <m:e>
+                                <m:r>
+                                  <m:rPr>
+                                    <m:sty m:val="p"/>
+                                  </m:rPr>
+                                  <a:rPr lang="en-US" sz="2400" b="0" i="0" smtClean="0">
+                                    <a:latin typeface="Cambria Math" panose="02040503050406030204" pitchFamily="18" charset="0"/>
+                                  </a:rPr>
+                                  <m:t>S</m:t>
+                                </m:r>
+                                <m:r>
+                                  <a:rPr lang="ar-AE" sz="2400" i="0" smtClean="0">
+                                    <a:latin typeface="Cambria Math" panose="02040503050406030204" pitchFamily="18" charset="0"/>
+                                  </a:rPr>
+                                  <m:t>⋅</m:t>
+                                </m:r>
+                                <m:sSubSup>
+                                  <m:sSubSupPr>
+                                    <m:ctrlPr>
+                                      <a:rPr lang="ar-AE" sz="2400" i="1" smtClean="0">
+                                        <a:latin typeface="Cambria Math" panose="02040503050406030204" pitchFamily="18" charset="0"/>
+                                      </a:rPr>
+                                    </m:ctrlPr>
+                                  </m:sSubSupPr>
+                                  <m:e>
+                                    <m:r>
+                                      <a:rPr lang="en-US" sz="2400" b="0" i="1" smtClean="0">
+                                        <a:latin typeface="Cambria Math" panose="02040503050406030204" pitchFamily="18" charset="0"/>
+                                      </a:rPr>
+                                      <m:t>𝑝</m:t>
+                                    </m:r>
+                                  </m:e>
+                                  <m:sub>
+                                    <m:r>
+                                      <a:rPr lang="ar-AE" sz="2400" i="1" smtClean="0">
+                                        <a:latin typeface="Cambria Math" panose="02040503050406030204" pitchFamily="18" charset="0"/>
+                                      </a:rPr>
+                                      <m:t>𝑖</m:t>
+                                    </m:r>
+                                  </m:sub>
+                                  <m:sup>
+                                    <m:r>
+                                      <a:rPr lang="ar-AE" sz="2400" i="0" smtClean="0">
+                                        <a:latin typeface="Cambria Math" panose="02040503050406030204" pitchFamily="18" charset="0"/>
+                                      </a:rPr>
+                                      <m:t>′</m:t>
+                                    </m:r>
+                                  </m:sup>
+                                </m:sSubSup>
+                              </m:e>
+                            </m:d>
+                          </m:e>
+                        </m:func>
+                      </m:num>
+                      <m:den>
+                        <m:sSub>
+                          <m:sSubPr>
+                            <m:ctrlPr>
+                              <a:rPr lang="ar-AE" sz="2400" i="1" smtClean="0">
+                                <a:latin typeface="Cambria Math" panose="02040503050406030204" pitchFamily="18" charset="0"/>
+                              </a:rPr>
+                            </m:ctrlPr>
+                          </m:sSubPr>
+                          <m:e>
+                            <m:r>
+                              <a:rPr lang="ar-AE" sz="2400" i="1" smtClean="0">
+                                <a:latin typeface="Cambria Math" panose="02040503050406030204" pitchFamily="18" charset="0"/>
+                              </a:rPr>
+                              <m:t>𝛴</m:t>
+                            </m:r>
+                          </m:e>
+                          <m:sub>
+                            <m:r>
+                              <a:rPr lang="ar-AE" sz="2400" i="1" smtClean="0">
+                                <a:latin typeface="Cambria Math" panose="02040503050406030204" pitchFamily="18" charset="0"/>
+                              </a:rPr>
+                              <m:t>𝑗</m:t>
+                            </m:r>
+                          </m:sub>
+                        </m:sSub>
+                        <m:func>
+                          <m:funcPr>
+                            <m:ctrlPr>
+                              <a:rPr lang="ar-AE" sz="2400" i="1" smtClean="0">
+                                <a:latin typeface="Cambria Math" panose="02040503050406030204" pitchFamily="18" charset="0"/>
+                              </a:rPr>
+                            </m:ctrlPr>
+                          </m:funcPr>
+                          <m:fName>
+                            <m:r>
+                              <m:rPr>
+                                <m:sty m:val="p"/>
+                              </m:rPr>
+                              <a:rPr lang="en-HK" sz="2400" i="0" smtClean="0">
+                                <a:latin typeface="Cambria Math" panose="02040503050406030204" pitchFamily="18" charset="0"/>
+                              </a:rPr>
+                              <m:t>exp</m:t>
+                            </m:r>
+                          </m:fName>
+                          <m:e>
+                            <m:d>
+                              <m:dPr>
+                                <m:ctrlPr>
+                                  <a:rPr lang="ar-AE" sz="2400" i="1" smtClean="0">
+                                    <a:latin typeface="Cambria Math" panose="02040503050406030204" pitchFamily="18" charset="0"/>
+                                  </a:rPr>
+                                </m:ctrlPr>
+                              </m:dPr>
+                              <m:e>
+                                <m:r>
+                                  <m:rPr>
+                                    <m:sty m:val="p"/>
+                                  </m:rPr>
+                                  <a:rPr lang="en-US" sz="2400" b="0" i="0" smtClean="0">
+                                    <a:latin typeface="Cambria Math" panose="02040503050406030204" pitchFamily="18" charset="0"/>
+                                  </a:rPr>
+                                  <m:t>S</m:t>
+                                </m:r>
+                                <m:r>
+                                  <a:rPr lang="ar-AE" sz="2400" i="0" smtClean="0">
+                                    <a:latin typeface="Cambria Math" panose="02040503050406030204" pitchFamily="18" charset="0"/>
+                                  </a:rPr>
+                                  <m:t>⋅</m:t>
+                                </m:r>
+                                <m:sSubSup>
+                                  <m:sSubSupPr>
+                                    <m:ctrlPr>
+                                      <a:rPr lang="ar-AE" sz="2400" i="1" smtClean="0">
+                                        <a:latin typeface="Cambria Math" panose="02040503050406030204" pitchFamily="18" charset="0"/>
+                                      </a:rPr>
+                                    </m:ctrlPr>
+                                  </m:sSubSupPr>
+                                  <m:e>
+                                    <m:r>
+                                      <a:rPr lang="ar-AE" sz="2400" i="1" smtClean="0">
+                                        <a:latin typeface="Cambria Math" panose="02040503050406030204" pitchFamily="18" charset="0"/>
+                                      </a:rPr>
+                                      <m:t>𝑝</m:t>
+                                    </m:r>
+                                  </m:e>
+                                  <m:sub>
+                                    <m:r>
+                                      <a:rPr lang="ar-AE" sz="2400" i="1" smtClean="0">
+                                        <a:latin typeface="Cambria Math" panose="02040503050406030204" pitchFamily="18" charset="0"/>
+                                      </a:rPr>
+                                      <m:t>𝑗</m:t>
+                                    </m:r>
+                                  </m:sub>
+                                  <m:sup>
+                                    <m:r>
+                                      <a:rPr lang="ar-AE" sz="2400" i="0" smtClean="0">
+                                        <a:latin typeface="Cambria Math" panose="02040503050406030204" pitchFamily="18" charset="0"/>
+                                      </a:rPr>
+                                      <m:t>′</m:t>
+                                    </m:r>
+                                  </m:sup>
+                                </m:sSubSup>
+                              </m:e>
+                            </m:d>
+                          </m:e>
+                        </m:func>
+                      </m:den>
+                    </m:f>
+                  </m:oMath>
+                </a14:m>
+                <a:r>
+                  <a:rPr lang="ar-AE" sz="2400" dirty="0" smtClean="0">
+                    <a:latin typeface="Calibri" panose="020F0502020204030204" pitchFamily="34" charset="0"/>
+                    <a:cs typeface="Calibri" panose="020F0502020204030204" pitchFamily="34" charset="0"/>
+                  </a:rPr>
+                  <a:t>    </a:t>
+                </a:r>
+                <a:endParaRPr lang="ar-AE" sz="2400" dirty="0">
+                  <a:latin typeface="Calibri" panose="020F0502020204030204" pitchFamily="34" charset="0"/>
+                  <a:cs typeface="Calibri" panose="020F0502020204030204" pitchFamily="34" charset="0"/>
+                </a:endParaRPr>
+              </a:p>
+              <a:p>
+                <a:pPr marL="914400" lvl="0" indent="0" algn="l" rtl="0">
+                  <a:spcBef>
+                    <a:spcPts val="360"/>
+                  </a:spcBef>
+                  <a:spcAft>
+                    <a:spcPts val="0"/>
+                  </a:spcAft>
+                  <a:buNone/>
+                </a:pPr>
+                <a:endParaRPr lang="ar-AE" sz="2400" dirty="0" smtClean="0">
+                  <a:latin typeface="Calibri" panose="020F0502020204030204" pitchFamily="34" charset="0"/>
+                  <a:cs typeface="Calibri" panose="020F0502020204030204" pitchFamily="34" charset="0"/>
+                </a:endParaRPr>
+              </a:p>
+              <a:p>
+                <a:pPr marL="914400" lvl="0" indent="0">
+                  <a:buNone/>
+                </a:pPr>
+                <a:r>
+                  <a:rPr lang="en-HK" sz="2400" dirty="0" smtClean="0">
+                    <a:latin typeface="Calibri" panose="020F0502020204030204" pitchFamily="34" charset="0"/>
+                    <a:cs typeface="Calibri" panose="020F0502020204030204" pitchFamily="34" charset="0"/>
+                  </a:rPr>
+                  <a:t>a </a:t>
+                </a:r>
+                <a:r>
+                  <a:rPr lang="en-HK" sz="2400" dirty="0">
+                    <a:latin typeface="Calibri" panose="020F0502020204030204" pitchFamily="34" charset="0"/>
+                    <a:cs typeface="Calibri" panose="020F0502020204030204" pitchFamily="34" charset="0"/>
+                  </a:rPr>
+                  <a:t>span-end </a:t>
+                </a:r>
+                <a:r>
+                  <a:rPr lang="en-HK" sz="2400" dirty="0" smtClean="0">
+                    <a:latin typeface="Calibri" panose="020F0502020204030204" pitchFamily="34" charset="0"/>
+                    <a:cs typeface="Calibri" panose="020F0502020204030204" pitchFamily="34" charset="0"/>
+                  </a:rPr>
+                  <a:t>probability</a:t>
+                </a:r>
+                <a14:m>
+                  <m:oMath xmlns:m="http://schemas.openxmlformats.org/officeDocument/2006/math">
+                    <m:sSubSup>
+                      <m:sSubSupPr>
+                        <m:ctrlPr>
+                          <a:rPr lang="ar-AE" sz="2400" i="1">
+                            <a:latin typeface="Cambria Math" panose="02040503050406030204" pitchFamily="18" charset="0"/>
+                          </a:rPr>
+                        </m:ctrlPr>
+                      </m:sSubSupPr>
+                      <m:e>
+                        <m:r>
+                          <a:rPr lang="en-US" sz="2400" i="1">
+                            <a:latin typeface="Cambria Math" panose="02040503050406030204" pitchFamily="18" charset="0"/>
+                          </a:rPr>
+                          <m:t>𝑃</m:t>
+                        </m:r>
+                      </m:e>
+                      <m:sub>
+                        <m:sSub>
+                          <m:sSubPr>
+                            <m:ctrlPr>
+                              <a:rPr lang="ar-AE" sz="2400" i="1">
+                                <a:latin typeface="Cambria Math" panose="02040503050406030204" pitchFamily="18" charset="0"/>
+                              </a:rPr>
+                            </m:ctrlPr>
+                          </m:sSubPr>
+                          <m:e>
+                            <m:r>
+                              <a:rPr lang="en-US" sz="2400" b="0" i="1" smtClean="0">
+                                <a:latin typeface="Cambria Math" panose="02040503050406030204" pitchFamily="18" charset="0"/>
+                              </a:rPr>
+                              <m:t>𝑒𝑛𝑑</m:t>
+                            </m:r>
+                          </m:e>
+                          <m:sub>
+                            <m:r>
+                              <a:rPr lang="en-US" sz="2400" i="1">
+                                <a:latin typeface="Cambria Math" panose="02040503050406030204" pitchFamily="18" charset="0"/>
+                              </a:rPr>
+                              <m:t>𝑖</m:t>
+                            </m:r>
+                          </m:sub>
+                        </m:sSub>
+                      </m:sub>
+                      <m:sup/>
+                    </m:sSubSup>
+                    <m:r>
+                      <a:rPr lang="ar-AE" sz="2400">
+                        <a:latin typeface="Cambria Math" panose="02040503050406030204" pitchFamily="18" charset="0"/>
+                      </a:rPr>
+                      <m:t>=</m:t>
+                    </m:r>
+                    <m:f>
+                      <m:fPr>
+                        <m:ctrlPr>
+                          <a:rPr lang="ar-AE" sz="2400" i="1">
+                            <a:latin typeface="Cambria Math" panose="02040503050406030204" pitchFamily="18" charset="0"/>
+                          </a:rPr>
+                        </m:ctrlPr>
+                      </m:fPr>
+                      <m:num>
+                        <m:func>
+                          <m:funcPr>
+                            <m:ctrlPr>
+                              <a:rPr lang="ar-AE" sz="2400" i="1">
+                                <a:latin typeface="Cambria Math" panose="02040503050406030204" pitchFamily="18" charset="0"/>
+                              </a:rPr>
+                            </m:ctrlPr>
+                          </m:funcPr>
+                          <m:fName>
+                            <m:r>
+                              <m:rPr>
+                                <m:sty m:val="p"/>
+                              </m:rPr>
+                              <a:rPr lang="en-HK" sz="2400">
+                                <a:latin typeface="Cambria Math" panose="02040503050406030204" pitchFamily="18" charset="0"/>
+                              </a:rPr>
+                              <m:t>exp</m:t>
+                            </m:r>
+                          </m:fName>
+                          <m:e>
+                            <m:d>
+                              <m:dPr>
+                                <m:ctrlPr>
+                                  <a:rPr lang="ar-AE" sz="2400" i="1">
+                                    <a:latin typeface="Cambria Math" panose="02040503050406030204" pitchFamily="18" charset="0"/>
+                                  </a:rPr>
+                                </m:ctrlPr>
+                              </m:dPr>
+                              <m:e>
+                                <m:r>
+                                  <m:rPr>
+                                    <m:sty m:val="p"/>
+                                  </m:rPr>
+                                  <a:rPr lang="en-US" sz="2400" b="0" i="0" smtClean="0">
+                                    <a:latin typeface="Cambria Math" panose="02040503050406030204" pitchFamily="18" charset="0"/>
+                                  </a:rPr>
+                                  <m:t>E</m:t>
+                                </m:r>
+                                <m:r>
+                                  <a:rPr lang="ar-AE" sz="2400">
+                                    <a:latin typeface="Cambria Math" panose="02040503050406030204" pitchFamily="18" charset="0"/>
+                                  </a:rPr>
+                                  <m:t>⋅</m:t>
+                                </m:r>
+                                <m:sSubSup>
+                                  <m:sSubSupPr>
+                                    <m:ctrlPr>
+                                      <a:rPr lang="ar-AE" sz="2400" i="1">
+                                        <a:latin typeface="Cambria Math" panose="02040503050406030204" pitchFamily="18" charset="0"/>
+                                      </a:rPr>
+                                    </m:ctrlPr>
+                                  </m:sSubSupPr>
+                                  <m:e>
+                                    <m:r>
+                                      <a:rPr lang="en-US" sz="2400" i="1">
+                                        <a:latin typeface="Cambria Math" panose="02040503050406030204" pitchFamily="18" charset="0"/>
+                                      </a:rPr>
+                                      <m:t>𝑝</m:t>
+                                    </m:r>
+                                  </m:e>
+                                  <m:sub>
+                                    <m:r>
+                                      <a:rPr lang="ar-AE" sz="2400" i="1">
+                                        <a:latin typeface="Cambria Math" panose="02040503050406030204" pitchFamily="18" charset="0"/>
+                                      </a:rPr>
+                                      <m:t>𝑖</m:t>
+                                    </m:r>
+                                  </m:sub>
+                                  <m:sup>
+                                    <m:r>
+                                      <a:rPr lang="ar-AE" sz="2400">
+                                        <a:latin typeface="Cambria Math" panose="02040503050406030204" pitchFamily="18" charset="0"/>
+                                      </a:rPr>
+                                      <m:t>′</m:t>
+                                    </m:r>
+                                  </m:sup>
+                                </m:sSubSup>
+                              </m:e>
+                            </m:d>
+                          </m:e>
+                        </m:func>
+                      </m:num>
+                      <m:den>
+                        <m:sSub>
+                          <m:sSubPr>
+                            <m:ctrlPr>
+                              <a:rPr lang="ar-AE" sz="2400" i="1">
+                                <a:latin typeface="Cambria Math" panose="02040503050406030204" pitchFamily="18" charset="0"/>
+                              </a:rPr>
+                            </m:ctrlPr>
+                          </m:sSubPr>
+                          <m:e>
+                            <m:r>
+                              <a:rPr lang="ar-AE" sz="2400" i="1">
+                                <a:latin typeface="Cambria Math" panose="02040503050406030204" pitchFamily="18" charset="0"/>
+                              </a:rPr>
+                              <m:t>𝛴</m:t>
+                            </m:r>
+                          </m:e>
+                          <m:sub>
+                            <m:r>
+                              <a:rPr lang="ar-AE" sz="2400" i="1">
+                                <a:latin typeface="Cambria Math" panose="02040503050406030204" pitchFamily="18" charset="0"/>
+                              </a:rPr>
+                              <m:t>𝑗</m:t>
+                            </m:r>
+                          </m:sub>
+                        </m:sSub>
+                        <m:func>
+                          <m:funcPr>
+                            <m:ctrlPr>
+                              <a:rPr lang="ar-AE" sz="2400" i="1">
+                                <a:latin typeface="Cambria Math" panose="02040503050406030204" pitchFamily="18" charset="0"/>
+                              </a:rPr>
+                            </m:ctrlPr>
+                          </m:funcPr>
+                          <m:fName>
+                            <m:r>
+                              <m:rPr>
+                                <m:sty m:val="p"/>
+                              </m:rPr>
+                              <a:rPr lang="en-HK" sz="2400">
+                                <a:latin typeface="Cambria Math" panose="02040503050406030204" pitchFamily="18" charset="0"/>
+                              </a:rPr>
+                              <m:t>exp</m:t>
+                            </m:r>
+                          </m:fName>
+                          <m:e>
+                            <m:d>
+                              <m:dPr>
+                                <m:ctrlPr>
+                                  <a:rPr lang="ar-AE" sz="2400" i="1">
+                                    <a:latin typeface="Cambria Math" panose="02040503050406030204" pitchFamily="18" charset="0"/>
+                                  </a:rPr>
+                                </m:ctrlPr>
+                              </m:dPr>
+                              <m:e>
+                                <m:r>
+                                  <m:rPr>
+                                    <m:sty m:val="p"/>
+                                  </m:rPr>
+                                  <a:rPr lang="en-US" sz="2400" b="0" i="0" smtClean="0">
+                                    <a:latin typeface="Cambria Math" panose="02040503050406030204" pitchFamily="18" charset="0"/>
+                                  </a:rPr>
+                                  <m:t>E</m:t>
+                                </m:r>
+                                <m:r>
+                                  <a:rPr lang="ar-AE" sz="2400">
+                                    <a:latin typeface="Cambria Math" panose="02040503050406030204" pitchFamily="18" charset="0"/>
+                                  </a:rPr>
+                                  <m:t>⋅</m:t>
+                                </m:r>
+                                <m:sSubSup>
+                                  <m:sSubSupPr>
+                                    <m:ctrlPr>
+                                      <a:rPr lang="ar-AE" sz="2400" i="1">
+                                        <a:latin typeface="Cambria Math" panose="02040503050406030204" pitchFamily="18" charset="0"/>
+                                      </a:rPr>
+                                    </m:ctrlPr>
+                                  </m:sSubSupPr>
+                                  <m:e>
+                                    <m:r>
+                                      <a:rPr lang="ar-AE" sz="2400" i="1">
+                                        <a:latin typeface="Cambria Math" panose="02040503050406030204" pitchFamily="18" charset="0"/>
+                                      </a:rPr>
+                                      <m:t>𝑝</m:t>
+                                    </m:r>
+                                  </m:e>
+                                  <m:sub>
+                                    <m:r>
+                                      <a:rPr lang="ar-AE" sz="2400" i="1">
+                                        <a:latin typeface="Cambria Math" panose="02040503050406030204" pitchFamily="18" charset="0"/>
+                                      </a:rPr>
+                                      <m:t>𝑗</m:t>
+                                    </m:r>
+                                  </m:sub>
+                                  <m:sup>
+                                    <m:r>
+                                      <a:rPr lang="ar-AE" sz="2400">
+                                        <a:latin typeface="Cambria Math" panose="02040503050406030204" pitchFamily="18" charset="0"/>
+                                      </a:rPr>
+                                      <m:t>′</m:t>
+                                    </m:r>
+                                  </m:sup>
+                                </m:sSubSup>
+                              </m:e>
+                            </m:d>
+                          </m:e>
+                        </m:func>
+                      </m:den>
+                    </m:f>
+                  </m:oMath>
+                </a14:m>
+                <a:endParaRPr lang="en-HK" sz="2400" dirty="0">
+                  <a:latin typeface="Calibri" panose="020F0502020204030204" pitchFamily="34" charset="0"/>
+                  <a:cs typeface="Calibri" panose="020F0502020204030204" pitchFamily="34" charset="0"/>
+                </a:endParaRPr>
+              </a:p>
+              <a:p>
+                <a:pPr marL="914400" lvl="0" indent="-328453" algn="l" rtl="0">
+                  <a:spcBef>
+                    <a:spcPts val="360"/>
+                  </a:spcBef>
+                  <a:spcAft>
+                    <a:spcPts val="0"/>
+                  </a:spcAft>
+                  <a:buSzPct val="60655"/>
+                  <a:buFont typeface="Calibri"/>
+                  <a:buChar char="●"/>
+                </a:pPr>
+                <a:r>
+                  <a:rPr lang="en-HK" sz="2400" dirty="0" smtClean="0">
+                    <a:latin typeface="Calibri" panose="020F0502020204030204" pitchFamily="34" charset="0"/>
+                    <a:cs typeface="Calibri" panose="020F0502020204030204" pitchFamily="34" charset="0"/>
+                  </a:rPr>
+                  <a:t>The </a:t>
+                </a:r>
+                <a:r>
+                  <a:rPr lang="en-HK" sz="2400" dirty="0">
+                    <a:latin typeface="Calibri" panose="020F0502020204030204" pitchFamily="34" charset="0"/>
+                    <a:cs typeface="Calibri" panose="020F0502020204030204" pitchFamily="34" charset="0"/>
+                  </a:rPr>
+                  <a:t>score of a candidate span from position </a:t>
+                </a:r>
+                <a:r>
+                  <a:rPr lang="en-HK" sz="2400" dirty="0" err="1">
+                    <a:latin typeface="Calibri" panose="020F0502020204030204" pitchFamily="34" charset="0"/>
+                    <a:cs typeface="Calibri" panose="020F0502020204030204" pitchFamily="34" charset="0"/>
+                  </a:rPr>
+                  <a:t>i</a:t>
+                </a:r>
+                <a:r>
+                  <a:rPr lang="en-HK" sz="2400" dirty="0" smtClean="0">
+                    <a:latin typeface="Calibri" panose="020F0502020204030204" pitchFamily="34" charset="0"/>
+                    <a:cs typeface="Calibri" panose="020F0502020204030204" pitchFamily="34" charset="0"/>
+                  </a:rPr>
+                  <a:t> </a:t>
+                </a:r>
+                <a:r>
+                  <a:rPr lang="en-HK" sz="2400" dirty="0">
+                    <a:latin typeface="Calibri" panose="020F0502020204030204" pitchFamily="34" charset="0"/>
+                    <a:cs typeface="Calibri" panose="020F0502020204030204" pitchFamily="34" charset="0"/>
+                  </a:rPr>
+                  <a:t>to j is </a:t>
+                </a:r>
+                <a:endParaRPr lang="en-HK" sz="2400" dirty="0" smtClean="0">
+                  <a:latin typeface="Calibri" panose="020F0502020204030204" pitchFamily="34" charset="0"/>
+                  <a:cs typeface="Calibri" panose="020F0502020204030204" pitchFamily="34" charset="0"/>
+                </a:endParaRPr>
+              </a:p>
+              <a:p>
+                <a:pPr marL="585947" lvl="0" indent="0" algn="l" rtl="0">
+                  <a:spcBef>
+                    <a:spcPts val="360"/>
+                  </a:spcBef>
+                  <a:spcAft>
+                    <a:spcPts val="0"/>
+                  </a:spcAft>
+                  <a:buSzPct val="60655"/>
+                  <a:buNone/>
+                </a:pPr>
+                <a:r>
+                  <a:rPr lang="en-HK" sz="2400" dirty="0" smtClean="0">
+                    <a:latin typeface="Calibri" panose="020F0502020204030204" pitchFamily="34" charset="0"/>
+                    <a:cs typeface="Calibri" panose="020F0502020204030204" pitchFamily="34" charset="0"/>
+                  </a:rPr>
+                  <a:t>S </a:t>
+                </a:r>
+                <a14:m>
+                  <m:oMath xmlns:m="http://schemas.openxmlformats.org/officeDocument/2006/math">
+                    <m:r>
+                      <a:rPr lang="en-HK" sz="2400" i="0" smtClean="0">
+                        <a:latin typeface="Cambria Math" panose="02040503050406030204" pitchFamily="18" charset="0"/>
+                      </a:rPr>
+                      <m:t>⋅</m:t>
+                    </m:r>
+                    <m:sSubSup>
+                      <m:sSubSupPr>
+                        <m:ctrlPr>
+                          <a:rPr lang="en-HK" sz="2400" i="1" smtClean="0">
+                            <a:latin typeface="Cambria Math" panose="02040503050406030204" pitchFamily="18" charset="0"/>
+                          </a:rPr>
+                        </m:ctrlPr>
+                      </m:sSubSupPr>
+                      <m:e>
+                        <m:r>
+                          <a:rPr lang="en-HK" sz="2400" i="1" smtClean="0">
+                            <a:latin typeface="Cambria Math" panose="02040503050406030204" pitchFamily="18" charset="0"/>
+                          </a:rPr>
+                          <m:t>𝑝</m:t>
+                        </m:r>
+                      </m:e>
+                      <m:sub>
+                        <m:r>
+                          <a:rPr lang="en-HK" sz="2400" i="1" smtClean="0">
+                            <a:latin typeface="Cambria Math" panose="02040503050406030204" pitchFamily="18" charset="0"/>
+                          </a:rPr>
+                          <m:t>𝑖</m:t>
+                        </m:r>
+                      </m:sub>
+                      <m:sup>
+                        <m:r>
+                          <a:rPr lang="en-HK" sz="2400" i="0" smtClean="0">
+                            <a:latin typeface="Cambria Math" panose="02040503050406030204" pitchFamily="18" charset="0"/>
+                          </a:rPr>
+                          <m:t>′</m:t>
+                        </m:r>
+                      </m:sup>
+                    </m:sSubSup>
+                    <m:r>
+                      <a:rPr lang="en-HK" sz="2400" i="0" smtClean="0">
+                        <a:latin typeface="Cambria Math" panose="02040503050406030204" pitchFamily="18" charset="0"/>
+                      </a:rPr>
+                      <m:t>+</m:t>
+                    </m:r>
+                    <m:r>
+                      <a:rPr lang="en-HK" sz="2400" i="1" smtClean="0">
+                        <a:latin typeface="Cambria Math" panose="02040503050406030204" pitchFamily="18" charset="0"/>
+                      </a:rPr>
+                      <m:t>𝐸</m:t>
+                    </m:r>
+                    <m:r>
+                      <a:rPr lang="en-HK" sz="2400" i="0" smtClean="0">
+                        <a:latin typeface="Cambria Math" panose="02040503050406030204" pitchFamily="18" charset="0"/>
+                      </a:rPr>
+                      <m:t>⋅</m:t>
+                    </m:r>
+                    <m:sSubSup>
+                      <m:sSubSupPr>
+                        <m:ctrlPr>
+                          <a:rPr lang="en-HK" sz="2400" i="1" smtClean="0">
+                            <a:latin typeface="Cambria Math" panose="02040503050406030204" pitchFamily="18" charset="0"/>
+                          </a:rPr>
+                        </m:ctrlPr>
+                      </m:sSubSupPr>
+                      <m:e>
+                        <m:r>
+                          <a:rPr lang="en-HK" sz="2400" i="1" smtClean="0">
+                            <a:latin typeface="Cambria Math" panose="02040503050406030204" pitchFamily="18" charset="0"/>
+                          </a:rPr>
+                          <m:t>𝑝</m:t>
+                        </m:r>
+                      </m:e>
+                      <m:sub>
+                        <m:r>
+                          <a:rPr lang="en-HK" sz="2400" i="1" smtClean="0">
+                            <a:latin typeface="Cambria Math" panose="02040503050406030204" pitchFamily="18" charset="0"/>
+                          </a:rPr>
+                          <m:t>𝑗</m:t>
+                        </m:r>
+                      </m:sub>
+                      <m:sup>
+                        <m:r>
+                          <a:rPr lang="en-HK" sz="2400" i="0" smtClean="0">
+                            <a:latin typeface="Cambria Math" panose="02040503050406030204" pitchFamily="18" charset="0"/>
+                          </a:rPr>
+                          <m:t>′</m:t>
+                        </m:r>
+                      </m:sup>
+                    </m:sSubSup>
+                  </m:oMath>
+                </a14:m>
+                <a:r>
+                  <a:rPr lang="en-HK" sz="2400" dirty="0" smtClean="0">
+                    <a:latin typeface="Calibri" panose="020F0502020204030204" pitchFamily="34" charset="0"/>
+                    <a:cs typeface="Calibri" panose="020F0502020204030204" pitchFamily="34" charset="0"/>
+                  </a:rPr>
+                  <a:t> </a:t>
+                </a:r>
+                <a:endParaRPr lang="en-HK" sz="2400" b="1" i="1" dirty="0">
+                  <a:latin typeface="Calibri" panose="020F0502020204030204" pitchFamily="34" charset="0"/>
+                  <a:cs typeface="Calibri" panose="020F0502020204030204" pitchFamily="34" charset="0"/>
+                </a:endParaRPr>
+              </a:p>
+              <a:p>
+                <a:pPr marL="457200" lvl="0" indent="-328453" algn="l" rtl="0">
+                  <a:spcBef>
+                    <a:spcPts val="360"/>
+                  </a:spcBef>
+                  <a:spcAft>
+                    <a:spcPts val="0"/>
+                  </a:spcAft>
+                  <a:buSzPct val="60655"/>
+                  <a:buFont typeface="Calibri"/>
+                  <a:buChar char="●"/>
+                </a:pPr>
+                <a:r>
+                  <a:rPr lang="en-HK" sz="2400" dirty="0">
+                    <a:latin typeface="Calibri" panose="020F0502020204030204" pitchFamily="34" charset="0"/>
+                    <a:cs typeface="Calibri" panose="020F0502020204030204" pitchFamily="34" charset="0"/>
+                  </a:rPr>
+                  <a:t>The training loss is the negative sum of the log-likelihoods of the correct start and end positions for each </a:t>
+                </a:r>
+                <a:r>
+                  <a:rPr lang="en-HK" sz="2400" dirty="0" smtClean="0">
+                    <a:latin typeface="Calibri" panose="020F0502020204030204" pitchFamily="34" charset="0"/>
+                    <a:cs typeface="Calibri" panose="020F0502020204030204" pitchFamily="34" charset="0"/>
+                  </a:rPr>
+                  <a:t>instance</a:t>
+                </a:r>
+              </a:p>
+              <a:p>
+                <a:pPr marL="128747" lvl="0" indent="0" algn="l" rtl="0">
+                  <a:spcBef>
+                    <a:spcPts val="360"/>
+                  </a:spcBef>
+                  <a:spcAft>
+                    <a:spcPts val="0"/>
+                  </a:spcAft>
+                  <a:buSzPct val="60655"/>
+                  <a:buNone/>
+                </a:pPr>
+                <a14:m>
+                  <m:oMathPara xmlns:m="http://schemas.openxmlformats.org/officeDocument/2006/math">
+                    <m:oMathParaPr>
+                      <m:jc m:val="centerGroup"/>
+                    </m:oMathParaPr>
+                    <m:oMath xmlns:m="http://schemas.openxmlformats.org/officeDocument/2006/math">
+                      <m:r>
+                        <a:rPr lang="en-HK" sz="2400" i="1" dirty="0" smtClean="0">
+                          <a:latin typeface="Cambria Math" panose="02040503050406030204" pitchFamily="18" charset="0"/>
+                        </a:rPr>
+                        <m:t>𝐿</m:t>
+                      </m:r>
+                      <m:r>
+                        <a:rPr lang="en-HK" sz="2400" i="0" dirty="0" smtClean="0">
+                          <a:latin typeface="Cambria Math" panose="02040503050406030204" pitchFamily="18" charset="0"/>
+                        </a:rPr>
+                        <m:t>=−</m:t>
+                      </m:r>
+                      <m:func>
+                        <m:funcPr>
+                          <m:ctrlPr>
+                            <a:rPr lang="en-HK" sz="2400" i="1" dirty="0" smtClean="0">
+                              <a:latin typeface="Cambria Math" panose="02040503050406030204" pitchFamily="18" charset="0"/>
+                            </a:rPr>
+                          </m:ctrlPr>
+                        </m:funcPr>
+                        <m:fName>
+                          <m:r>
+                            <m:rPr>
+                              <m:sty m:val="p"/>
+                            </m:rPr>
+                            <a:rPr lang="en-HK" sz="2400" i="0" dirty="0" smtClean="0">
+                              <a:latin typeface="Cambria Math" panose="02040503050406030204" pitchFamily="18" charset="0"/>
+                            </a:rPr>
+                            <m:t>log</m:t>
+                          </m:r>
+                        </m:fName>
+                        <m:e>
+                          <m:sSub>
+                            <m:sSubPr>
+                              <m:ctrlPr>
+                                <a:rPr lang="en-HK" sz="2400" i="1" dirty="0" smtClean="0">
+                                  <a:latin typeface="Cambria Math" panose="02040503050406030204" pitchFamily="18" charset="0"/>
+                                </a:rPr>
+                              </m:ctrlPr>
+                            </m:sSubPr>
+                            <m:e>
+                              <m:r>
+                                <a:rPr lang="en-US" sz="2400" b="0" i="1" dirty="0" smtClean="0">
+                                  <a:latin typeface="Cambria Math" panose="02040503050406030204" pitchFamily="18" charset="0"/>
+                                </a:rPr>
+                                <m:t>𝑃</m:t>
+                              </m:r>
+                            </m:e>
+                            <m:sub>
+                              <m:sSub>
+                                <m:sSubPr>
+                                  <m:ctrlPr>
+                                    <a:rPr lang="en-HK" sz="2400" i="1" dirty="0" smtClean="0">
+                                      <a:latin typeface="Cambria Math" panose="02040503050406030204" pitchFamily="18" charset="0"/>
+                                    </a:rPr>
+                                  </m:ctrlPr>
+                                </m:sSubPr>
+                                <m:e>
+                                  <m:r>
+                                    <a:rPr lang="en-US" sz="2400" b="0" i="1" dirty="0" smtClean="0">
+                                      <a:latin typeface="Cambria Math" panose="02040503050406030204" pitchFamily="18" charset="0"/>
+                                    </a:rPr>
+                                    <m:t>𝑠𝑡𝑎𝑟𝑡</m:t>
+                                  </m:r>
+                                </m:e>
+                                <m:sub>
+                                  <m:r>
+                                    <a:rPr lang="en-US" sz="2400" b="0" i="1" dirty="0" smtClean="0">
+                                      <a:latin typeface="Cambria Math" panose="02040503050406030204" pitchFamily="18" charset="0"/>
+                                    </a:rPr>
+                                    <m:t>𝑖</m:t>
+                                  </m:r>
+                                </m:sub>
+                              </m:sSub>
+                            </m:sub>
+                          </m:sSub>
+                        </m:e>
+                      </m:func>
+                      <m:r>
+                        <a:rPr lang="en-HK" sz="2400" i="0" dirty="0" smtClean="0">
+                          <a:latin typeface="Cambria Math" panose="02040503050406030204" pitchFamily="18" charset="0"/>
+                        </a:rPr>
+                        <m:t>−</m:t>
+                      </m:r>
+                      <m:func>
+                        <m:funcPr>
+                          <m:ctrlPr>
+                            <a:rPr lang="en-HK" sz="2400" i="1" dirty="0">
+                              <a:latin typeface="Cambria Math" panose="02040503050406030204" pitchFamily="18" charset="0"/>
+                            </a:rPr>
+                          </m:ctrlPr>
+                        </m:funcPr>
+                        <m:fName>
+                          <m:r>
+                            <m:rPr>
+                              <m:sty m:val="p"/>
+                            </m:rPr>
+                            <a:rPr lang="en-HK" sz="2400" dirty="0">
+                              <a:latin typeface="Cambria Math" panose="02040503050406030204" pitchFamily="18" charset="0"/>
+                            </a:rPr>
+                            <m:t>log</m:t>
+                          </m:r>
+                        </m:fName>
+                        <m:e>
+                          <m:sSub>
+                            <m:sSubPr>
+                              <m:ctrlPr>
+                                <a:rPr lang="en-HK" sz="2400" i="1" dirty="0">
+                                  <a:latin typeface="Cambria Math" panose="02040503050406030204" pitchFamily="18" charset="0"/>
+                                </a:rPr>
+                              </m:ctrlPr>
+                            </m:sSubPr>
+                            <m:e>
+                              <m:r>
+                                <a:rPr lang="en-US" sz="2400" b="0" i="1" dirty="0" smtClean="0">
+                                  <a:latin typeface="Cambria Math" panose="02040503050406030204" pitchFamily="18" charset="0"/>
+                                </a:rPr>
+                                <m:t>𝑃</m:t>
+                              </m:r>
+                            </m:e>
+                            <m:sub>
+                              <m:sSub>
+                                <m:sSubPr>
+                                  <m:ctrlPr>
+                                    <a:rPr lang="en-HK" sz="2400" i="1" dirty="0" smtClean="0">
+                                      <a:latin typeface="Cambria Math" panose="02040503050406030204" pitchFamily="18" charset="0"/>
+                                    </a:rPr>
+                                  </m:ctrlPr>
+                                </m:sSubPr>
+                                <m:e>
+                                  <m:r>
+                                    <a:rPr lang="en-US" sz="2400" b="0" i="1" dirty="0" smtClean="0">
+                                      <a:latin typeface="Cambria Math" panose="02040503050406030204" pitchFamily="18" charset="0"/>
+                                    </a:rPr>
+                                    <m:t>𝑒𝑛𝑑</m:t>
+                                  </m:r>
+                                </m:e>
+                                <m:sub>
+                                  <m:r>
+                                    <a:rPr lang="en-US" sz="2400" b="0" i="1" dirty="0" smtClean="0">
+                                      <a:latin typeface="Cambria Math" panose="02040503050406030204" pitchFamily="18" charset="0"/>
+                                    </a:rPr>
+                                    <m:t>𝑗</m:t>
+                                  </m:r>
+                                </m:sub>
+                              </m:sSub>
+                            </m:sub>
+                          </m:sSub>
+                        </m:e>
+                      </m:func>
+                    </m:oMath>
+                  </m:oMathPara>
+                </a14:m>
+                <a:endParaRPr lang="en-HK" sz="2400" dirty="0" smtClean="0"/>
+              </a:p>
+              <a:p>
+                <a:pPr marL="1371600" lvl="0" indent="0" algn="l" rtl="0">
+                  <a:spcBef>
+                    <a:spcPts val="360"/>
+                  </a:spcBef>
+                  <a:spcAft>
+                    <a:spcPts val="0"/>
+                  </a:spcAft>
+                  <a:buNone/>
+                </a:pPr>
+                <a:r>
+                  <a:rPr lang="en-HK" sz="3050" dirty="0" smtClean="0"/>
+                  <a:t> </a:t>
+                </a:r>
+                <a:endParaRPr sz="2800" dirty="0"/>
+              </a:p>
+            </p:txBody>
+          </p:sp>
+        </mc:Choice>
+        <mc:Fallback>
+          <p:sp>
+            <p:nvSpPr>
+              <p:cNvPr id="143" name="Google Shape;143;gf6106cedff_0_0"/>
+              <p:cNvSpPr txBox="1">
+                <a:spLocks noGrp="1" noRot="1" noChangeAspect="1" noMove="1" noResize="1" noEditPoints="1" noAdjustHandles="1" noChangeArrowheads="1" noChangeShapeType="1" noTextEdit="1"/>
+              </p:cNvSpPr>
+              <p:nvPr>
+                <p:ph type="body" idx="1"/>
+              </p:nvPr>
+            </p:nvSpPr>
+            <p:spPr>
+              <a:xfrm>
+                <a:off x="200400" y="1293223"/>
+                <a:ext cx="8943600" cy="5734594"/>
+              </a:xfrm>
+              <a:prstGeom prst="rect">
+                <a:avLst/>
+              </a:prstGeom>
+              <a:blipFill>
+                <a:blip r:embed="rId3"/>
+                <a:stretch>
+                  <a:fillRect t="-956" r="-1636"/>
+                </a:stretch>
+              </a:blipFill>
+            </p:spPr>
+            <p:txBody>
+              <a:bodyPr/>
+              <a:lstStyle/>
+              <a:p>
+                <a:r>
+                  <a:rPr lang="en-US">
+                    <a:noFill/>
+                  </a:rPr>
+                  <a:t> </a:t>
+                </a:r>
+              </a:p>
+            </p:txBody>
+          </p:sp>
+        </mc:Fallback>
+      </mc:AlternateContent>
       <p:sp>
         <p:nvSpPr>
           <p:cNvPr id="144" name="Google Shape;144;gf6106cedff_0_0"/>
@@ -18745,295 +20522,10 @@
               <a:rPr lang="en-HK"/>
               <a:t>8</a:t>
             </a:fld>
-            <a:endParaRPr/>
+            <a:endParaRPr dirty="0"/>
           </a:p>
         </p:txBody>
       </p:sp>
-      <p:graphicFrame>
-        <p:nvGraphicFramePr>
-          <p:cNvPr id="3" name="Object 2"/>
-          <p:cNvGraphicFramePr>
-            <a:graphicFrameLocks noChangeAspect="1"/>
-          </p:cNvGraphicFramePr>
-          <p:nvPr>
-            <p:extLst>
-              <p:ext uri="{D42A27DB-BD31-4B8C-83A1-F6EECF244321}">
-                <p14:modId xmlns:p14="http://schemas.microsoft.com/office/powerpoint/2010/main" val="168191467"/>
-              </p:ext>
-            </p:extLst>
-          </p:nvPr>
-        </p:nvGraphicFramePr>
-        <p:xfrm>
-          <a:off x="1157150" y="3478144"/>
-          <a:ext cx="2892335" cy="744583"/>
-        </p:xfrm>
-        <a:graphic>
-          <a:graphicData uri="http://schemas.openxmlformats.org/presentationml/2006/ole">
-            <mc:AlternateContent xmlns:mc="http://schemas.openxmlformats.org/markup-compatibility/2006">
-              <mc:Choice xmlns:v="urn:schemas-microsoft-com:vml" Requires="v">
-                <p:oleObj spid="_x0000_s2099" name="Equation" r:id="rId4" imgW="1447560" imgH="419040" progId="Equation.DSMT4">
-                  <p:embed/>
-                </p:oleObj>
-              </mc:Choice>
-              <mc:Fallback>
-                <p:oleObj name="Equation" r:id="rId4" imgW="1447560" imgH="419040" progId="Equation.DSMT4">
-                  <p:embed/>
-                  <p:pic>
-                    <p:nvPicPr>
-                      <p:cNvPr id="0" name=""/>
-                      <p:cNvPicPr/>
-                      <p:nvPr/>
-                    </p:nvPicPr>
-                    <p:blipFill>
-                      <a:blip r:embed="rId5"/>
-                      <a:stretch>
-                        <a:fillRect/>
-                      </a:stretch>
-                    </p:blipFill>
-                    <p:spPr>
-                      <a:xfrm>
-                        <a:off x="1157150" y="3478144"/>
-                        <a:ext cx="2892335" cy="744583"/>
-                      </a:xfrm>
-                      <a:prstGeom prst="rect">
-                        <a:avLst/>
-                      </a:prstGeom>
-                    </p:spPr>
-                  </p:pic>
-                </p:oleObj>
-              </mc:Fallback>
-            </mc:AlternateContent>
-          </a:graphicData>
-        </a:graphic>
-      </p:graphicFrame>
-      <p:graphicFrame>
-        <p:nvGraphicFramePr>
-          <p:cNvPr id="4" name="Object 3"/>
-          <p:cNvGraphicFramePr>
-            <a:graphicFrameLocks noChangeAspect="1"/>
-          </p:cNvGraphicFramePr>
-          <p:nvPr>
-            <p:extLst>
-              <p:ext uri="{D42A27DB-BD31-4B8C-83A1-F6EECF244321}">
-                <p14:modId xmlns:p14="http://schemas.microsoft.com/office/powerpoint/2010/main" val="3399622881"/>
-              </p:ext>
-            </p:extLst>
-          </p:nvPr>
-        </p:nvGraphicFramePr>
-        <p:xfrm>
-          <a:off x="4161042" y="4295351"/>
-          <a:ext cx="2730137" cy="770709"/>
-        </p:xfrm>
-        <a:graphic>
-          <a:graphicData uri="http://schemas.openxmlformats.org/presentationml/2006/ole">
-            <mc:AlternateContent xmlns:mc="http://schemas.openxmlformats.org/markup-compatibility/2006">
-              <mc:Choice xmlns:v="urn:schemas-microsoft-com:vml" Requires="v">
-                <p:oleObj spid="_x0000_s2100" name="Equation" r:id="rId6" imgW="1396800" imgH="419040" progId="Equation.DSMT4">
-                  <p:embed/>
-                </p:oleObj>
-              </mc:Choice>
-              <mc:Fallback>
-                <p:oleObj name="Equation" r:id="rId6" imgW="1396800" imgH="419040" progId="Equation.DSMT4">
-                  <p:embed/>
-                  <p:pic>
-                    <p:nvPicPr>
-                      <p:cNvPr id="0" name=""/>
-                      <p:cNvPicPr/>
-                      <p:nvPr/>
-                    </p:nvPicPr>
-                    <p:blipFill>
-                      <a:blip r:embed="rId7"/>
-                      <a:stretch>
-                        <a:fillRect/>
-                      </a:stretch>
-                    </p:blipFill>
-                    <p:spPr>
-                      <a:xfrm>
-                        <a:off x="4161042" y="4295351"/>
-                        <a:ext cx="2730137" cy="770709"/>
-                      </a:xfrm>
-                      <a:prstGeom prst="rect">
-                        <a:avLst/>
-                      </a:prstGeom>
-                    </p:spPr>
-                  </p:pic>
-                </p:oleObj>
-              </mc:Fallback>
-            </mc:AlternateContent>
-          </a:graphicData>
-        </a:graphic>
-      </p:graphicFrame>
-      <p:graphicFrame>
-        <p:nvGraphicFramePr>
-          <p:cNvPr id="6" name="Object 5"/>
-          <p:cNvGraphicFramePr>
-            <a:graphicFrameLocks noChangeAspect="1"/>
-          </p:cNvGraphicFramePr>
-          <p:nvPr>
-            <p:extLst>
-              <p:ext uri="{D42A27DB-BD31-4B8C-83A1-F6EECF244321}">
-                <p14:modId xmlns:p14="http://schemas.microsoft.com/office/powerpoint/2010/main" val="3583090837"/>
-              </p:ext>
-            </p:extLst>
-          </p:nvPr>
-        </p:nvGraphicFramePr>
-        <p:xfrm>
-          <a:off x="7002737" y="3170912"/>
-          <a:ext cx="617263" cy="428265"/>
-        </p:xfrm>
-        <a:graphic>
-          <a:graphicData uri="http://schemas.openxmlformats.org/presentationml/2006/ole">
-            <mc:AlternateContent xmlns:mc="http://schemas.openxmlformats.org/markup-compatibility/2006">
-              <mc:Choice xmlns:v="urn:schemas-microsoft-com:vml" Requires="v">
-                <p:oleObj spid="_x0000_s2101" name="Equation" r:id="rId8" imgW="241200" imgH="203040" progId="Equation.DSMT4">
-                  <p:embed/>
-                </p:oleObj>
-              </mc:Choice>
-              <mc:Fallback>
-                <p:oleObj name="Equation" r:id="rId8" imgW="241200" imgH="203040" progId="Equation.DSMT4">
-                  <p:embed/>
-                  <p:pic>
-                    <p:nvPicPr>
-                      <p:cNvPr id="0" name=""/>
-                      <p:cNvPicPr/>
-                      <p:nvPr/>
-                    </p:nvPicPr>
-                    <p:blipFill>
-                      <a:blip r:embed="rId9"/>
-                      <a:stretch>
-                        <a:fillRect/>
-                      </a:stretch>
-                    </p:blipFill>
-                    <p:spPr>
-                      <a:xfrm>
-                        <a:off x="7002737" y="3170912"/>
-                        <a:ext cx="617263" cy="428265"/>
-                      </a:xfrm>
-                      <a:prstGeom prst="rect">
-                        <a:avLst/>
-                      </a:prstGeom>
-                    </p:spPr>
-                  </p:pic>
-                </p:oleObj>
-              </mc:Fallback>
-            </mc:AlternateContent>
-          </a:graphicData>
-        </a:graphic>
-      </p:graphicFrame>
-      <p:graphicFrame>
-        <p:nvGraphicFramePr>
-          <p:cNvPr id="7" name="Object 6"/>
-          <p:cNvGraphicFramePr>
-            <a:graphicFrameLocks noChangeAspect="1"/>
-          </p:cNvGraphicFramePr>
-          <p:nvPr>
-            <p:extLst>
-              <p:ext uri="{D42A27DB-BD31-4B8C-83A1-F6EECF244321}">
-                <p14:modId xmlns:p14="http://schemas.microsoft.com/office/powerpoint/2010/main" val="1489680480"/>
-              </p:ext>
-            </p:extLst>
-          </p:nvPr>
-        </p:nvGraphicFramePr>
-        <p:xfrm>
-          <a:off x="1157150" y="5265278"/>
-          <a:ext cx="2226130" cy="328901"/>
-        </p:xfrm>
-        <a:graphic>
-          <a:graphicData uri="http://schemas.openxmlformats.org/presentationml/2006/ole">
-            <mc:AlternateContent xmlns:mc="http://schemas.openxmlformats.org/markup-compatibility/2006">
-              <mc:Choice xmlns:v="urn:schemas-microsoft-com:vml" Requires="v">
-                <p:oleObj spid="_x0000_s2102" name="Equation" r:id="rId10" imgW="914400" imgH="203040" progId="Equation.DSMT4">
-                  <p:embed/>
-                </p:oleObj>
-              </mc:Choice>
-              <mc:Fallback>
-                <p:oleObj name="Equation" r:id="rId10" imgW="914400" imgH="203040" progId="Equation.DSMT4">
-                  <p:embed/>
-                  <p:pic>
-                    <p:nvPicPr>
-                      <p:cNvPr id="0" name=""/>
-                      <p:cNvPicPr/>
-                      <p:nvPr/>
-                    </p:nvPicPr>
-                    <p:blipFill>
-                      <a:blip r:embed="rId11"/>
-                      <a:stretch>
-                        <a:fillRect/>
-                      </a:stretch>
-                    </p:blipFill>
-                    <p:spPr>
-                      <a:xfrm>
-                        <a:off x="1157150" y="5265278"/>
-                        <a:ext cx="2226130" cy="328901"/>
-                      </a:xfrm>
-                      <a:prstGeom prst="rect">
-                        <a:avLst/>
-                      </a:prstGeom>
-                    </p:spPr>
-                  </p:pic>
-                </p:oleObj>
-              </mc:Fallback>
-            </mc:AlternateContent>
-          </a:graphicData>
-        </a:graphic>
-      </p:graphicFrame>
-      <p:graphicFrame>
-        <p:nvGraphicFramePr>
-          <p:cNvPr id="11" name="Object 10"/>
-          <p:cNvGraphicFramePr>
-            <a:graphicFrameLocks noChangeAspect="1"/>
-          </p:cNvGraphicFramePr>
-          <p:nvPr>
-            <p:extLst>
-              <p:ext uri="{D42A27DB-BD31-4B8C-83A1-F6EECF244321}">
-                <p14:modId xmlns:p14="http://schemas.microsoft.com/office/powerpoint/2010/main" val="2317988781"/>
-              </p:ext>
-            </p:extLst>
-          </p:nvPr>
-        </p:nvGraphicFramePr>
-        <p:xfrm>
-          <a:off x="745283" y="6437512"/>
-          <a:ext cx="3415759" cy="420488"/>
-        </p:xfrm>
-        <a:graphic>
-          <a:graphicData uri="http://schemas.openxmlformats.org/presentationml/2006/ole">
-            <mc:AlternateContent xmlns:mc="http://schemas.openxmlformats.org/markup-compatibility/2006">
-              <mc:Choice xmlns:v="urn:schemas-microsoft-com:vml" Requires="v">
-                <p:oleObj spid="_x0000_s2103" name="Equation" r:id="rId12" imgW="1549080" imgH="203040" progId="Equation.DSMT4">
-                  <p:embed/>
-                </p:oleObj>
-              </mc:Choice>
-              <mc:Fallback>
-                <p:oleObj name="Equation" r:id="rId12" imgW="1549080" imgH="203040" progId="Equation.DSMT4">
-                  <p:embed/>
-                  <p:pic>
-                    <p:nvPicPr>
-                      <p:cNvPr id="0" name=""/>
-                      <p:cNvPicPr/>
-                      <p:nvPr/>
-                    </p:nvPicPr>
-                    <p:blipFill>
-                      <a:blip r:embed="rId13"/>
-                      <a:stretch>
-                        <a:fillRect/>
-                      </a:stretch>
-                    </p:blipFill>
-                    <p:spPr>
-                      <a:xfrm>
-                        <a:off x="745283" y="6437512"/>
-                        <a:ext cx="3415759" cy="420488"/>
-                      </a:xfrm>
-                      <a:prstGeom prst="rect">
-                        <a:avLst/>
-                      </a:prstGeom>
-                    </p:spPr>
-                  </p:pic>
-                </p:oleObj>
-              </mc:Fallback>
-            </mc:AlternateContent>
-          </a:graphicData>
-        </a:graphic>
-      </p:graphicFrame>
     </p:spTree>
   </p:cSld>
   <p:clrMapOvr>
@@ -19301,11 +20793,7 @@
             </a:r>
             <a:r>
               <a:rPr lang="en-HK" sz="2400" dirty="0" smtClean="0"/>
-              <a:t>nother </a:t>
-            </a:r>
-            <a:r>
-              <a:rPr lang="en-HK" sz="2400" dirty="0" smtClean="0"/>
-              <a:t>one </a:t>
+              <a:t>nother one </a:t>
             </a:r>
             <a:r>
               <a:rPr lang="en-HK" sz="2400" dirty="0"/>
